--- a/Chapter 12 - First meeting with Mr Rochester.pptx
+++ b/Chapter 12 - First meeting with Mr Rochester.pptx
@@ -9,6 +9,10 @@
     <p:sldId id="257" r:id="rId3"/>
     <p:sldId id="258" r:id="rId4"/>
     <p:sldId id="259" r:id="rId5"/>
+    <p:sldId id="260" r:id="rId6"/>
+    <p:sldId id="261" r:id="rId7"/>
+    <p:sldId id="262" r:id="rId8"/>
+    <p:sldId id="263" r:id="rId9"/>
   </p:sldIdLst>
   <p:sldSz cx="12192000" cy="6858000"/>
   <p:notesSz cx="6858000" cy="9144000"/>
@@ -107,6 +111,27 @@
       </a:defRPr>
     </a:lvl9pPr>
   </p:defaultTextStyle>
+  <p:extLst>
+    <p:ext uri="{521415D9-36F7-43E2-AB2F-B90AF26B5E84}">
+      <p14:sectionLst xmlns:p14="http://schemas.microsoft.com/office/powerpoint/2010/main">
+        <p14:section name="Section par défaut" id="{D83AA675-AACA-45DA-9398-28F7EEE97D36}">
+          <p14:sldIdLst>
+            <p14:sldId id="256"/>
+            <p14:sldId id="257"/>
+            <p14:sldId id="258"/>
+            <p14:sldId id="259"/>
+            <p14:sldId id="260"/>
+            <p14:sldId id="261"/>
+            <p14:sldId id="262"/>
+            <p14:sldId id="263"/>
+          </p14:sldIdLst>
+        </p14:section>
+      </p14:sectionLst>
+    </p:ext>
+    <p:ext uri="{EFAFB233-063F-42B5-8137-9DF3F51BA10A}">
+      <p15:sldGuideLst xmlns:p15="http://schemas.microsoft.com/office/powerpoint/2012/main"/>
+    </p:ext>
+  </p:extLst>
 </p:presentation>
 </file>
 
@@ -257,7 +282,7 @@
           <a:p>
             <a:fld id="{390E25EC-8D43-413F-9A7B-6C859F2F7F89}" type="datetimeFigureOut">
               <a:rPr lang="fr-FR" smtClean="0"/>
-              <a:t>30/03/2021</a:t>
+              <a:t>01/04/2021</a:t>
             </a:fld>
             <a:endParaRPr lang="fr-FR"/>
           </a:p>
@@ -455,7 +480,7 @@
           <a:p>
             <a:fld id="{390E25EC-8D43-413F-9A7B-6C859F2F7F89}" type="datetimeFigureOut">
               <a:rPr lang="fr-FR" smtClean="0"/>
-              <a:t>30/03/2021</a:t>
+              <a:t>01/04/2021</a:t>
             </a:fld>
             <a:endParaRPr lang="fr-FR"/>
           </a:p>
@@ -663,7 +688,7 @@
           <a:p>
             <a:fld id="{390E25EC-8D43-413F-9A7B-6C859F2F7F89}" type="datetimeFigureOut">
               <a:rPr lang="fr-FR" smtClean="0"/>
-              <a:t>30/03/2021</a:t>
+              <a:t>01/04/2021</a:t>
             </a:fld>
             <a:endParaRPr lang="fr-FR"/>
           </a:p>
@@ -861,7 +886,7 @@
           <a:p>
             <a:fld id="{390E25EC-8D43-413F-9A7B-6C859F2F7F89}" type="datetimeFigureOut">
               <a:rPr lang="fr-FR" smtClean="0"/>
-              <a:t>30/03/2021</a:t>
+              <a:t>01/04/2021</a:t>
             </a:fld>
             <a:endParaRPr lang="fr-FR"/>
           </a:p>
@@ -1136,7 +1161,7 @@
           <a:p>
             <a:fld id="{390E25EC-8D43-413F-9A7B-6C859F2F7F89}" type="datetimeFigureOut">
               <a:rPr lang="fr-FR" smtClean="0"/>
-              <a:t>30/03/2021</a:t>
+              <a:t>01/04/2021</a:t>
             </a:fld>
             <a:endParaRPr lang="fr-FR"/>
           </a:p>
@@ -1401,7 +1426,7 @@
           <a:p>
             <a:fld id="{390E25EC-8D43-413F-9A7B-6C859F2F7F89}" type="datetimeFigureOut">
               <a:rPr lang="fr-FR" smtClean="0"/>
-              <a:t>30/03/2021</a:t>
+              <a:t>01/04/2021</a:t>
             </a:fld>
             <a:endParaRPr lang="fr-FR"/>
           </a:p>
@@ -1813,7 +1838,7 @@
           <a:p>
             <a:fld id="{390E25EC-8D43-413F-9A7B-6C859F2F7F89}" type="datetimeFigureOut">
               <a:rPr lang="fr-FR" smtClean="0"/>
-              <a:t>30/03/2021</a:t>
+              <a:t>01/04/2021</a:t>
             </a:fld>
             <a:endParaRPr lang="fr-FR"/>
           </a:p>
@@ -1954,7 +1979,7 @@
           <a:p>
             <a:fld id="{390E25EC-8D43-413F-9A7B-6C859F2F7F89}" type="datetimeFigureOut">
               <a:rPr lang="fr-FR" smtClean="0"/>
-              <a:t>30/03/2021</a:t>
+              <a:t>01/04/2021</a:t>
             </a:fld>
             <a:endParaRPr lang="fr-FR"/>
           </a:p>
@@ -2067,7 +2092,7 @@
           <a:p>
             <a:fld id="{390E25EC-8D43-413F-9A7B-6C859F2F7F89}" type="datetimeFigureOut">
               <a:rPr lang="fr-FR" smtClean="0"/>
-              <a:t>30/03/2021</a:t>
+              <a:t>01/04/2021</a:t>
             </a:fld>
             <a:endParaRPr lang="fr-FR"/>
           </a:p>
@@ -2378,7 +2403,7 @@
           <a:p>
             <a:fld id="{390E25EC-8D43-413F-9A7B-6C859F2F7F89}" type="datetimeFigureOut">
               <a:rPr lang="fr-FR" smtClean="0"/>
-              <a:t>30/03/2021</a:t>
+              <a:t>01/04/2021</a:t>
             </a:fld>
             <a:endParaRPr lang="fr-FR"/>
           </a:p>
@@ -2666,7 +2691,7 @@
           <a:p>
             <a:fld id="{390E25EC-8D43-413F-9A7B-6C859F2F7F89}" type="datetimeFigureOut">
               <a:rPr lang="fr-FR" smtClean="0"/>
-              <a:t>30/03/2021</a:t>
+              <a:t>01/04/2021</a:t>
             </a:fld>
             <a:endParaRPr lang="fr-FR"/>
           </a:p>
@@ -2907,7 +2932,7 @@
           <a:p>
             <a:fld id="{390E25EC-8D43-413F-9A7B-6C859F2F7F89}" type="datetimeFigureOut">
               <a:rPr lang="fr-FR" smtClean="0"/>
-              <a:t>30/03/2021</a:t>
+              <a:t>01/04/2021</a:t>
             </a:fld>
             <a:endParaRPr lang="fr-FR"/>
           </a:p>
@@ -4605,7 +4630,7 @@
               </a:rPr>
               <a:t>he two characters’ personality</a:t>
             </a:r>
-            <a:endParaRPr lang="fr-FR" sz="4800" u="sng" dirty="0">
+            <a:endParaRPr lang="fr-FR" sz="4800" b="1" u="sng" dirty="0">
               <a:latin typeface="Baskerville Old Face" panose="02020602080505020303" pitchFamily="18" charset="0"/>
             </a:endParaRPr>
           </a:p>
@@ -4722,6 +4747,1537 @@
     <p:extLst>
       <p:ext uri="{BB962C8B-B14F-4D97-AF65-F5344CB8AC3E}">
         <p14:creationId xmlns:p14="http://schemas.microsoft.com/office/powerpoint/2010/main" val="2638122407"/>
+      </p:ext>
+    </p:extLst>
+  </p:cSld>
+  <p:clrMapOvr>
+    <a:masterClrMapping/>
+  </p:clrMapOvr>
+</p:sld>
+</file>
+
+<file path=ppt/slides/slide5.xml><?xml version="1.0" encoding="utf-8"?>
+<p:sld xmlns:a="http://schemas.openxmlformats.org/drawingml/2006/main" xmlns:r="http://schemas.openxmlformats.org/officeDocument/2006/relationships" xmlns:p="http://schemas.openxmlformats.org/presentationml/2006/main">
+  <p:cSld>
+    <p:spTree>
+      <p:nvGrpSpPr>
+        <p:cNvPr id="1" name=""/>
+        <p:cNvGrpSpPr/>
+        <p:nvPr/>
+      </p:nvGrpSpPr>
+      <p:grpSpPr>
+        <a:xfrm>
+          <a:off x="0" y="0"/>
+          <a:ext cx="0" cy="0"/>
+          <a:chOff x="0" y="0"/>
+          <a:chExt cx="0" cy="0"/>
+        </a:xfrm>
+      </p:grpSpPr>
+      <p:pic>
+        <p:nvPicPr>
+          <p:cNvPr id="11" name="Image 10" descr="Une image contenant vieux&#10;&#10;Description générée automatiquement">
+            <a:extLst>
+              <a:ext uri="{FF2B5EF4-FFF2-40B4-BE49-F238E27FC236}">
+                <a16:creationId xmlns:a16="http://schemas.microsoft.com/office/drawing/2014/main" id="{492C6E4F-3EC1-4A71-9023-67D30574C206}"/>
+              </a:ext>
+            </a:extLst>
+          </p:cNvPr>
+          <p:cNvPicPr>
+            <a:picLocks noChangeAspect="1"/>
+          </p:cNvPicPr>
+          <p:nvPr/>
+        </p:nvPicPr>
+        <p:blipFill>
+          <a:blip r:embed="rId2">
+            <a:extLst>
+              <a:ext uri="{28A0092B-C50C-407E-A947-70E740481C1C}">
+                <a14:useLocalDpi xmlns:a14="http://schemas.microsoft.com/office/drawing/2010/main" val="0"/>
+              </a:ext>
+            </a:extLst>
+          </a:blip>
+          <a:stretch>
+            <a:fillRect/>
+          </a:stretch>
+        </p:blipFill>
+        <p:spPr>
+          <a:xfrm>
+            <a:off x="0" y="0"/>
+            <a:ext cx="12192000" cy="6858000"/>
+          </a:xfrm>
+          <a:prstGeom prst="rect">
+            <a:avLst/>
+          </a:prstGeom>
+        </p:spPr>
+      </p:pic>
+      <p:sp>
+        <p:nvSpPr>
+          <p:cNvPr id="13" name="Rectangle 12">
+            <a:extLst>
+              <a:ext uri="{FF2B5EF4-FFF2-40B4-BE49-F238E27FC236}">
+                <a16:creationId xmlns:a16="http://schemas.microsoft.com/office/drawing/2014/main" id="{73D72025-4A3D-41D2-919C-264DD094BDC9}"/>
+              </a:ext>
+            </a:extLst>
+          </p:cNvPr>
+          <p:cNvSpPr/>
+          <p:nvPr/>
+        </p:nvSpPr>
+        <p:spPr>
+          <a:xfrm>
+            <a:off x="219075" y="133350"/>
+            <a:ext cx="11801475" cy="6534150"/>
+          </a:xfrm>
+          <a:prstGeom prst="rect">
+            <a:avLst/>
+          </a:prstGeom>
+          <a:noFill/>
+          <a:ln w="19050">
+            <a:solidFill>
+              <a:schemeClr val="tx1"/>
+            </a:solidFill>
+          </a:ln>
+        </p:spPr>
+        <p:style>
+          <a:lnRef idx="2">
+            <a:schemeClr val="accent1">
+              <a:shade val="50000"/>
+            </a:schemeClr>
+          </a:lnRef>
+          <a:fillRef idx="1">
+            <a:schemeClr val="accent1"/>
+          </a:fillRef>
+          <a:effectRef idx="0">
+            <a:schemeClr val="accent1"/>
+          </a:effectRef>
+          <a:fontRef idx="minor">
+            <a:schemeClr val="lt1"/>
+          </a:fontRef>
+        </p:style>
+        <p:txBody>
+          <a:bodyPr rtlCol="0" anchor="ctr"/>
+          <a:lstStyle/>
+          <a:p>
+            <a:pPr algn="ctr"/>
+            <a:endParaRPr lang="fr-FR"/>
+          </a:p>
+        </p:txBody>
+      </p:sp>
+      <p:sp>
+        <p:nvSpPr>
+          <p:cNvPr id="6" name="ZoneTexte 5">
+            <a:extLst>
+              <a:ext uri="{FF2B5EF4-FFF2-40B4-BE49-F238E27FC236}">
+                <a16:creationId xmlns:a16="http://schemas.microsoft.com/office/drawing/2014/main" id="{2B2A90D1-B0AD-49C8-8ABE-AD79025949F1}"/>
+              </a:ext>
+            </a:extLst>
+          </p:cNvPr>
+          <p:cNvSpPr txBox="1"/>
+          <p:nvPr/>
+        </p:nvSpPr>
+        <p:spPr>
+          <a:xfrm>
+            <a:off x="692331" y="529560"/>
+            <a:ext cx="11077303" cy="1569660"/>
+          </a:xfrm>
+          <a:prstGeom prst="rect">
+            <a:avLst/>
+          </a:prstGeom>
+          <a:noFill/>
+        </p:spPr>
+        <p:txBody>
+          <a:bodyPr wrap="square">
+            <a:spAutoFit/>
+          </a:bodyPr>
+          <a:lstStyle/>
+          <a:p>
+            <a:r>
+              <a:rPr lang="en-GB" sz="4800" b="1" dirty="0">
+                <a:solidFill>
+                  <a:schemeClr val="accent6">
+                    <a:lumMod val="50000"/>
+                  </a:schemeClr>
+                </a:solidFill>
+                <a:latin typeface="Baskerville Old Face" panose="02020602080505020303" pitchFamily="18" charset="0"/>
+                <a:ea typeface="Calibri" panose="020F0502020204030204" pitchFamily="34" charset="0"/>
+                <a:cs typeface="Times New Roman" panose="02020603050405020304" pitchFamily="18" charset="0"/>
+              </a:rPr>
+              <a:t>How Jane describe the rider’s physical appearance ?</a:t>
+            </a:r>
+            <a:endParaRPr lang="fr-FR" sz="4800" dirty="0">
+              <a:solidFill>
+                <a:schemeClr val="accent6">
+                  <a:lumMod val="50000"/>
+                </a:schemeClr>
+              </a:solidFill>
+              <a:latin typeface="Baskerville Old Face" panose="02020602080505020303" pitchFamily="18" charset="0"/>
+            </a:endParaRPr>
+          </a:p>
+        </p:txBody>
+      </p:sp>
+      <p:sp>
+        <p:nvSpPr>
+          <p:cNvPr id="7" name="ZoneTexte 6">
+            <a:extLst>
+              <a:ext uri="{FF2B5EF4-FFF2-40B4-BE49-F238E27FC236}">
+                <a16:creationId xmlns:a16="http://schemas.microsoft.com/office/drawing/2014/main" id="{B1E0DCBE-65BB-41CA-924B-679F785BC4F2}"/>
+              </a:ext>
+            </a:extLst>
+          </p:cNvPr>
+          <p:cNvSpPr txBox="1"/>
+          <p:nvPr/>
+        </p:nvSpPr>
+        <p:spPr>
+          <a:xfrm>
+            <a:off x="959710" y="2696678"/>
+            <a:ext cx="9091614" cy="2062103"/>
+          </a:xfrm>
+          <a:prstGeom prst="rect">
+            <a:avLst/>
+          </a:prstGeom>
+          <a:noFill/>
+        </p:spPr>
+        <p:txBody>
+          <a:bodyPr wrap="square">
+            <a:spAutoFit/>
+          </a:bodyPr>
+          <a:lstStyle/>
+          <a:p>
+            <a:r>
+              <a:rPr lang="en-US" sz="3200" dirty="0">
+                <a:effectLst/>
+                <a:latin typeface="Baskerville Old Face" panose="02020602080505020303" pitchFamily="18" charset="0"/>
+                <a:ea typeface="Times New Roman" panose="02020603050405020304" pitchFamily="18" charset="0"/>
+                <a:cs typeface="Calibri" panose="020F0502020204030204" pitchFamily="34" charset="0"/>
+              </a:rPr>
+              <a:t>- a middle-</a:t>
+            </a:r>
+            <a:r>
+              <a:rPr lang="en-US" sz="3200" dirty="0" err="1">
+                <a:effectLst/>
+                <a:latin typeface="Baskerville Old Face" panose="02020602080505020303" pitchFamily="18" charset="0"/>
+                <a:ea typeface="Times New Roman" panose="02020603050405020304" pitchFamily="18" charset="0"/>
+                <a:cs typeface="Calibri" panose="020F0502020204030204" pitchFamily="34" charset="0"/>
+              </a:rPr>
+              <a:t>highted</a:t>
+            </a:r>
+            <a:r>
+              <a:rPr lang="en-US" sz="3200" dirty="0">
+                <a:effectLst/>
+                <a:latin typeface="Baskerville Old Face" panose="02020602080505020303" pitchFamily="18" charset="0"/>
+                <a:ea typeface="Times New Roman" panose="02020603050405020304" pitchFamily="18" charset="0"/>
+                <a:cs typeface="Calibri" panose="020F0502020204030204" pitchFamily="34" charset="0"/>
+              </a:rPr>
+              <a:t> man</a:t>
+            </a:r>
+          </a:p>
+          <a:p>
+            <a:r>
+              <a:rPr lang="en-US" sz="3200" dirty="0">
+                <a:effectLst/>
+                <a:latin typeface="Baskerville Old Face" panose="02020602080505020303" pitchFamily="18" charset="0"/>
+                <a:ea typeface="Times New Roman" panose="02020603050405020304" pitchFamily="18" charset="0"/>
+                <a:cs typeface="Calibri" panose="020F0502020204030204" pitchFamily="34" charset="0"/>
+              </a:rPr>
+              <a:t>- a dark face with stern’s features, heavy brow, his eyes and gathered eyebrows looked ireful and thwarted</a:t>
+            </a:r>
+            <a:endParaRPr lang="en-US" sz="3200" dirty="0">
+              <a:latin typeface="Baskerville Old Face" panose="02020602080505020303" pitchFamily="18" charset="0"/>
+              <a:ea typeface="Times New Roman" panose="02020603050405020304" pitchFamily="18" charset="0"/>
+              <a:cs typeface="Calibri" panose="020F0502020204030204" pitchFamily="34" charset="0"/>
+            </a:endParaRPr>
+          </a:p>
+          <a:p>
+            <a:pPr marL="457200" indent="-457200">
+              <a:buFontTx/>
+              <a:buChar char="-"/>
+            </a:pPr>
+            <a:endParaRPr lang="fr-FR" sz="3200" dirty="0">
+              <a:latin typeface="Baskerville Old Face" panose="02020602080505020303" pitchFamily="18" charset="0"/>
+            </a:endParaRPr>
+          </a:p>
+        </p:txBody>
+      </p:sp>
+    </p:spTree>
+    <p:extLst>
+      <p:ext uri="{BB962C8B-B14F-4D97-AF65-F5344CB8AC3E}">
+        <p14:creationId xmlns:p14="http://schemas.microsoft.com/office/powerpoint/2010/main" val="934972209"/>
+      </p:ext>
+    </p:extLst>
+  </p:cSld>
+  <p:clrMapOvr>
+    <a:masterClrMapping/>
+  </p:clrMapOvr>
+</p:sld>
+</file>
+
+<file path=ppt/slides/slide6.xml><?xml version="1.0" encoding="utf-8"?>
+<p:sld xmlns:a="http://schemas.openxmlformats.org/drawingml/2006/main" xmlns:r="http://schemas.openxmlformats.org/officeDocument/2006/relationships" xmlns:p="http://schemas.openxmlformats.org/presentationml/2006/main">
+  <p:cSld>
+    <p:spTree>
+      <p:nvGrpSpPr>
+        <p:cNvPr id="1" name=""/>
+        <p:cNvGrpSpPr/>
+        <p:nvPr/>
+      </p:nvGrpSpPr>
+      <p:grpSpPr>
+        <a:xfrm>
+          <a:off x="0" y="0"/>
+          <a:ext cx="0" cy="0"/>
+          <a:chOff x="0" y="0"/>
+          <a:chExt cx="0" cy="0"/>
+        </a:xfrm>
+      </p:grpSpPr>
+      <p:pic>
+        <p:nvPicPr>
+          <p:cNvPr id="11" name="Image 10" descr="Une image contenant vieux&#10;&#10;Description générée automatiquement">
+            <a:extLst>
+              <a:ext uri="{FF2B5EF4-FFF2-40B4-BE49-F238E27FC236}">
+                <a16:creationId xmlns:a16="http://schemas.microsoft.com/office/drawing/2014/main" id="{492C6E4F-3EC1-4A71-9023-67D30574C206}"/>
+              </a:ext>
+            </a:extLst>
+          </p:cNvPr>
+          <p:cNvPicPr>
+            <a:picLocks noChangeAspect="1"/>
+          </p:cNvPicPr>
+          <p:nvPr/>
+        </p:nvPicPr>
+        <p:blipFill>
+          <a:blip r:embed="rId2">
+            <a:extLst>
+              <a:ext uri="{28A0092B-C50C-407E-A947-70E740481C1C}">
+                <a14:useLocalDpi xmlns:a14="http://schemas.microsoft.com/office/drawing/2010/main" val="0"/>
+              </a:ext>
+            </a:extLst>
+          </a:blip>
+          <a:stretch>
+            <a:fillRect/>
+          </a:stretch>
+        </p:blipFill>
+        <p:spPr>
+          <a:xfrm>
+            <a:off x="0" y="0"/>
+            <a:ext cx="12192000" cy="6858000"/>
+          </a:xfrm>
+          <a:prstGeom prst="rect">
+            <a:avLst/>
+          </a:prstGeom>
+        </p:spPr>
+      </p:pic>
+      <p:sp>
+        <p:nvSpPr>
+          <p:cNvPr id="13" name="Rectangle 12">
+            <a:extLst>
+              <a:ext uri="{FF2B5EF4-FFF2-40B4-BE49-F238E27FC236}">
+                <a16:creationId xmlns:a16="http://schemas.microsoft.com/office/drawing/2014/main" id="{73D72025-4A3D-41D2-919C-264DD094BDC9}"/>
+              </a:ext>
+            </a:extLst>
+          </p:cNvPr>
+          <p:cNvSpPr/>
+          <p:nvPr/>
+        </p:nvSpPr>
+        <p:spPr>
+          <a:xfrm>
+            <a:off x="219075" y="133350"/>
+            <a:ext cx="11801475" cy="6534150"/>
+          </a:xfrm>
+          <a:prstGeom prst="rect">
+            <a:avLst/>
+          </a:prstGeom>
+          <a:noFill/>
+          <a:ln w="19050">
+            <a:solidFill>
+              <a:schemeClr val="tx1"/>
+            </a:solidFill>
+          </a:ln>
+        </p:spPr>
+        <p:style>
+          <a:lnRef idx="2">
+            <a:schemeClr val="accent1">
+              <a:shade val="50000"/>
+            </a:schemeClr>
+          </a:lnRef>
+          <a:fillRef idx="1">
+            <a:schemeClr val="accent1"/>
+          </a:fillRef>
+          <a:effectRef idx="0">
+            <a:schemeClr val="accent1"/>
+          </a:effectRef>
+          <a:fontRef idx="minor">
+            <a:schemeClr val="lt1"/>
+          </a:fontRef>
+        </p:style>
+        <p:txBody>
+          <a:bodyPr rtlCol="0" anchor="ctr"/>
+          <a:lstStyle/>
+          <a:p>
+            <a:pPr algn="ctr"/>
+            <a:endParaRPr lang="fr-FR"/>
+          </a:p>
+        </p:txBody>
+      </p:sp>
+      <p:sp>
+        <p:nvSpPr>
+          <p:cNvPr id="6" name="ZoneTexte 5">
+            <a:extLst>
+              <a:ext uri="{FF2B5EF4-FFF2-40B4-BE49-F238E27FC236}">
+                <a16:creationId xmlns:a16="http://schemas.microsoft.com/office/drawing/2014/main" id="{2B2A90D1-B0AD-49C8-8ABE-AD79025949F1}"/>
+              </a:ext>
+            </a:extLst>
+          </p:cNvPr>
+          <p:cNvSpPr txBox="1"/>
+          <p:nvPr/>
+        </p:nvSpPr>
+        <p:spPr>
+          <a:xfrm>
+            <a:off x="3152503" y="423532"/>
+            <a:ext cx="8286750" cy="830997"/>
+          </a:xfrm>
+          <a:prstGeom prst="rect">
+            <a:avLst/>
+          </a:prstGeom>
+          <a:noFill/>
+        </p:spPr>
+        <p:txBody>
+          <a:bodyPr wrap="square">
+            <a:spAutoFit/>
+          </a:bodyPr>
+          <a:lstStyle/>
+          <a:p>
+            <a:r>
+              <a:rPr lang="en-GB" sz="4800" b="1" u="sng" dirty="0">
+                <a:latin typeface="Baskerville Old Face" panose="02020602080505020303" pitchFamily="18" charset="0"/>
+                <a:ea typeface="Calibri" panose="020F0502020204030204" pitchFamily="34" charset="0"/>
+                <a:cs typeface="Times New Roman" panose="02020603050405020304" pitchFamily="18" charset="0"/>
+              </a:rPr>
+              <a:t>The </a:t>
+            </a:r>
+            <a:r>
+              <a:rPr lang="en-GB" sz="4800" b="1" u="sng" dirty="0">
+                <a:effectLst/>
+                <a:latin typeface="Baskerville Old Face" panose="02020602080505020303" pitchFamily="18" charset="0"/>
+                <a:ea typeface="Times New Roman" panose="02020603050405020304" pitchFamily="18" charset="0"/>
+                <a:cs typeface="Times New Roman" panose="02020603050405020304" pitchFamily="18" charset="0"/>
+              </a:rPr>
+              <a:t>symbols of virility</a:t>
+            </a:r>
+            <a:endParaRPr lang="fr-FR" sz="4800" b="1" u="sng" dirty="0">
+              <a:latin typeface="Baskerville Old Face" panose="02020602080505020303" pitchFamily="18" charset="0"/>
+            </a:endParaRPr>
+          </a:p>
+        </p:txBody>
+      </p:sp>
+      <p:sp>
+        <p:nvSpPr>
+          <p:cNvPr id="7" name="ZoneTexte 6">
+            <a:extLst>
+              <a:ext uri="{FF2B5EF4-FFF2-40B4-BE49-F238E27FC236}">
+                <a16:creationId xmlns:a16="http://schemas.microsoft.com/office/drawing/2014/main" id="{B1E0DCBE-65BB-41CA-924B-679F785BC4F2}"/>
+              </a:ext>
+            </a:extLst>
+          </p:cNvPr>
+          <p:cNvSpPr txBox="1"/>
+          <p:nvPr/>
+        </p:nvSpPr>
+        <p:spPr>
+          <a:xfrm>
+            <a:off x="985836" y="1654742"/>
+            <a:ext cx="4262711" cy="4552978"/>
+          </a:xfrm>
+          <a:prstGeom prst="rect">
+            <a:avLst/>
+          </a:prstGeom>
+          <a:noFill/>
+        </p:spPr>
+        <p:txBody>
+          <a:bodyPr wrap="square">
+            <a:spAutoFit/>
+          </a:bodyPr>
+          <a:lstStyle/>
+          <a:p>
+            <a:pPr marL="342900" marR="36195" lvl="0" indent="-342900" algn="just">
+              <a:lnSpc>
+                <a:spcPct val="150000"/>
+              </a:lnSpc>
+              <a:spcAft>
+                <a:spcPts val="0"/>
+              </a:spcAft>
+              <a:buFont typeface="Symbol" panose="05050102010706020507" pitchFamily="18" charset="2"/>
+              <a:buChar char=""/>
+              <a:tabLst>
+                <a:tab pos="1587500" algn="l"/>
+                <a:tab pos="1765300" algn="l"/>
+              </a:tabLst>
+            </a:pPr>
+            <a:r>
+              <a:rPr lang="en-GB" sz="2800" dirty="0">
+                <a:effectLst/>
+                <a:latin typeface="Baskerville Old Face" panose="02020602080505020303" pitchFamily="18" charset="0"/>
+                <a:ea typeface="Calibri" panose="020F0502020204030204" pitchFamily="34" charset="0"/>
+                <a:cs typeface="Calibri" panose="020F0502020204030204" pitchFamily="34" charset="0"/>
+              </a:rPr>
+              <a:t>Riding cloak</a:t>
+            </a:r>
+            <a:endParaRPr lang="fr-FR" sz="2800" dirty="0">
+              <a:effectLst/>
+              <a:latin typeface="Baskerville Old Face" panose="02020602080505020303" pitchFamily="18" charset="0"/>
+              <a:ea typeface="Calibri" panose="020F0502020204030204" pitchFamily="34" charset="0"/>
+              <a:cs typeface="Calibri" panose="020F0502020204030204" pitchFamily="34" charset="0"/>
+            </a:endParaRPr>
+          </a:p>
+          <a:p>
+            <a:pPr marL="342900" marR="36195" lvl="0" indent="-342900" algn="just">
+              <a:lnSpc>
+                <a:spcPct val="150000"/>
+              </a:lnSpc>
+              <a:spcAft>
+                <a:spcPts val="0"/>
+              </a:spcAft>
+              <a:buFont typeface="Symbol" panose="05050102010706020507" pitchFamily="18" charset="2"/>
+              <a:buChar char=""/>
+              <a:tabLst>
+                <a:tab pos="1587500" algn="l"/>
+                <a:tab pos="1765300" algn="l"/>
+              </a:tabLst>
+            </a:pPr>
+            <a:r>
+              <a:rPr lang="en-GB" sz="2800" dirty="0">
+                <a:effectLst/>
+                <a:latin typeface="Baskerville Old Face" panose="02020602080505020303" pitchFamily="18" charset="0"/>
+                <a:ea typeface="Calibri" panose="020F0502020204030204" pitchFamily="34" charset="0"/>
+                <a:cs typeface="Calibri" panose="020F0502020204030204" pitchFamily="34" charset="0"/>
+              </a:rPr>
+              <a:t>Fur collared</a:t>
+            </a:r>
+            <a:endParaRPr lang="fr-FR" sz="2800" dirty="0">
+              <a:effectLst/>
+              <a:latin typeface="Baskerville Old Face" panose="02020602080505020303" pitchFamily="18" charset="0"/>
+              <a:ea typeface="Calibri" panose="020F0502020204030204" pitchFamily="34" charset="0"/>
+              <a:cs typeface="Calibri" panose="020F0502020204030204" pitchFamily="34" charset="0"/>
+            </a:endParaRPr>
+          </a:p>
+          <a:p>
+            <a:pPr marL="342900" marR="36195" lvl="0" indent="-342900" algn="just">
+              <a:lnSpc>
+                <a:spcPct val="150000"/>
+              </a:lnSpc>
+              <a:spcAft>
+                <a:spcPts val="0"/>
+              </a:spcAft>
+              <a:buFont typeface="Symbol" panose="05050102010706020507" pitchFamily="18" charset="2"/>
+              <a:buChar char=""/>
+              <a:tabLst>
+                <a:tab pos="1587500" algn="l"/>
+                <a:tab pos="1765300" algn="l"/>
+              </a:tabLst>
+            </a:pPr>
+            <a:r>
+              <a:rPr lang="en-GB" sz="2800" dirty="0">
+                <a:effectLst/>
+                <a:latin typeface="Baskerville Old Face" panose="02020602080505020303" pitchFamily="18" charset="0"/>
+                <a:ea typeface="Calibri" panose="020F0502020204030204" pitchFamily="34" charset="0"/>
+                <a:cs typeface="Calibri" panose="020F0502020204030204" pitchFamily="34" charset="0"/>
+              </a:rPr>
+              <a:t>Steel </a:t>
+            </a:r>
+            <a:r>
+              <a:rPr lang="en-GB" sz="2800" dirty="0" err="1">
+                <a:effectLst/>
+                <a:latin typeface="Baskerville Old Face" panose="02020602080505020303" pitchFamily="18" charset="0"/>
+                <a:ea typeface="Calibri" panose="020F0502020204030204" pitchFamily="34" charset="0"/>
+                <a:cs typeface="Calibri" panose="020F0502020204030204" pitchFamily="34" charset="0"/>
+              </a:rPr>
+              <a:t>clapsed</a:t>
+            </a:r>
+            <a:endParaRPr lang="fr-FR" sz="2800" dirty="0">
+              <a:effectLst/>
+              <a:latin typeface="Baskerville Old Face" panose="02020602080505020303" pitchFamily="18" charset="0"/>
+              <a:ea typeface="Calibri" panose="020F0502020204030204" pitchFamily="34" charset="0"/>
+              <a:cs typeface="Calibri" panose="020F0502020204030204" pitchFamily="34" charset="0"/>
+            </a:endParaRPr>
+          </a:p>
+          <a:p>
+            <a:pPr marL="342900" marR="36195" lvl="0" indent="-342900" algn="just">
+              <a:lnSpc>
+                <a:spcPct val="150000"/>
+              </a:lnSpc>
+              <a:spcAft>
+                <a:spcPts val="0"/>
+              </a:spcAft>
+              <a:buFont typeface="Symbol" panose="05050102010706020507" pitchFamily="18" charset="2"/>
+              <a:buChar char=""/>
+              <a:tabLst>
+                <a:tab pos="1587500" algn="l"/>
+                <a:tab pos="1765300" algn="l"/>
+              </a:tabLst>
+            </a:pPr>
+            <a:r>
+              <a:rPr lang="en-GB" sz="2800" dirty="0">
+                <a:effectLst/>
+                <a:latin typeface="Baskerville Old Face" panose="02020602080505020303" pitchFamily="18" charset="0"/>
+                <a:ea typeface="Calibri" panose="020F0502020204030204" pitchFamily="34" charset="0"/>
+                <a:cs typeface="Calibri" panose="020F0502020204030204" pitchFamily="34" charset="0"/>
+              </a:rPr>
+              <a:t>Breadth of chest</a:t>
+            </a:r>
+            <a:endParaRPr lang="fr-FR" sz="2800" dirty="0">
+              <a:effectLst/>
+              <a:latin typeface="Baskerville Old Face" panose="02020602080505020303" pitchFamily="18" charset="0"/>
+              <a:ea typeface="Calibri" panose="020F0502020204030204" pitchFamily="34" charset="0"/>
+              <a:cs typeface="Calibri" panose="020F0502020204030204" pitchFamily="34" charset="0"/>
+            </a:endParaRPr>
+          </a:p>
+          <a:p>
+            <a:pPr marL="342900" marR="36195" lvl="0" indent="-342900" algn="just">
+              <a:lnSpc>
+                <a:spcPct val="150000"/>
+              </a:lnSpc>
+              <a:spcAft>
+                <a:spcPts val="0"/>
+              </a:spcAft>
+              <a:buFont typeface="Symbol" panose="05050102010706020507" pitchFamily="18" charset="2"/>
+              <a:buChar char=""/>
+              <a:tabLst>
+                <a:tab pos="1587500" algn="l"/>
+                <a:tab pos="1765300" algn="l"/>
+              </a:tabLst>
+            </a:pPr>
+            <a:r>
+              <a:rPr lang="en-GB" sz="2800" dirty="0">
+                <a:effectLst/>
+                <a:latin typeface="Baskerville Old Face" panose="02020602080505020303" pitchFamily="18" charset="0"/>
+                <a:ea typeface="Calibri" panose="020F0502020204030204" pitchFamily="34" charset="0"/>
+                <a:cs typeface="Calibri" panose="020F0502020204030204" pitchFamily="34" charset="0"/>
+              </a:rPr>
+              <a:t>Dark face</a:t>
+            </a:r>
+            <a:endParaRPr lang="fr-FR" sz="2800" dirty="0">
+              <a:effectLst/>
+              <a:latin typeface="Baskerville Old Face" panose="02020602080505020303" pitchFamily="18" charset="0"/>
+              <a:ea typeface="Calibri" panose="020F0502020204030204" pitchFamily="34" charset="0"/>
+              <a:cs typeface="Calibri" panose="020F0502020204030204" pitchFamily="34" charset="0"/>
+            </a:endParaRPr>
+          </a:p>
+          <a:p>
+            <a:pPr marL="342900" marR="36195" lvl="0" indent="-342900" algn="just">
+              <a:lnSpc>
+                <a:spcPct val="150000"/>
+              </a:lnSpc>
+              <a:spcAft>
+                <a:spcPts val="0"/>
+              </a:spcAft>
+              <a:buFont typeface="Symbol" panose="05050102010706020507" pitchFamily="18" charset="2"/>
+              <a:buChar char=""/>
+              <a:tabLst>
+                <a:tab pos="1587500" algn="l"/>
+                <a:tab pos="1765300" algn="l"/>
+              </a:tabLst>
+            </a:pPr>
+            <a:r>
+              <a:rPr lang="en-GB" sz="2800" dirty="0">
+                <a:effectLst/>
+                <a:latin typeface="Baskerville Old Face" panose="02020602080505020303" pitchFamily="18" charset="0"/>
+                <a:ea typeface="Calibri" panose="020F0502020204030204" pitchFamily="34" charset="0"/>
+                <a:cs typeface="Calibri" panose="020F0502020204030204" pitchFamily="34" charset="0"/>
+              </a:rPr>
+              <a:t>Stern features</a:t>
+            </a:r>
+          </a:p>
+          <a:p>
+            <a:pPr marL="342900" marR="36195" indent="-342900" algn="just">
+              <a:lnSpc>
+                <a:spcPct val="150000"/>
+              </a:lnSpc>
+              <a:buFont typeface="Symbol" panose="05050102010706020507" pitchFamily="18" charset="2"/>
+              <a:buChar char=""/>
+              <a:tabLst>
+                <a:tab pos="1587500" algn="l"/>
+                <a:tab pos="1765300" algn="l"/>
+              </a:tabLst>
+            </a:pPr>
+            <a:r>
+              <a:rPr lang="en-GB" sz="2800" dirty="0">
+                <a:effectLst/>
+                <a:latin typeface="Baskerville Old Face" panose="02020602080505020303" pitchFamily="18" charset="0"/>
+                <a:ea typeface="Calibri" panose="020F0502020204030204" pitchFamily="34" charset="0"/>
+                <a:cs typeface="Calibri" panose="020F0502020204030204" pitchFamily="34" charset="0"/>
+              </a:rPr>
+              <a:t>Heavy brow</a:t>
+            </a:r>
+            <a:endParaRPr lang="fr-FR" sz="2800" dirty="0">
+              <a:effectLst/>
+              <a:latin typeface="Baskerville Old Face" panose="02020602080505020303" pitchFamily="18" charset="0"/>
+              <a:ea typeface="Calibri" panose="020F0502020204030204" pitchFamily="34" charset="0"/>
+              <a:cs typeface="Calibri" panose="020F0502020204030204" pitchFamily="34" charset="0"/>
+            </a:endParaRPr>
+          </a:p>
+        </p:txBody>
+      </p:sp>
+      <p:sp>
+        <p:nvSpPr>
+          <p:cNvPr id="2" name="ZoneTexte 1">
+            <a:extLst>
+              <a:ext uri="{FF2B5EF4-FFF2-40B4-BE49-F238E27FC236}">
+                <a16:creationId xmlns:a16="http://schemas.microsoft.com/office/drawing/2014/main" id="{7E54C9BC-DAB6-4FEC-8847-C2E505684D2F}"/>
+              </a:ext>
+            </a:extLst>
+          </p:cNvPr>
+          <p:cNvSpPr txBox="1"/>
+          <p:nvPr/>
+        </p:nvSpPr>
+        <p:spPr>
+          <a:xfrm>
+            <a:off x="6270173" y="1654742"/>
+            <a:ext cx="4389120" cy="4893647"/>
+          </a:xfrm>
+          <a:prstGeom prst="rect">
+            <a:avLst/>
+          </a:prstGeom>
+          <a:noFill/>
+        </p:spPr>
+        <p:txBody>
+          <a:bodyPr wrap="square" rtlCol="0">
+            <a:spAutoFit/>
+          </a:bodyPr>
+          <a:lstStyle/>
+          <a:p>
+            <a:pPr marL="342900" marR="36195" lvl="0" indent="-342900" algn="just">
+              <a:lnSpc>
+                <a:spcPct val="150000"/>
+              </a:lnSpc>
+              <a:spcAft>
+                <a:spcPts val="0"/>
+              </a:spcAft>
+              <a:buFont typeface="Symbol" panose="05050102010706020507" pitchFamily="18" charset="2"/>
+              <a:buChar char=""/>
+              <a:tabLst>
+                <a:tab pos="1587500" algn="l"/>
+                <a:tab pos="1765300" algn="l"/>
+              </a:tabLst>
+            </a:pPr>
+            <a:r>
+              <a:rPr lang="en-GB" sz="2800" dirty="0">
+                <a:effectLst/>
+                <a:latin typeface="Baskerville Old Face" panose="02020602080505020303" pitchFamily="18" charset="0"/>
+                <a:ea typeface="Calibri" panose="020F0502020204030204" pitchFamily="34" charset="0"/>
+                <a:cs typeface="Calibri" panose="020F0502020204030204" pitchFamily="34" charset="0"/>
+              </a:rPr>
+              <a:t>Thwarted eyes</a:t>
+            </a:r>
+            <a:endParaRPr lang="fr-FR" sz="2800" dirty="0">
+              <a:effectLst/>
+              <a:latin typeface="Baskerville Old Face" panose="02020602080505020303" pitchFamily="18" charset="0"/>
+              <a:ea typeface="Calibri" panose="020F0502020204030204" pitchFamily="34" charset="0"/>
+              <a:cs typeface="Calibri" panose="020F0502020204030204" pitchFamily="34" charset="0"/>
+            </a:endParaRPr>
+          </a:p>
+          <a:p>
+            <a:pPr marL="342900" marR="36195" indent="-342900" algn="just">
+              <a:lnSpc>
+                <a:spcPct val="150000"/>
+              </a:lnSpc>
+              <a:buFont typeface="Symbol" panose="05050102010706020507" pitchFamily="18" charset="2"/>
+              <a:buChar char=""/>
+              <a:tabLst>
+                <a:tab pos="1587500" algn="l"/>
+                <a:tab pos="1765300" algn="l"/>
+              </a:tabLst>
+            </a:pPr>
+            <a:r>
+              <a:rPr lang="en-GB" sz="2800" dirty="0">
+                <a:effectLst/>
+                <a:latin typeface="Baskerville Old Face" panose="02020602080505020303" pitchFamily="18" charset="0"/>
+                <a:ea typeface="Calibri" panose="020F0502020204030204" pitchFamily="34" charset="0"/>
+                <a:cs typeface="Calibri" panose="020F0502020204030204" pitchFamily="34" charset="0"/>
+              </a:rPr>
+              <a:t>Handsome, heroic-looking gentleman</a:t>
+            </a:r>
+            <a:endParaRPr lang="fr-FR" sz="2800" dirty="0">
+              <a:effectLst/>
+              <a:latin typeface="Baskerville Old Face" panose="02020602080505020303" pitchFamily="18" charset="0"/>
+              <a:ea typeface="Calibri" panose="020F0502020204030204" pitchFamily="34" charset="0"/>
+              <a:cs typeface="Calibri" panose="020F0502020204030204" pitchFamily="34" charset="0"/>
+            </a:endParaRPr>
+          </a:p>
+          <a:p>
+            <a:pPr marL="342900" marR="36195" lvl="0" indent="-342900" algn="just">
+              <a:lnSpc>
+                <a:spcPct val="150000"/>
+              </a:lnSpc>
+              <a:spcAft>
+                <a:spcPts val="0"/>
+              </a:spcAft>
+              <a:buFont typeface="Symbol" panose="05050102010706020507" pitchFamily="18" charset="2"/>
+              <a:buChar char=""/>
+              <a:tabLst>
+                <a:tab pos="1587500" algn="l"/>
+                <a:tab pos="1765300" algn="l"/>
+              </a:tabLst>
+            </a:pPr>
+            <a:r>
+              <a:rPr lang="en-GB" sz="2800" dirty="0">
+                <a:effectLst/>
+                <a:latin typeface="Baskerville Old Face" panose="02020602080505020303" pitchFamily="18" charset="0"/>
+                <a:ea typeface="Calibri" panose="020F0502020204030204" pitchFamily="34" charset="0"/>
+                <a:cs typeface="Calibri" panose="020F0502020204030204" pitchFamily="34" charset="0"/>
+              </a:rPr>
+              <a:t>I met those qualities incarnate in masculine shape</a:t>
+            </a:r>
+          </a:p>
+          <a:p>
+            <a:pPr marL="342900" marR="36195" indent="-342900" algn="just">
+              <a:lnSpc>
+                <a:spcPct val="150000"/>
+              </a:lnSpc>
+              <a:buFont typeface="Symbol" panose="05050102010706020507" pitchFamily="18" charset="2"/>
+              <a:buChar char=""/>
+              <a:tabLst>
+                <a:tab pos="1587500" algn="l"/>
+                <a:tab pos="1765300" algn="l"/>
+              </a:tabLst>
+            </a:pPr>
+            <a:r>
+              <a:rPr lang="en-GB" sz="2800" dirty="0">
+                <a:effectLst/>
+                <a:latin typeface="Baskerville Old Face" panose="02020602080505020303" pitchFamily="18" charset="0"/>
+                <a:ea typeface="Calibri" panose="020F0502020204030204" pitchFamily="34" charset="0"/>
+                <a:cs typeface="Calibri" panose="020F0502020204030204" pitchFamily="34" charset="0"/>
+              </a:rPr>
+              <a:t>Frown, roughness</a:t>
+            </a:r>
+            <a:endParaRPr lang="fr-FR" sz="2800" dirty="0">
+              <a:effectLst/>
+              <a:latin typeface="Baskerville Old Face" panose="02020602080505020303" pitchFamily="18" charset="0"/>
+              <a:ea typeface="Calibri" panose="020F0502020204030204" pitchFamily="34" charset="0"/>
+              <a:cs typeface="Calibri" panose="020F0502020204030204" pitchFamily="34" charset="0"/>
+            </a:endParaRPr>
+          </a:p>
+          <a:p>
+            <a:endParaRPr lang="fr-FR" dirty="0"/>
+          </a:p>
+        </p:txBody>
+      </p:sp>
+    </p:spTree>
+    <p:extLst>
+      <p:ext uri="{BB962C8B-B14F-4D97-AF65-F5344CB8AC3E}">
+        <p14:creationId xmlns:p14="http://schemas.microsoft.com/office/powerpoint/2010/main" val="4218735667"/>
+      </p:ext>
+    </p:extLst>
+  </p:cSld>
+  <p:clrMapOvr>
+    <a:masterClrMapping/>
+  </p:clrMapOvr>
+</p:sld>
+</file>
+
+<file path=ppt/slides/slide7.xml><?xml version="1.0" encoding="utf-8"?>
+<p:sld xmlns:a="http://schemas.openxmlformats.org/drawingml/2006/main" xmlns:r="http://schemas.openxmlformats.org/officeDocument/2006/relationships" xmlns:p="http://schemas.openxmlformats.org/presentationml/2006/main">
+  <p:cSld>
+    <p:spTree>
+      <p:nvGrpSpPr>
+        <p:cNvPr id="1" name=""/>
+        <p:cNvGrpSpPr/>
+        <p:nvPr/>
+      </p:nvGrpSpPr>
+      <p:grpSpPr>
+        <a:xfrm>
+          <a:off x="0" y="0"/>
+          <a:ext cx="0" cy="0"/>
+          <a:chOff x="0" y="0"/>
+          <a:chExt cx="0" cy="0"/>
+        </a:xfrm>
+      </p:grpSpPr>
+      <p:pic>
+        <p:nvPicPr>
+          <p:cNvPr id="11" name="Image 10" descr="Une image contenant vieux&#10;&#10;Description générée automatiquement">
+            <a:extLst>
+              <a:ext uri="{FF2B5EF4-FFF2-40B4-BE49-F238E27FC236}">
+                <a16:creationId xmlns:a16="http://schemas.microsoft.com/office/drawing/2014/main" id="{492C6E4F-3EC1-4A71-9023-67D30574C206}"/>
+              </a:ext>
+            </a:extLst>
+          </p:cNvPr>
+          <p:cNvPicPr>
+            <a:picLocks noChangeAspect="1"/>
+          </p:cNvPicPr>
+          <p:nvPr/>
+        </p:nvPicPr>
+        <p:blipFill>
+          <a:blip r:embed="rId2">
+            <a:extLst>
+              <a:ext uri="{28A0092B-C50C-407E-A947-70E740481C1C}">
+                <a14:useLocalDpi xmlns:a14="http://schemas.microsoft.com/office/drawing/2010/main" val="0"/>
+              </a:ext>
+            </a:extLst>
+          </a:blip>
+          <a:stretch>
+            <a:fillRect/>
+          </a:stretch>
+        </p:blipFill>
+        <p:spPr>
+          <a:xfrm>
+            <a:off x="0" y="0"/>
+            <a:ext cx="12192000" cy="6858000"/>
+          </a:xfrm>
+          <a:prstGeom prst="rect">
+            <a:avLst/>
+          </a:prstGeom>
+        </p:spPr>
+      </p:pic>
+      <p:sp>
+        <p:nvSpPr>
+          <p:cNvPr id="13" name="Rectangle 12">
+            <a:extLst>
+              <a:ext uri="{FF2B5EF4-FFF2-40B4-BE49-F238E27FC236}">
+                <a16:creationId xmlns:a16="http://schemas.microsoft.com/office/drawing/2014/main" id="{73D72025-4A3D-41D2-919C-264DD094BDC9}"/>
+              </a:ext>
+            </a:extLst>
+          </p:cNvPr>
+          <p:cNvSpPr/>
+          <p:nvPr/>
+        </p:nvSpPr>
+        <p:spPr>
+          <a:xfrm>
+            <a:off x="219075" y="133350"/>
+            <a:ext cx="11801475" cy="6534150"/>
+          </a:xfrm>
+          <a:prstGeom prst="rect">
+            <a:avLst/>
+          </a:prstGeom>
+          <a:noFill/>
+          <a:ln w="19050">
+            <a:solidFill>
+              <a:schemeClr val="tx1"/>
+            </a:solidFill>
+          </a:ln>
+        </p:spPr>
+        <p:style>
+          <a:lnRef idx="2">
+            <a:schemeClr val="accent1">
+              <a:shade val="50000"/>
+            </a:schemeClr>
+          </a:lnRef>
+          <a:fillRef idx="1">
+            <a:schemeClr val="accent1"/>
+          </a:fillRef>
+          <a:effectRef idx="0">
+            <a:schemeClr val="accent1"/>
+          </a:effectRef>
+          <a:fontRef idx="minor">
+            <a:schemeClr val="lt1"/>
+          </a:fontRef>
+        </p:style>
+        <p:txBody>
+          <a:bodyPr rtlCol="0" anchor="ctr"/>
+          <a:lstStyle/>
+          <a:p>
+            <a:pPr algn="ctr"/>
+            <a:endParaRPr lang="fr-FR"/>
+          </a:p>
+        </p:txBody>
+      </p:sp>
+      <p:sp>
+        <p:nvSpPr>
+          <p:cNvPr id="6" name="ZoneTexte 5">
+            <a:extLst>
+              <a:ext uri="{FF2B5EF4-FFF2-40B4-BE49-F238E27FC236}">
+                <a16:creationId xmlns:a16="http://schemas.microsoft.com/office/drawing/2014/main" id="{2B2A90D1-B0AD-49C8-8ABE-AD79025949F1}"/>
+              </a:ext>
+            </a:extLst>
+          </p:cNvPr>
+          <p:cNvSpPr txBox="1"/>
+          <p:nvPr/>
+        </p:nvSpPr>
+        <p:spPr>
+          <a:xfrm>
+            <a:off x="2956560" y="615297"/>
+            <a:ext cx="8286750" cy="830997"/>
+          </a:xfrm>
+          <a:prstGeom prst="rect">
+            <a:avLst/>
+          </a:prstGeom>
+          <a:noFill/>
+        </p:spPr>
+        <p:txBody>
+          <a:bodyPr wrap="square">
+            <a:spAutoFit/>
+          </a:bodyPr>
+          <a:lstStyle/>
+          <a:p>
+            <a:r>
+              <a:rPr lang="en-GB" sz="4800" b="1" u="sng" dirty="0">
+                <a:latin typeface="Baskerville Old Face" panose="02020602080505020303" pitchFamily="18" charset="0"/>
+                <a:ea typeface="Times New Roman" panose="02020603050405020304" pitchFamily="18" charset="0"/>
+                <a:cs typeface="Times New Roman" panose="02020603050405020304" pitchFamily="18" charset="0"/>
+              </a:rPr>
+              <a:t>C</a:t>
+            </a:r>
+            <a:r>
+              <a:rPr lang="en-GB" sz="4800" b="1" u="sng" dirty="0">
+                <a:effectLst/>
+                <a:latin typeface="Baskerville Old Face" panose="02020602080505020303" pitchFamily="18" charset="0"/>
+                <a:ea typeface="Times New Roman" panose="02020603050405020304" pitchFamily="18" charset="0"/>
+                <a:cs typeface="Times New Roman" panose="02020603050405020304" pitchFamily="18" charset="0"/>
+              </a:rPr>
+              <a:t>haracters’ conversation</a:t>
+            </a:r>
+            <a:endParaRPr lang="fr-FR" sz="4800" b="1" u="sng" dirty="0">
+              <a:latin typeface="Baskerville Old Face" panose="02020602080505020303" pitchFamily="18" charset="0"/>
+            </a:endParaRPr>
+          </a:p>
+        </p:txBody>
+      </p:sp>
+      <p:sp>
+        <p:nvSpPr>
+          <p:cNvPr id="7" name="ZoneTexte 6">
+            <a:extLst>
+              <a:ext uri="{FF2B5EF4-FFF2-40B4-BE49-F238E27FC236}">
+                <a16:creationId xmlns:a16="http://schemas.microsoft.com/office/drawing/2014/main" id="{B1E0DCBE-65BB-41CA-924B-679F785BC4F2}"/>
+              </a:ext>
+            </a:extLst>
+          </p:cNvPr>
+          <p:cNvSpPr txBox="1"/>
+          <p:nvPr/>
+        </p:nvSpPr>
+        <p:spPr>
+          <a:xfrm>
+            <a:off x="3186111" y="1656608"/>
+            <a:ext cx="9091614" cy="584775"/>
+          </a:xfrm>
+          <a:prstGeom prst="rect">
+            <a:avLst/>
+          </a:prstGeom>
+          <a:noFill/>
+        </p:spPr>
+        <p:txBody>
+          <a:bodyPr wrap="square">
+            <a:spAutoFit/>
+          </a:bodyPr>
+          <a:lstStyle/>
+          <a:p>
+            <a:r>
+              <a:rPr lang="en-GB" sz="3200" dirty="0">
+                <a:latin typeface="Baskerville Old Face" panose="02020602080505020303" pitchFamily="18" charset="0"/>
+                <a:ea typeface="Times New Roman" panose="02020603050405020304" pitchFamily="18" charset="0"/>
+                <a:cs typeface="Times New Roman" panose="02020603050405020304" pitchFamily="18" charset="0"/>
+              </a:rPr>
+              <a:t>A c</a:t>
+            </a:r>
+            <a:r>
+              <a:rPr lang="en-GB" sz="3200" dirty="0">
+                <a:effectLst/>
+                <a:latin typeface="Baskerville Old Face" panose="02020602080505020303" pitchFamily="18" charset="0"/>
+                <a:ea typeface="Times New Roman" panose="02020603050405020304" pitchFamily="18" charset="0"/>
+                <a:cs typeface="Times New Roman" panose="02020603050405020304" pitchFamily="18" charset="0"/>
+              </a:rPr>
+              <a:t>old tone with short sentences</a:t>
+            </a:r>
+          </a:p>
+        </p:txBody>
+      </p:sp>
+      <p:sp>
+        <p:nvSpPr>
+          <p:cNvPr id="2" name="Flèche : droite 1">
+            <a:extLst>
+              <a:ext uri="{FF2B5EF4-FFF2-40B4-BE49-F238E27FC236}">
+                <a16:creationId xmlns:a16="http://schemas.microsoft.com/office/drawing/2014/main" id="{F0E58CB1-308E-4288-8A6A-6740B1579C30}"/>
+              </a:ext>
+            </a:extLst>
+          </p:cNvPr>
+          <p:cNvSpPr/>
+          <p:nvPr/>
+        </p:nvSpPr>
+        <p:spPr>
+          <a:xfrm>
+            <a:off x="1358537" y="4062549"/>
+            <a:ext cx="1598023" cy="953588"/>
+          </a:xfrm>
+          <a:prstGeom prst="rightArrow">
+            <a:avLst/>
+          </a:prstGeom>
+          <a:solidFill>
+            <a:schemeClr val="tx1"/>
+          </a:solidFill>
+          <a:ln>
+            <a:solidFill>
+              <a:schemeClr val="tx1"/>
+            </a:solidFill>
+          </a:ln>
+        </p:spPr>
+        <p:style>
+          <a:lnRef idx="2">
+            <a:schemeClr val="accent1">
+              <a:shade val="50000"/>
+            </a:schemeClr>
+          </a:lnRef>
+          <a:fillRef idx="1">
+            <a:schemeClr val="accent1"/>
+          </a:fillRef>
+          <a:effectRef idx="0">
+            <a:schemeClr val="accent1"/>
+          </a:effectRef>
+          <a:fontRef idx="minor">
+            <a:schemeClr val="lt1"/>
+          </a:fontRef>
+        </p:style>
+        <p:txBody>
+          <a:bodyPr rtlCol="0" anchor="ctr"/>
+          <a:lstStyle/>
+          <a:p>
+            <a:pPr algn="ctr"/>
+            <a:endParaRPr lang="fr-FR"/>
+          </a:p>
+        </p:txBody>
+      </p:sp>
+      <p:sp>
+        <p:nvSpPr>
+          <p:cNvPr id="3" name="ZoneTexte 2">
+            <a:extLst>
+              <a:ext uri="{FF2B5EF4-FFF2-40B4-BE49-F238E27FC236}">
+                <a16:creationId xmlns:a16="http://schemas.microsoft.com/office/drawing/2014/main" id="{B653F4CB-F97E-498A-8ED9-59CE8200E335}"/>
+              </a:ext>
+            </a:extLst>
+          </p:cNvPr>
+          <p:cNvSpPr txBox="1"/>
+          <p:nvPr/>
+        </p:nvSpPr>
+        <p:spPr>
+          <a:xfrm>
+            <a:off x="3595823" y="3818535"/>
+            <a:ext cx="7785463" cy="1846659"/>
+          </a:xfrm>
+          <a:prstGeom prst="rect">
+            <a:avLst/>
+          </a:prstGeom>
+          <a:noFill/>
+        </p:spPr>
+        <p:txBody>
+          <a:bodyPr wrap="square" rtlCol="0">
+            <a:spAutoFit/>
+          </a:bodyPr>
+          <a:lstStyle/>
+          <a:p>
+            <a:r>
+              <a:rPr lang="en-GB" sz="3200" dirty="0">
+                <a:effectLst/>
+                <a:latin typeface="Baskerville Old Face" panose="02020602080505020303" pitchFamily="18" charset="0"/>
+                <a:ea typeface="Calibri" panose="020F0502020204030204" pitchFamily="34" charset="0"/>
+                <a:cs typeface="Calibri" panose="020F0502020204030204" pitchFamily="34" charset="0"/>
+              </a:rPr>
+              <a:t>The readers may feel puzzled by the behaviour of Jane towards Mr. Rochester’s attitude, who is attracted by his roughness</a:t>
+            </a:r>
+            <a:endParaRPr lang="fr-FR" sz="3200" dirty="0">
+              <a:effectLst/>
+              <a:latin typeface="Baskerville Old Face" panose="02020602080505020303" pitchFamily="18" charset="0"/>
+              <a:ea typeface="Calibri" panose="020F0502020204030204" pitchFamily="34" charset="0"/>
+              <a:cs typeface="Calibri" panose="020F0502020204030204" pitchFamily="34" charset="0"/>
+            </a:endParaRPr>
+          </a:p>
+          <a:p>
+            <a:endParaRPr lang="fr-FR" dirty="0"/>
+          </a:p>
+        </p:txBody>
+      </p:sp>
+    </p:spTree>
+    <p:extLst>
+      <p:ext uri="{BB962C8B-B14F-4D97-AF65-F5344CB8AC3E}">
+        <p14:creationId xmlns:p14="http://schemas.microsoft.com/office/powerpoint/2010/main" val="3860119611"/>
+      </p:ext>
+    </p:extLst>
+  </p:cSld>
+  <p:clrMapOvr>
+    <a:masterClrMapping/>
+  </p:clrMapOvr>
+</p:sld>
+</file>
+
+<file path=ppt/slides/slide8.xml><?xml version="1.0" encoding="utf-8"?>
+<p:sld xmlns:a="http://schemas.openxmlformats.org/drawingml/2006/main" xmlns:r="http://schemas.openxmlformats.org/officeDocument/2006/relationships" xmlns:p="http://schemas.openxmlformats.org/presentationml/2006/main">
+  <p:cSld>
+    <p:spTree>
+      <p:nvGrpSpPr>
+        <p:cNvPr id="1" name=""/>
+        <p:cNvGrpSpPr/>
+        <p:nvPr/>
+      </p:nvGrpSpPr>
+      <p:grpSpPr>
+        <a:xfrm>
+          <a:off x="0" y="0"/>
+          <a:ext cx="0" cy="0"/>
+          <a:chOff x="0" y="0"/>
+          <a:chExt cx="0" cy="0"/>
+        </a:xfrm>
+      </p:grpSpPr>
+      <p:pic>
+        <p:nvPicPr>
+          <p:cNvPr id="11" name="Image 10" descr="Une image contenant vieux&#10;&#10;Description générée automatiquement">
+            <a:extLst>
+              <a:ext uri="{FF2B5EF4-FFF2-40B4-BE49-F238E27FC236}">
+                <a16:creationId xmlns:a16="http://schemas.microsoft.com/office/drawing/2014/main" id="{492C6E4F-3EC1-4A71-9023-67D30574C206}"/>
+              </a:ext>
+            </a:extLst>
+          </p:cNvPr>
+          <p:cNvPicPr>
+            <a:picLocks noChangeAspect="1"/>
+          </p:cNvPicPr>
+          <p:nvPr/>
+        </p:nvPicPr>
+        <p:blipFill>
+          <a:blip r:embed="rId2">
+            <a:extLst>
+              <a:ext uri="{28A0092B-C50C-407E-A947-70E740481C1C}">
+                <a14:useLocalDpi xmlns:a14="http://schemas.microsoft.com/office/drawing/2010/main" val="0"/>
+              </a:ext>
+            </a:extLst>
+          </a:blip>
+          <a:stretch>
+            <a:fillRect/>
+          </a:stretch>
+        </p:blipFill>
+        <p:spPr>
+          <a:xfrm>
+            <a:off x="0" y="0"/>
+            <a:ext cx="12192000" cy="6858000"/>
+          </a:xfrm>
+          <a:prstGeom prst="rect">
+            <a:avLst/>
+          </a:prstGeom>
+        </p:spPr>
+      </p:pic>
+      <p:sp>
+        <p:nvSpPr>
+          <p:cNvPr id="13" name="Rectangle 12">
+            <a:extLst>
+              <a:ext uri="{FF2B5EF4-FFF2-40B4-BE49-F238E27FC236}">
+                <a16:creationId xmlns:a16="http://schemas.microsoft.com/office/drawing/2014/main" id="{73D72025-4A3D-41D2-919C-264DD094BDC9}"/>
+              </a:ext>
+            </a:extLst>
+          </p:cNvPr>
+          <p:cNvSpPr/>
+          <p:nvPr/>
+        </p:nvSpPr>
+        <p:spPr>
+          <a:xfrm>
+            <a:off x="219075" y="133350"/>
+            <a:ext cx="11801475" cy="6534150"/>
+          </a:xfrm>
+          <a:prstGeom prst="rect">
+            <a:avLst/>
+          </a:prstGeom>
+          <a:noFill/>
+          <a:ln w="19050">
+            <a:solidFill>
+              <a:schemeClr val="tx1"/>
+            </a:solidFill>
+          </a:ln>
+        </p:spPr>
+        <p:style>
+          <a:lnRef idx="2">
+            <a:schemeClr val="accent1">
+              <a:shade val="50000"/>
+            </a:schemeClr>
+          </a:lnRef>
+          <a:fillRef idx="1">
+            <a:schemeClr val="accent1"/>
+          </a:fillRef>
+          <a:effectRef idx="0">
+            <a:schemeClr val="accent1"/>
+          </a:effectRef>
+          <a:fontRef idx="minor">
+            <a:schemeClr val="lt1"/>
+          </a:fontRef>
+        </p:style>
+        <p:txBody>
+          <a:bodyPr rtlCol="0" anchor="ctr"/>
+          <a:lstStyle/>
+          <a:p>
+            <a:pPr algn="ctr"/>
+            <a:endParaRPr lang="fr-FR"/>
+          </a:p>
+        </p:txBody>
+      </p:sp>
+      <p:sp>
+        <p:nvSpPr>
+          <p:cNvPr id="6" name="ZoneTexte 5">
+            <a:extLst>
+              <a:ext uri="{FF2B5EF4-FFF2-40B4-BE49-F238E27FC236}">
+                <a16:creationId xmlns:a16="http://schemas.microsoft.com/office/drawing/2014/main" id="{2B2A90D1-B0AD-49C8-8ABE-AD79025949F1}"/>
+              </a:ext>
+            </a:extLst>
+          </p:cNvPr>
+          <p:cNvSpPr txBox="1"/>
+          <p:nvPr/>
+        </p:nvSpPr>
+        <p:spPr>
+          <a:xfrm>
+            <a:off x="317862" y="492785"/>
+            <a:ext cx="8710611" cy="1323696"/>
+          </a:xfrm>
+          <a:prstGeom prst="rect">
+            <a:avLst/>
+          </a:prstGeom>
+          <a:noFill/>
+        </p:spPr>
+        <p:txBody>
+          <a:bodyPr wrap="square">
+            <a:spAutoFit/>
+          </a:bodyPr>
+          <a:lstStyle/>
+          <a:p>
+            <a:pPr marL="63500" indent="304800">
+              <a:lnSpc>
+                <a:spcPct val="103000"/>
+              </a:lnSpc>
+              <a:spcBef>
+                <a:spcPts val="60"/>
+              </a:spcBef>
+            </a:pPr>
+            <a:r>
+              <a:rPr lang="en-US" sz="4000" b="1" dirty="0">
+                <a:effectLst/>
+                <a:latin typeface="Old English Text MT" panose="03040902040508030806" pitchFamily="66" charset="0"/>
+                <a:ea typeface="Times New Roman" panose="02020603050405020304" pitchFamily="18" charset="0"/>
+                <a:cs typeface="Calibri" panose="020F0502020204030204" pitchFamily="34" charset="0"/>
+              </a:rPr>
+              <a:t>Like heath that, in the wilderness,</a:t>
+            </a:r>
+            <a:endParaRPr lang="fr-FR" sz="4000" b="1" dirty="0">
+              <a:latin typeface="Old English Text MT" panose="03040902040508030806" pitchFamily="66" charset="0"/>
+              <a:ea typeface="Times New Roman" panose="02020603050405020304" pitchFamily="18" charset="0"/>
+            </a:endParaRPr>
+          </a:p>
+          <a:p>
+            <a:pPr marL="63500" indent="304800">
+              <a:lnSpc>
+                <a:spcPct val="103000"/>
+              </a:lnSpc>
+              <a:spcBef>
+                <a:spcPts val="60"/>
+              </a:spcBef>
+            </a:pPr>
+            <a:r>
+              <a:rPr lang="en-US" sz="4000" b="1" dirty="0">
+                <a:effectLst/>
+                <a:latin typeface="Old English Text MT" panose="03040902040508030806" pitchFamily="66" charset="0"/>
+                <a:ea typeface="Times New Roman" panose="02020603050405020304" pitchFamily="18" charset="0"/>
+                <a:cs typeface="Calibri" panose="020F0502020204030204" pitchFamily="34" charset="0"/>
+              </a:rPr>
+              <a:t>The wild wind whirls away.</a:t>
+            </a:r>
+            <a:endParaRPr lang="fr-FR" sz="4000" b="1" u="sng" dirty="0">
+              <a:latin typeface="Old English Text MT" panose="03040902040508030806" pitchFamily="66" charset="0"/>
+            </a:endParaRPr>
+          </a:p>
+        </p:txBody>
+      </p:sp>
+      <p:sp>
+        <p:nvSpPr>
+          <p:cNvPr id="7" name="ZoneTexte 6">
+            <a:extLst>
+              <a:ext uri="{FF2B5EF4-FFF2-40B4-BE49-F238E27FC236}">
+                <a16:creationId xmlns:a16="http://schemas.microsoft.com/office/drawing/2014/main" id="{B1E0DCBE-65BB-41CA-924B-679F785BC4F2}"/>
+              </a:ext>
+            </a:extLst>
+          </p:cNvPr>
+          <p:cNvSpPr txBox="1"/>
+          <p:nvPr/>
+        </p:nvSpPr>
+        <p:spPr>
+          <a:xfrm>
+            <a:off x="6511493" y="1296304"/>
+            <a:ext cx="3729855" cy="400110"/>
+          </a:xfrm>
+          <a:prstGeom prst="rect">
+            <a:avLst/>
+          </a:prstGeom>
+          <a:noFill/>
+        </p:spPr>
+        <p:txBody>
+          <a:bodyPr wrap="square">
+            <a:spAutoFit/>
+          </a:bodyPr>
+          <a:lstStyle/>
+          <a:p>
+            <a:r>
+              <a:rPr lang="fr-FR" sz="2000" i="1" dirty="0">
+                <a:effectLst/>
+                <a:latin typeface="Baskerville Old Face" panose="02020602080505020303" pitchFamily="18" charset="0"/>
+                <a:ea typeface="Times New Roman" panose="02020603050405020304" pitchFamily="18" charset="0"/>
+                <a:cs typeface="Calibri" panose="020F0502020204030204" pitchFamily="34" charset="0"/>
+              </a:rPr>
+              <a:t>Quotation </a:t>
+            </a:r>
+            <a:r>
+              <a:rPr lang="fr-FR" sz="2000" i="1" dirty="0" err="1">
+                <a:effectLst/>
+                <a:latin typeface="Baskerville Old Face" panose="02020602080505020303" pitchFamily="18" charset="0"/>
+                <a:ea typeface="Times New Roman" panose="02020603050405020304" pitchFamily="18" charset="0"/>
+                <a:cs typeface="Calibri" panose="020F0502020204030204" pitchFamily="34" charset="0"/>
+              </a:rPr>
+              <a:t>from</a:t>
+            </a:r>
+            <a:r>
+              <a:rPr lang="fr-FR" sz="2000" i="1" dirty="0">
+                <a:effectLst/>
+                <a:latin typeface="Baskerville Old Face" panose="02020602080505020303" pitchFamily="18" charset="0"/>
+                <a:ea typeface="Times New Roman" panose="02020603050405020304" pitchFamily="18" charset="0"/>
+                <a:cs typeface="Calibri" panose="020F0502020204030204" pitchFamily="34" charset="0"/>
+              </a:rPr>
+              <a:t> Thomas Moore</a:t>
+            </a:r>
+            <a:endParaRPr lang="fr-FR" sz="2000" i="1" dirty="0">
+              <a:latin typeface="Baskerville Old Face" panose="02020602080505020303" pitchFamily="18" charset="0"/>
+            </a:endParaRPr>
+          </a:p>
+        </p:txBody>
+      </p:sp>
+      <p:pic>
+        <p:nvPicPr>
+          <p:cNvPr id="5" name="Image 4">
+            <a:extLst>
+              <a:ext uri="{FF2B5EF4-FFF2-40B4-BE49-F238E27FC236}">
+                <a16:creationId xmlns:a16="http://schemas.microsoft.com/office/drawing/2014/main" id="{F1E38AF7-6C52-4BBA-8624-49272AC8A379}"/>
+              </a:ext>
+            </a:extLst>
+          </p:cNvPr>
+          <p:cNvPicPr>
+            <a:picLocks noChangeAspect="1"/>
+          </p:cNvPicPr>
+          <p:nvPr/>
+        </p:nvPicPr>
+        <p:blipFill>
+          <a:blip r:embed="rId3">
+            <a:extLst>
+              <a:ext uri="{28A0092B-C50C-407E-A947-70E740481C1C}">
+                <a14:useLocalDpi xmlns:a14="http://schemas.microsoft.com/office/drawing/2010/main" val="0"/>
+              </a:ext>
+            </a:extLst>
+          </a:blip>
+          <a:srcRect l="11524" r="11524"/>
+          <a:stretch/>
+        </p:blipFill>
+        <p:spPr>
+          <a:xfrm rot="5400000">
+            <a:off x="4163341" y="463896"/>
+            <a:ext cx="3912941" cy="7498080"/>
+          </a:xfrm>
+          <a:prstGeom prst="rect">
+            <a:avLst/>
+          </a:prstGeom>
+        </p:spPr>
+      </p:pic>
+      <p:sp>
+        <p:nvSpPr>
+          <p:cNvPr id="2" name="ZoneTexte 1">
+            <a:extLst>
+              <a:ext uri="{FF2B5EF4-FFF2-40B4-BE49-F238E27FC236}">
+                <a16:creationId xmlns:a16="http://schemas.microsoft.com/office/drawing/2014/main" id="{3AC3C665-F773-47D4-9ED5-E012BE458767}"/>
+              </a:ext>
+            </a:extLst>
+          </p:cNvPr>
+          <p:cNvSpPr txBox="1"/>
+          <p:nvPr/>
+        </p:nvSpPr>
+        <p:spPr>
+          <a:xfrm>
+            <a:off x="3480094" y="2837972"/>
+            <a:ext cx="5279433" cy="2554545"/>
+          </a:xfrm>
+          <a:prstGeom prst="rect">
+            <a:avLst/>
+          </a:prstGeom>
+          <a:noFill/>
+        </p:spPr>
+        <p:txBody>
+          <a:bodyPr wrap="square" rtlCol="0">
+            <a:spAutoFit/>
+          </a:bodyPr>
+          <a:lstStyle/>
+          <a:p>
+            <a:pPr algn="ctr"/>
+            <a:r>
+              <a:rPr lang="en-GB" sz="3200" dirty="0">
+                <a:latin typeface="Baskerville Old Face" panose="02020602080505020303" pitchFamily="18" charset="0"/>
+                <a:ea typeface="Times New Roman" panose="02020603050405020304" pitchFamily="18" charset="0"/>
+                <a:cs typeface="Times New Roman" panose="02020603050405020304" pitchFamily="18" charset="0"/>
+              </a:rPr>
+              <a:t>A</a:t>
+            </a:r>
+            <a:r>
+              <a:rPr lang="en-GB" sz="3200" dirty="0">
+                <a:effectLst/>
+                <a:latin typeface="Baskerville Old Face" panose="02020602080505020303" pitchFamily="18" charset="0"/>
+                <a:ea typeface="Times New Roman" panose="02020603050405020304" pitchFamily="18" charset="0"/>
+                <a:cs typeface="Times New Roman" panose="02020603050405020304" pitchFamily="18" charset="0"/>
+              </a:rPr>
+              <a:t>lliteration in -w-</a:t>
+            </a:r>
+            <a:r>
+              <a:rPr lang="fr-FR" sz="3200" dirty="0">
+                <a:effectLst/>
+                <a:latin typeface="Baskerville Old Face" panose="02020602080505020303" pitchFamily="18" charset="0"/>
+                <a:ea typeface="Times New Roman" panose="02020603050405020304" pitchFamily="18" charset="0"/>
+                <a:cs typeface="Times New Roman" panose="02020603050405020304" pitchFamily="18" charset="0"/>
+              </a:rPr>
+              <a:t> : Harmony</a:t>
+            </a:r>
+          </a:p>
+          <a:p>
+            <a:pPr algn="ctr"/>
+            <a:endParaRPr lang="fr-FR" sz="3200" dirty="0">
+              <a:effectLst/>
+              <a:latin typeface="Baskerville Old Face" panose="02020602080505020303" pitchFamily="18" charset="0"/>
+              <a:ea typeface="Times New Roman" panose="02020603050405020304" pitchFamily="18" charset="0"/>
+              <a:cs typeface="Times New Roman" panose="02020603050405020304" pitchFamily="18" charset="0"/>
+            </a:endParaRPr>
+          </a:p>
+          <a:p>
+            <a:r>
+              <a:rPr lang="en-GB" sz="3200" dirty="0">
+                <a:latin typeface="Baskerville Old Face" panose="02020602080505020303" pitchFamily="18" charset="0"/>
+                <a:ea typeface="Calibri" panose="020F0502020204030204" pitchFamily="34" charset="0"/>
+                <a:cs typeface="Calibri" panose="020F0502020204030204" pitchFamily="34" charset="0"/>
+              </a:rPr>
+              <a:t>L</a:t>
+            </a:r>
+            <a:r>
+              <a:rPr lang="en-GB" sz="3200" dirty="0">
+                <a:effectLst/>
+                <a:latin typeface="Baskerville Old Face" panose="02020602080505020303" pitchFamily="18" charset="0"/>
+                <a:ea typeface="Calibri" panose="020F0502020204030204" pitchFamily="34" charset="0"/>
+                <a:cs typeface="Calibri" panose="020F0502020204030204" pitchFamily="34" charset="0"/>
+              </a:rPr>
+              <a:t>ike the wind that whirls again and again</a:t>
+            </a:r>
+          </a:p>
+          <a:p>
+            <a:r>
+              <a:rPr lang="en-GB" sz="3200" dirty="0">
+                <a:latin typeface="Baskerville Old Face" panose="02020602080505020303" pitchFamily="18" charset="0"/>
+                <a:ea typeface="Calibri" panose="020F0502020204030204" pitchFamily="34" charset="0"/>
+                <a:cs typeface="Calibri" panose="020F0502020204030204" pitchFamily="34" charset="0"/>
+              </a:rPr>
+              <a:t>R</a:t>
+            </a:r>
+            <a:r>
+              <a:rPr lang="en-GB" sz="3200" dirty="0">
+                <a:effectLst/>
+                <a:latin typeface="Baskerville Old Face" panose="02020602080505020303" pitchFamily="18" charset="0"/>
+                <a:ea typeface="Calibri" panose="020F0502020204030204" pitchFamily="34" charset="0"/>
+                <a:cs typeface="Calibri" panose="020F0502020204030204" pitchFamily="34" charset="0"/>
+              </a:rPr>
+              <a:t>eader can sense it</a:t>
+            </a:r>
+            <a:endParaRPr lang="fr-FR" sz="3200" dirty="0">
+              <a:effectLst/>
+              <a:latin typeface="Baskerville Old Face" panose="02020602080505020303" pitchFamily="18" charset="0"/>
+              <a:ea typeface="Calibri" panose="020F0502020204030204" pitchFamily="34" charset="0"/>
+              <a:cs typeface="Calibri" panose="020F0502020204030204" pitchFamily="34" charset="0"/>
+            </a:endParaRPr>
+          </a:p>
+        </p:txBody>
+      </p:sp>
+    </p:spTree>
+    <p:extLst>
+      <p:ext uri="{BB962C8B-B14F-4D97-AF65-F5344CB8AC3E}">
+        <p14:creationId xmlns:p14="http://schemas.microsoft.com/office/powerpoint/2010/main" val="4171654808"/>
       </p:ext>
     </p:extLst>
   </p:cSld>

--- a/Chapter 12 - First meeting with Mr Rochester.pptx
+++ b/Chapter 12 - First meeting with Mr Rochester.pptx
@@ -4,15 +4,22 @@
   <p:sldMasterIdLst>
     <p:sldMasterId id="2147483648" r:id="rId1"/>
   </p:sldMasterIdLst>
+  <p:notesMasterIdLst>
+    <p:notesMasterId r:id="rId14"/>
+  </p:notesMasterIdLst>
   <p:sldIdLst>
     <p:sldId id="256" r:id="rId2"/>
-    <p:sldId id="257" r:id="rId3"/>
-    <p:sldId id="258" r:id="rId4"/>
-    <p:sldId id="259" r:id="rId5"/>
-    <p:sldId id="260" r:id="rId6"/>
-    <p:sldId id="261" r:id="rId7"/>
-    <p:sldId id="262" r:id="rId8"/>
-    <p:sldId id="263" r:id="rId9"/>
+    <p:sldId id="264" r:id="rId3"/>
+    <p:sldId id="265" r:id="rId4"/>
+    <p:sldId id="266" r:id="rId5"/>
+    <p:sldId id="267" r:id="rId6"/>
+    <p:sldId id="257" r:id="rId7"/>
+    <p:sldId id="258" r:id="rId8"/>
+    <p:sldId id="259" r:id="rId9"/>
+    <p:sldId id="260" r:id="rId10"/>
+    <p:sldId id="261" r:id="rId11"/>
+    <p:sldId id="262" r:id="rId12"/>
+    <p:sldId id="263" r:id="rId13"/>
   </p:sldIdLst>
   <p:sldSz cx="12192000" cy="6858000"/>
   <p:notesSz cx="6858000" cy="9144000"/>
@@ -117,6 +124,10 @@
         <p14:section name="Section par défaut" id="{D83AA675-AACA-45DA-9398-28F7EEE97D36}">
           <p14:sldIdLst>
             <p14:sldId id="256"/>
+            <p14:sldId id="264"/>
+            <p14:sldId id="265"/>
+            <p14:sldId id="266"/>
+            <p14:sldId id="267"/>
             <p14:sldId id="257"/>
             <p14:sldId id="258"/>
             <p14:sldId id="259"/>
@@ -133,6 +144,439 @@
     </p:ext>
   </p:extLst>
 </p:presentation>
+</file>
+
+<file path=ppt/notesMasters/notesMaster1.xml><?xml version="1.0" encoding="utf-8"?>
+<p:notesMaster xmlns:a="http://schemas.openxmlformats.org/drawingml/2006/main" xmlns:r="http://schemas.openxmlformats.org/officeDocument/2006/relationships" xmlns:p="http://schemas.openxmlformats.org/presentationml/2006/main">
+  <p:cSld>
+    <p:bg>
+      <p:bgRef idx="1001">
+        <a:schemeClr val="bg1"/>
+      </p:bgRef>
+    </p:bg>
+    <p:spTree>
+      <p:nvGrpSpPr>
+        <p:cNvPr id="1" name=""/>
+        <p:cNvGrpSpPr/>
+        <p:nvPr/>
+      </p:nvGrpSpPr>
+      <p:grpSpPr>
+        <a:xfrm>
+          <a:off x="0" y="0"/>
+          <a:ext cx="0" cy="0"/>
+          <a:chOff x="0" y="0"/>
+          <a:chExt cx="0" cy="0"/>
+        </a:xfrm>
+      </p:grpSpPr>
+      <p:sp>
+        <p:nvSpPr>
+          <p:cNvPr id="2" name="Espace réservé de l'en-tête 1"/>
+          <p:cNvSpPr>
+            <a:spLocks noGrp="1"/>
+          </p:cNvSpPr>
+          <p:nvPr>
+            <p:ph type="hdr" sz="quarter"/>
+          </p:nvPr>
+        </p:nvSpPr>
+        <p:spPr>
+          <a:xfrm>
+            <a:off x="0" y="0"/>
+            <a:ext cx="2971800" cy="458788"/>
+          </a:xfrm>
+          <a:prstGeom prst="rect">
+            <a:avLst/>
+          </a:prstGeom>
+        </p:spPr>
+        <p:txBody>
+          <a:bodyPr vert="horz" lIns="91440" tIns="45720" rIns="91440" bIns="45720" rtlCol="0"/>
+          <a:lstStyle>
+            <a:lvl1pPr algn="l">
+              <a:defRPr sz="1200"/>
+            </a:lvl1pPr>
+          </a:lstStyle>
+          <a:p>
+            <a:endParaRPr lang="fr-FR"/>
+          </a:p>
+        </p:txBody>
+      </p:sp>
+      <p:sp>
+        <p:nvSpPr>
+          <p:cNvPr id="3" name="Espace réservé de la date 2"/>
+          <p:cNvSpPr>
+            <a:spLocks noGrp="1"/>
+          </p:cNvSpPr>
+          <p:nvPr>
+            <p:ph type="dt" idx="1"/>
+          </p:nvPr>
+        </p:nvSpPr>
+        <p:spPr>
+          <a:xfrm>
+            <a:off x="3884613" y="0"/>
+            <a:ext cx="2971800" cy="458788"/>
+          </a:xfrm>
+          <a:prstGeom prst="rect">
+            <a:avLst/>
+          </a:prstGeom>
+        </p:spPr>
+        <p:txBody>
+          <a:bodyPr vert="horz" lIns="91440" tIns="45720" rIns="91440" bIns="45720" rtlCol="0"/>
+          <a:lstStyle>
+            <a:lvl1pPr algn="r">
+              <a:defRPr sz="1200"/>
+            </a:lvl1pPr>
+          </a:lstStyle>
+          <a:p>
+            <a:fld id="{B16EF3F9-6802-4C43-99E5-BCFB6B5D592D}" type="datetimeFigureOut">
+              <a:rPr lang="fr-FR" smtClean="0"/>
+              <a:t>05/04/2021</a:t>
+            </a:fld>
+            <a:endParaRPr lang="fr-FR"/>
+          </a:p>
+        </p:txBody>
+      </p:sp>
+      <p:sp>
+        <p:nvSpPr>
+          <p:cNvPr id="4" name="Espace réservé de l'image des diapositives 3"/>
+          <p:cNvSpPr>
+            <a:spLocks noGrp="1" noRot="1" noChangeAspect="1"/>
+          </p:cNvSpPr>
+          <p:nvPr>
+            <p:ph type="sldImg" idx="2"/>
+          </p:nvPr>
+        </p:nvSpPr>
+        <p:spPr>
+          <a:xfrm>
+            <a:off x="685800" y="1143000"/>
+            <a:ext cx="5486400" cy="3086100"/>
+          </a:xfrm>
+          <a:prstGeom prst="rect">
+            <a:avLst/>
+          </a:prstGeom>
+          <a:noFill/>
+          <a:ln w="12700">
+            <a:solidFill>
+              <a:prstClr val="black"/>
+            </a:solidFill>
+          </a:ln>
+        </p:spPr>
+        <p:txBody>
+          <a:bodyPr vert="horz" lIns="91440" tIns="45720" rIns="91440" bIns="45720" rtlCol="0" anchor="ctr"/>
+          <a:lstStyle/>
+          <a:p>
+            <a:endParaRPr lang="fr-FR"/>
+          </a:p>
+        </p:txBody>
+      </p:sp>
+      <p:sp>
+        <p:nvSpPr>
+          <p:cNvPr id="5" name="Espace réservé des notes 4"/>
+          <p:cNvSpPr>
+            <a:spLocks noGrp="1"/>
+          </p:cNvSpPr>
+          <p:nvPr>
+            <p:ph type="body" sz="quarter" idx="3"/>
+          </p:nvPr>
+        </p:nvSpPr>
+        <p:spPr>
+          <a:xfrm>
+            <a:off x="685800" y="4400550"/>
+            <a:ext cx="5486400" cy="3600450"/>
+          </a:xfrm>
+          <a:prstGeom prst="rect">
+            <a:avLst/>
+          </a:prstGeom>
+        </p:spPr>
+        <p:txBody>
+          <a:bodyPr vert="horz" lIns="91440" tIns="45720" rIns="91440" bIns="45720" rtlCol="0"/>
+          <a:lstStyle/>
+          <a:p>
+            <a:pPr lvl="0"/>
+            <a:r>
+              <a:rPr lang="fr-FR"/>
+              <a:t>Cliquez pour modifier les styles du texte du masque</a:t>
+            </a:r>
+          </a:p>
+          <a:p>
+            <a:pPr lvl="1"/>
+            <a:r>
+              <a:rPr lang="fr-FR"/>
+              <a:t>Deuxième niveau</a:t>
+            </a:r>
+          </a:p>
+          <a:p>
+            <a:pPr lvl="2"/>
+            <a:r>
+              <a:rPr lang="fr-FR"/>
+              <a:t>Troisième niveau</a:t>
+            </a:r>
+          </a:p>
+          <a:p>
+            <a:pPr lvl="3"/>
+            <a:r>
+              <a:rPr lang="fr-FR"/>
+              <a:t>Quatrième niveau</a:t>
+            </a:r>
+          </a:p>
+          <a:p>
+            <a:pPr lvl="4"/>
+            <a:r>
+              <a:rPr lang="fr-FR"/>
+              <a:t>Cinquième niveau</a:t>
+            </a:r>
+          </a:p>
+        </p:txBody>
+      </p:sp>
+      <p:sp>
+        <p:nvSpPr>
+          <p:cNvPr id="6" name="Espace réservé du pied de page 5"/>
+          <p:cNvSpPr>
+            <a:spLocks noGrp="1"/>
+          </p:cNvSpPr>
+          <p:nvPr>
+            <p:ph type="ftr" sz="quarter" idx="4"/>
+          </p:nvPr>
+        </p:nvSpPr>
+        <p:spPr>
+          <a:xfrm>
+            <a:off x="0" y="8685213"/>
+            <a:ext cx="2971800" cy="458787"/>
+          </a:xfrm>
+          <a:prstGeom prst="rect">
+            <a:avLst/>
+          </a:prstGeom>
+        </p:spPr>
+        <p:txBody>
+          <a:bodyPr vert="horz" lIns="91440" tIns="45720" rIns="91440" bIns="45720" rtlCol="0" anchor="b"/>
+          <a:lstStyle>
+            <a:lvl1pPr algn="l">
+              <a:defRPr sz="1200"/>
+            </a:lvl1pPr>
+          </a:lstStyle>
+          <a:p>
+            <a:endParaRPr lang="fr-FR"/>
+          </a:p>
+        </p:txBody>
+      </p:sp>
+      <p:sp>
+        <p:nvSpPr>
+          <p:cNvPr id="7" name="Espace réservé du numéro de diapositive 6"/>
+          <p:cNvSpPr>
+            <a:spLocks noGrp="1"/>
+          </p:cNvSpPr>
+          <p:nvPr>
+            <p:ph type="sldNum" sz="quarter" idx="5"/>
+          </p:nvPr>
+        </p:nvSpPr>
+        <p:spPr>
+          <a:xfrm>
+            <a:off x="3884613" y="8685213"/>
+            <a:ext cx="2971800" cy="458787"/>
+          </a:xfrm>
+          <a:prstGeom prst="rect">
+            <a:avLst/>
+          </a:prstGeom>
+        </p:spPr>
+        <p:txBody>
+          <a:bodyPr vert="horz" lIns="91440" tIns="45720" rIns="91440" bIns="45720" rtlCol="0" anchor="b"/>
+          <a:lstStyle>
+            <a:lvl1pPr algn="r">
+              <a:defRPr sz="1200"/>
+            </a:lvl1pPr>
+          </a:lstStyle>
+          <a:p>
+            <a:fld id="{5BEF91F8-68F6-46FF-9503-AE78C318BC28}" type="slidenum">
+              <a:rPr lang="fr-FR" smtClean="0"/>
+              <a:t>‹N°›</a:t>
+            </a:fld>
+            <a:endParaRPr lang="fr-FR"/>
+          </a:p>
+        </p:txBody>
+      </p:sp>
+    </p:spTree>
+    <p:extLst>
+      <p:ext uri="{BB962C8B-B14F-4D97-AF65-F5344CB8AC3E}">
+        <p14:creationId xmlns:p14="http://schemas.microsoft.com/office/powerpoint/2010/main" val="1750513290"/>
+      </p:ext>
+    </p:extLst>
+  </p:cSld>
+  <p:clrMap bg1="lt1" tx1="dk1" bg2="lt2" tx2="dk2" accent1="accent1" accent2="accent2" accent3="accent3" accent4="accent4" accent5="accent5" accent6="accent6" hlink="hlink" folHlink="folHlink"/>
+  <p:notesStyle>
+    <a:lvl1pPr marL="0" algn="l" defTabSz="914400" rtl="0" eaLnBrk="1" latinLnBrk="0" hangingPunct="1">
+      <a:defRPr sz="1200" kern="1200">
+        <a:solidFill>
+          <a:schemeClr val="tx1"/>
+        </a:solidFill>
+        <a:latin typeface="+mn-lt"/>
+        <a:ea typeface="+mn-ea"/>
+        <a:cs typeface="+mn-cs"/>
+      </a:defRPr>
+    </a:lvl1pPr>
+    <a:lvl2pPr marL="457200" algn="l" defTabSz="914400" rtl="0" eaLnBrk="1" latinLnBrk="0" hangingPunct="1">
+      <a:defRPr sz="1200" kern="1200">
+        <a:solidFill>
+          <a:schemeClr val="tx1"/>
+        </a:solidFill>
+        <a:latin typeface="+mn-lt"/>
+        <a:ea typeface="+mn-ea"/>
+        <a:cs typeface="+mn-cs"/>
+      </a:defRPr>
+    </a:lvl2pPr>
+    <a:lvl3pPr marL="914400" algn="l" defTabSz="914400" rtl="0" eaLnBrk="1" latinLnBrk="0" hangingPunct="1">
+      <a:defRPr sz="1200" kern="1200">
+        <a:solidFill>
+          <a:schemeClr val="tx1"/>
+        </a:solidFill>
+        <a:latin typeface="+mn-lt"/>
+        <a:ea typeface="+mn-ea"/>
+        <a:cs typeface="+mn-cs"/>
+      </a:defRPr>
+    </a:lvl3pPr>
+    <a:lvl4pPr marL="1371600" algn="l" defTabSz="914400" rtl="0" eaLnBrk="1" latinLnBrk="0" hangingPunct="1">
+      <a:defRPr sz="1200" kern="1200">
+        <a:solidFill>
+          <a:schemeClr val="tx1"/>
+        </a:solidFill>
+        <a:latin typeface="+mn-lt"/>
+        <a:ea typeface="+mn-ea"/>
+        <a:cs typeface="+mn-cs"/>
+      </a:defRPr>
+    </a:lvl4pPr>
+    <a:lvl5pPr marL="1828800" algn="l" defTabSz="914400" rtl="0" eaLnBrk="1" latinLnBrk="0" hangingPunct="1">
+      <a:defRPr sz="1200" kern="1200">
+        <a:solidFill>
+          <a:schemeClr val="tx1"/>
+        </a:solidFill>
+        <a:latin typeface="+mn-lt"/>
+        <a:ea typeface="+mn-ea"/>
+        <a:cs typeface="+mn-cs"/>
+      </a:defRPr>
+    </a:lvl5pPr>
+    <a:lvl6pPr marL="2286000" algn="l" defTabSz="914400" rtl="0" eaLnBrk="1" latinLnBrk="0" hangingPunct="1">
+      <a:defRPr sz="1200" kern="1200">
+        <a:solidFill>
+          <a:schemeClr val="tx1"/>
+        </a:solidFill>
+        <a:latin typeface="+mn-lt"/>
+        <a:ea typeface="+mn-ea"/>
+        <a:cs typeface="+mn-cs"/>
+      </a:defRPr>
+    </a:lvl6pPr>
+    <a:lvl7pPr marL="2743200" algn="l" defTabSz="914400" rtl="0" eaLnBrk="1" latinLnBrk="0" hangingPunct="1">
+      <a:defRPr sz="1200" kern="1200">
+        <a:solidFill>
+          <a:schemeClr val="tx1"/>
+        </a:solidFill>
+        <a:latin typeface="+mn-lt"/>
+        <a:ea typeface="+mn-ea"/>
+        <a:cs typeface="+mn-cs"/>
+      </a:defRPr>
+    </a:lvl7pPr>
+    <a:lvl8pPr marL="3200400" algn="l" defTabSz="914400" rtl="0" eaLnBrk="1" latinLnBrk="0" hangingPunct="1">
+      <a:defRPr sz="1200" kern="1200">
+        <a:solidFill>
+          <a:schemeClr val="tx1"/>
+        </a:solidFill>
+        <a:latin typeface="+mn-lt"/>
+        <a:ea typeface="+mn-ea"/>
+        <a:cs typeface="+mn-cs"/>
+      </a:defRPr>
+    </a:lvl8pPr>
+    <a:lvl9pPr marL="3657600" algn="l" defTabSz="914400" rtl="0" eaLnBrk="1" latinLnBrk="0" hangingPunct="1">
+      <a:defRPr sz="1200" kern="1200">
+        <a:solidFill>
+          <a:schemeClr val="tx1"/>
+        </a:solidFill>
+        <a:latin typeface="+mn-lt"/>
+        <a:ea typeface="+mn-ea"/>
+        <a:cs typeface="+mn-cs"/>
+      </a:defRPr>
+    </a:lvl9pPr>
+  </p:notesStyle>
+</p:notesMaster>
+</file>
+
+<file path=ppt/notesSlides/notesSlide1.xml><?xml version="1.0" encoding="utf-8"?>
+<p:notes xmlns:a="http://schemas.openxmlformats.org/drawingml/2006/main" xmlns:r="http://schemas.openxmlformats.org/officeDocument/2006/relationships" xmlns:p="http://schemas.openxmlformats.org/presentationml/2006/main">
+  <p:cSld>
+    <p:spTree>
+      <p:nvGrpSpPr>
+        <p:cNvPr id="1" name=""/>
+        <p:cNvGrpSpPr/>
+        <p:nvPr/>
+      </p:nvGrpSpPr>
+      <p:grpSpPr>
+        <a:xfrm>
+          <a:off x="0" y="0"/>
+          <a:ext cx="0" cy="0"/>
+          <a:chOff x="0" y="0"/>
+          <a:chExt cx="0" cy="0"/>
+        </a:xfrm>
+      </p:grpSpPr>
+      <p:sp>
+        <p:nvSpPr>
+          <p:cNvPr id="2" name="Espace réservé de l'image des diapositives 1"/>
+          <p:cNvSpPr>
+            <a:spLocks noGrp="1" noRot="1" noChangeAspect="1"/>
+          </p:cNvSpPr>
+          <p:nvPr>
+            <p:ph type="sldImg"/>
+          </p:nvPr>
+        </p:nvSpPr>
+        <p:spPr/>
+      </p:sp>
+      <p:sp>
+        <p:nvSpPr>
+          <p:cNvPr id="3" name="Espace réservé des notes 2"/>
+          <p:cNvSpPr>
+            <a:spLocks noGrp="1"/>
+          </p:cNvSpPr>
+          <p:nvPr>
+            <p:ph type="body" idx="1"/>
+          </p:nvPr>
+        </p:nvSpPr>
+        <p:spPr/>
+        <p:txBody>
+          <a:bodyPr/>
+          <a:lstStyle/>
+          <a:p>
+            <a:endParaRPr lang="fr-FR" dirty="0"/>
+          </a:p>
+        </p:txBody>
+      </p:sp>
+      <p:sp>
+        <p:nvSpPr>
+          <p:cNvPr id="4" name="Espace réservé du numéro de diapositive 3"/>
+          <p:cNvSpPr>
+            <a:spLocks noGrp="1"/>
+          </p:cNvSpPr>
+          <p:nvPr>
+            <p:ph type="sldNum" sz="quarter" idx="5"/>
+          </p:nvPr>
+        </p:nvSpPr>
+        <p:spPr/>
+        <p:txBody>
+          <a:bodyPr/>
+          <a:lstStyle/>
+          <a:p>
+            <a:fld id="{5BEF91F8-68F6-46FF-9503-AE78C318BC28}" type="slidenum">
+              <a:rPr lang="fr-FR" smtClean="0"/>
+              <a:t>4</a:t>
+            </a:fld>
+            <a:endParaRPr lang="fr-FR"/>
+          </a:p>
+        </p:txBody>
+      </p:sp>
+    </p:spTree>
+    <p:extLst>
+      <p:ext uri="{BB962C8B-B14F-4D97-AF65-F5344CB8AC3E}">
+        <p14:creationId xmlns:p14="http://schemas.microsoft.com/office/powerpoint/2010/main" val="2468872701"/>
+      </p:ext>
+    </p:extLst>
+  </p:cSld>
+  <p:clrMapOvr>
+    <a:masterClrMapping/>
+  </p:clrMapOvr>
+</p:notes>
 </file>
 
 <file path=ppt/slideLayouts/slideLayout1.xml><?xml version="1.0" encoding="utf-8"?>
@@ -282,7 +726,7 @@
           <a:p>
             <a:fld id="{390E25EC-8D43-413F-9A7B-6C859F2F7F89}" type="datetimeFigureOut">
               <a:rPr lang="fr-FR" smtClean="0"/>
-              <a:t>01/04/2021</a:t>
+              <a:t>05/04/2021</a:t>
             </a:fld>
             <a:endParaRPr lang="fr-FR"/>
           </a:p>
@@ -480,7 +924,7 @@
           <a:p>
             <a:fld id="{390E25EC-8D43-413F-9A7B-6C859F2F7F89}" type="datetimeFigureOut">
               <a:rPr lang="fr-FR" smtClean="0"/>
-              <a:t>01/04/2021</a:t>
+              <a:t>05/04/2021</a:t>
             </a:fld>
             <a:endParaRPr lang="fr-FR"/>
           </a:p>
@@ -688,7 +1132,7 @@
           <a:p>
             <a:fld id="{390E25EC-8D43-413F-9A7B-6C859F2F7F89}" type="datetimeFigureOut">
               <a:rPr lang="fr-FR" smtClean="0"/>
-              <a:t>01/04/2021</a:t>
+              <a:t>05/04/2021</a:t>
             </a:fld>
             <a:endParaRPr lang="fr-FR"/>
           </a:p>
@@ -886,7 +1330,7 @@
           <a:p>
             <a:fld id="{390E25EC-8D43-413F-9A7B-6C859F2F7F89}" type="datetimeFigureOut">
               <a:rPr lang="fr-FR" smtClean="0"/>
-              <a:t>01/04/2021</a:t>
+              <a:t>05/04/2021</a:t>
             </a:fld>
             <a:endParaRPr lang="fr-FR"/>
           </a:p>
@@ -1161,7 +1605,7 @@
           <a:p>
             <a:fld id="{390E25EC-8D43-413F-9A7B-6C859F2F7F89}" type="datetimeFigureOut">
               <a:rPr lang="fr-FR" smtClean="0"/>
-              <a:t>01/04/2021</a:t>
+              <a:t>05/04/2021</a:t>
             </a:fld>
             <a:endParaRPr lang="fr-FR"/>
           </a:p>
@@ -1426,7 +1870,7 @@
           <a:p>
             <a:fld id="{390E25EC-8D43-413F-9A7B-6C859F2F7F89}" type="datetimeFigureOut">
               <a:rPr lang="fr-FR" smtClean="0"/>
-              <a:t>01/04/2021</a:t>
+              <a:t>05/04/2021</a:t>
             </a:fld>
             <a:endParaRPr lang="fr-FR"/>
           </a:p>
@@ -1838,7 +2282,7 @@
           <a:p>
             <a:fld id="{390E25EC-8D43-413F-9A7B-6C859F2F7F89}" type="datetimeFigureOut">
               <a:rPr lang="fr-FR" smtClean="0"/>
-              <a:t>01/04/2021</a:t>
+              <a:t>05/04/2021</a:t>
             </a:fld>
             <a:endParaRPr lang="fr-FR"/>
           </a:p>
@@ -1979,7 +2423,7 @@
           <a:p>
             <a:fld id="{390E25EC-8D43-413F-9A7B-6C859F2F7F89}" type="datetimeFigureOut">
               <a:rPr lang="fr-FR" smtClean="0"/>
-              <a:t>01/04/2021</a:t>
+              <a:t>05/04/2021</a:t>
             </a:fld>
             <a:endParaRPr lang="fr-FR"/>
           </a:p>
@@ -2092,7 +2536,7 @@
           <a:p>
             <a:fld id="{390E25EC-8D43-413F-9A7B-6C859F2F7F89}" type="datetimeFigureOut">
               <a:rPr lang="fr-FR" smtClean="0"/>
-              <a:t>01/04/2021</a:t>
+              <a:t>05/04/2021</a:t>
             </a:fld>
             <a:endParaRPr lang="fr-FR"/>
           </a:p>
@@ -2403,7 +2847,7 @@
           <a:p>
             <a:fld id="{390E25EC-8D43-413F-9A7B-6C859F2F7F89}" type="datetimeFigureOut">
               <a:rPr lang="fr-FR" smtClean="0"/>
-              <a:t>01/04/2021</a:t>
+              <a:t>05/04/2021</a:t>
             </a:fld>
             <a:endParaRPr lang="fr-FR"/>
           </a:p>
@@ -2691,7 +3135,7 @@
           <a:p>
             <a:fld id="{390E25EC-8D43-413F-9A7B-6C859F2F7F89}" type="datetimeFigureOut">
               <a:rPr lang="fr-FR" smtClean="0"/>
-              <a:t>01/04/2021</a:t>
+              <a:t>05/04/2021</a:t>
             </a:fld>
             <a:endParaRPr lang="fr-FR"/>
           </a:p>
@@ -2932,7 +3376,7 @@
           <a:p>
             <a:fld id="{390E25EC-8D43-413F-9A7B-6C859F2F7F89}" type="datetimeFigureOut">
               <a:rPr lang="fr-FR" smtClean="0"/>
-              <a:t>01/04/2021</a:t>
+              <a:t>05/04/2021</a:t>
             </a:fld>
             <a:endParaRPr lang="fr-FR"/>
           </a:p>
@@ -3531,6 +3975,1284 @@
 </p:sld>
 </file>
 
+<file path=ppt/slides/slide10.xml><?xml version="1.0" encoding="utf-8"?>
+<p:sld xmlns:a="http://schemas.openxmlformats.org/drawingml/2006/main" xmlns:r="http://schemas.openxmlformats.org/officeDocument/2006/relationships" xmlns:p="http://schemas.openxmlformats.org/presentationml/2006/main">
+  <p:cSld>
+    <p:spTree>
+      <p:nvGrpSpPr>
+        <p:cNvPr id="1" name=""/>
+        <p:cNvGrpSpPr/>
+        <p:nvPr/>
+      </p:nvGrpSpPr>
+      <p:grpSpPr>
+        <a:xfrm>
+          <a:off x="0" y="0"/>
+          <a:ext cx="0" cy="0"/>
+          <a:chOff x="0" y="0"/>
+          <a:chExt cx="0" cy="0"/>
+        </a:xfrm>
+      </p:grpSpPr>
+      <p:pic>
+        <p:nvPicPr>
+          <p:cNvPr id="11" name="Image 10" descr="Une image contenant vieux&#10;&#10;Description générée automatiquement">
+            <a:extLst>
+              <a:ext uri="{FF2B5EF4-FFF2-40B4-BE49-F238E27FC236}">
+                <a16:creationId xmlns:a16="http://schemas.microsoft.com/office/drawing/2014/main" id="{492C6E4F-3EC1-4A71-9023-67D30574C206}"/>
+              </a:ext>
+            </a:extLst>
+          </p:cNvPr>
+          <p:cNvPicPr>
+            <a:picLocks noChangeAspect="1"/>
+          </p:cNvPicPr>
+          <p:nvPr/>
+        </p:nvPicPr>
+        <p:blipFill>
+          <a:blip r:embed="rId2">
+            <a:extLst>
+              <a:ext uri="{28A0092B-C50C-407E-A947-70E740481C1C}">
+                <a14:useLocalDpi xmlns:a14="http://schemas.microsoft.com/office/drawing/2010/main" val="0"/>
+              </a:ext>
+            </a:extLst>
+          </a:blip>
+          <a:stretch>
+            <a:fillRect/>
+          </a:stretch>
+        </p:blipFill>
+        <p:spPr>
+          <a:xfrm>
+            <a:off x="0" y="0"/>
+            <a:ext cx="12192000" cy="6858000"/>
+          </a:xfrm>
+          <a:prstGeom prst="rect">
+            <a:avLst/>
+          </a:prstGeom>
+        </p:spPr>
+      </p:pic>
+      <p:sp>
+        <p:nvSpPr>
+          <p:cNvPr id="13" name="Rectangle 12">
+            <a:extLst>
+              <a:ext uri="{FF2B5EF4-FFF2-40B4-BE49-F238E27FC236}">
+                <a16:creationId xmlns:a16="http://schemas.microsoft.com/office/drawing/2014/main" id="{73D72025-4A3D-41D2-919C-264DD094BDC9}"/>
+              </a:ext>
+            </a:extLst>
+          </p:cNvPr>
+          <p:cNvSpPr/>
+          <p:nvPr/>
+        </p:nvSpPr>
+        <p:spPr>
+          <a:xfrm>
+            <a:off x="219075" y="133350"/>
+            <a:ext cx="11801475" cy="6534150"/>
+          </a:xfrm>
+          <a:prstGeom prst="rect">
+            <a:avLst/>
+          </a:prstGeom>
+          <a:noFill/>
+          <a:ln w="19050">
+            <a:solidFill>
+              <a:schemeClr val="tx1"/>
+            </a:solidFill>
+          </a:ln>
+        </p:spPr>
+        <p:style>
+          <a:lnRef idx="2">
+            <a:schemeClr val="accent1">
+              <a:shade val="50000"/>
+            </a:schemeClr>
+          </a:lnRef>
+          <a:fillRef idx="1">
+            <a:schemeClr val="accent1"/>
+          </a:fillRef>
+          <a:effectRef idx="0">
+            <a:schemeClr val="accent1"/>
+          </a:effectRef>
+          <a:fontRef idx="minor">
+            <a:schemeClr val="lt1"/>
+          </a:fontRef>
+        </p:style>
+        <p:txBody>
+          <a:bodyPr rtlCol="0" anchor="ctr"/>
+          <a:lstStyle/>
+          <a:p>
+            <a:pPr algn="ctr"/>
+            <a:endParaRPr lang="fr-FR"/>
+          </a:p>
+        </p:txBody>
+      </p:sp>
+      <p:sp>
+        <p:nvSpPr>
+          <p:cNvPr id="6" name="ZoneTexte 5">
+            <a:extLst>
+              <a:ext uri="{FF2B5EF4-FFF2-40B4-BE49-F238E27FC236}">
+                <a16:creationId xmlns:a16="http://schemas.microsoft.com/office/drawing/2014/main" id="{2B2A90D1-B0AD-49C8-8ABE-AD79025949F1}"/>
+              </a:ext>
+            </a:extLst>
+          </p:cNvPr>
+          <p:cNvSpPr txBox="1"/>
+          <p:nvPr/>
+        </p:nvSpPr>
+        <p:spPr>
+          <a:xfrm>
+            <a:off x="3152503" y="423532"/>
+            <a:ext cx="8286750" cy="830997"/>
+          </a:xfrm>
+          <a:prstGeom prst="rect">
+            <a:avLst/>
+          </a:prstGeom>
+          <a:noFill/>
+        </p:spPr>
+        <p:txBody>
+          <a:bodyPr wrap="square">
+            <a:spAutoFit/>
+          </a:bodyPr>
+          <a:lstStyle/>
+          <a:p>
+            <a:r>
+              <a:rPr lang="en-GB" sz="4800" b="1" u="sng" dirty="0">
+                <a:latin typeface="Baskerville Old Face" panose="02020602080505020303" pitchFamily="18" charset="0"/>
+                <a:ea typeface="Calibri" panose="020F0502020204030204" pitchFamily="34" charset="0"/>
+                <a:cs typeface="Times New Roman" panose="02020603050405020304" pitchFamily="18" charset="0"/>
+              </a:rPr>
+              <a:t>The </a:t>
+            </a:r>
+            <a:r>
+              <a:rPr lang="en-GB" sz="4800" b="1" u="sng" dirty="0">
+                <a:effectLst/>
+                <a:latin typeface="Baskerville Old Face" panose="02020602080505020303" pitchFamily="18" charset="0"/>
+                <a:ea typeface="Times New Roman" panose="02020603050405020304" pitchFamily="18" charset="0"/>
+                <a:cs typeface="Times New Roman" panose="02020603050405020304" pitchFamily="18" charset="0"/>
+              </a:rPr>
+              <a:t>symbols of virility</a:t>
+            </a:r>
+            <a:endParaRPr lang="fr-FR" sz="4800" b="1" u="sng" dirty="0">
+              <a:latin typeface="Baskerville Old Face" panose="02020602080505020303" pitchFamily="18" charset="0"/>
+            </a:endParaRPr>
+          </a:p>
+        </p:txBody>
+      </p:sp>
+      <p:sp>
+        <p:nvSpPr>
+          <p:cNvPr id="7" name="ZoneTexte 6">
+            <a:extLst>
+              <a:ext uri="{FF2B5EF4-FFF2-40B4-BE49-F238E27FC236}">
+                <a16:creationId xmlns:a16="http://schemas.microsoft.com/office/drawing/2014/main" id="{B1E0DCBE-65BB-41CA-924B-679F785BC4F2}"/>
+              </a:ext>
+            </a:extLst>
+          </p:cNvPr>
+          <p:cNvSpPr txBox="1"/>
+          <p:nvPr/>
+        </p:nvSpPr>
+        <p:spPr>
+          <a:xfrm>
+            <a:off x="985836" y="1654742"/>
+            <a:ext cx="4262711" cy="4552978"/>
+          </a:xfrm>
+          <a:prstGeom prst="rect">
+            <a:avLst/>
+          </a:prstGeom>
+          <a:noFill/>
+        </p:spPr>
+        <p:txBody>
+          <a:bodyPr wrap="square">
+            <a:spAutoFit/>
+          </a:bodyPr>
+          <a:lstStyle/>
+          <a:p>
+            <a:pPr marL="342900" marR="36195" lvl="0" indent="-342900" algn="just">
+              <a:lnSpc>
+                <a:spcPct val="150000"/>
+              </a:lnSpc>
+              <a:spcAft>
+                <a:spcPts val="0"/>
+              </a:spcAft>
+              <a:buFont typeface="Symbol" panose="05050102010706020507" pitchFamily="18" charset="2"/>
+              <a:buChar char=""/>
+              <a:tabLst>
+                <a:tab pos="1587500" algn="l"/>
+                <a:tab pos="1765300" algn="l"/>
+              </a:tabLst>
+            </a:pPr>
+            <a:r>
+              <a:rPr lang="en-GB" sz="2800" dirty="0">
+                <a:effectLst/>
+                <a:latin typeface="Baskerville Old Face" panose="02020602080505020303" pitchFamily="18" charset="0"/>
+                <a:ea typeface="Calibri" panose="020F0502020204030204" pitchFamily="34" charset="0"/>
+                <a:cs typeface="Calibri" panose="020F0502020204030204" pitchFamily="34" charset="0"/>
+              </a:rPr>
+              <a:t>Riding cloak</a:t>
+            </a:r>
+            <a:endParaRPr lang="fr-FR" sz="2800" dirty="0">
+              <a:effectLst/>
+              <a:latin typeface="Baskerville Old Face" panose="02020602080505020303" pitchFamily="18" charset="0"/>
+              <a:ea typeface="Calibri" panose="020F0502020204030204" pitchFamily="34" charset="0"/>
+              <a:cs typeface="Calibri" panose="020F0502020204030204" pitchFamily="34" charset="0"/>
+            </a:endParaRPr>
+          </a:p>
+          <a:p>
+            <a:pPr marL="342900" marR="36195" lvl="0" indent="-342900" algn="just">
+              <a:lnSpc>
+                <a:spcPct val="150000"/>
+              </a:lnSpc>
+              <a:spcAft>
+                <a:spcPts val="0"/>
+              </a:spcAft>
+              <a:buFont typeface="Symbol" panose="05050102010706020507" pitchFamily="18" charset="2"/>
+              <a:buChar char=""/>
+              <a:tabLst>
+                <a:tab pos="1587500" algn="l"/>
+                <a:tab pos="1765300" algn="l"/>
+              </a:tabLst>
+            </a:pPr>
+            <a:r>
+              <a:rPr lang="en-GB" sz="2800" dirty="0">
+                <a:effectLst/>
+                <a:latin typeface="Baskerville Old Face" panose="02020602080505020303" pitchFamily="18" charset="0"/>
+                <a:ea typeface="Calibri" panose="020F0502020204030204" pitchFamily="34" charset="0"/>
+                <a:cs typeface="Calibri" panose="020F0502020204030204" pitchFamily="34" charset="0"/>
+              </a:rPr>
+              <a:t>Fur collared</a:t>
+            </a:r>
+            <a:endParaRPr lang="fr-FR" sz="2800" dirty="0">
+              <a:effectLst/>
+              <a:latin typeface="Baskerville Old Face" panose="02020602080505020303" pitchFamily="18" charset="0"/>
+              <a:ea typeface="Calibri" panose="020F0502020204030204" pitchFamily="34" charset="0"/>
+              <a:cs typeface="Calibri" panose="020F0502020204030204" pitchFamily="34" charset="0"/>
+            </a:endParaRPr>
+          </a:p>
+          <a:p>
+            <a:pPr marL="342900" marR="36195" lvl="0" indent="-342900" algn="just">
+              <a:lnSpc>
+                <a:spcPct val="150000"/>
+              </a:lnSpc>
+              <a:spcAft>
+                <a:spcPts val="0"/>
+              </a:spcAft>
+              <a:buFont typeface="Symbol" panose="05050102010706020507" pitchFamily="18" charset="2"/>
+              <a:buChar char=""/>
+              <a:tabLst>
+                <a:tab pos="1587500" algn="l"/>
+                <a:tab pos="1765300" algn="l"/>
+              </a:tabLst>
+            </a:pPr>
+            <a:r>
+              <a:rPr lang="en-GB" sz="2800" dirty="0">
+                <a:effectLst/>
+                <a:latin typeface="Baskerville Old Face" panose="02020602080505020303" pitchFamily="18" charset="0"/>
+                <a:ea typeface="Calibri" panose="020F0502020204030204" pitchFamily="34" charset="0"/>
+                <a:cs typeface="Calibri" panose="020F0502020204030204" pitchFamily="34" charset="0"/>
+              </a:rPr>
+              <a:t>Steel </a:t>
+            </a:r>
+            <a:r>
+              <a:rPr lang="en-GB" sz="2800" dirty="0" err="1">
+                <a:effectLst/>
+                <a:latin typeface="Baskerville Old Face" panose="02020602080505020303" pitchFamily="18" charset="0"/>
+                <a:ea typeface="Calibri" panose="020F0502020204030204" pitchFamily="34" charset="0"/>
+                <a:cs typeface="Calibri" panose="020F0502020204030204" pitchFamily="34" charset="0"/>
+              </a:rPr>
+              <a:t>clapsed</a:t>
+            </a:r>
+            <a:endParaRPr lang="fr-FR" sz="2800" dirty="0">
+              <a:effectLst/>
+              <a:latin typeface="Baskerville Old Face" panose="02020602080505020303" pitchFamily="18" charset="0"/>
+              <a:ea typeface="Calibri" panose="020F0502020204030204" pitchFamily="34" charset="0"/>
+              <a:cs typeface="Calibri" panose="020F0502020204030204" pitchFamily="34" charset="0"/>
+            </a:endParaRPr>
+          </a:p>
+          <a:p>
+            <a:pPr marL="342900" marR="36195" lvl="0" indent="-342900" algn="just">
+              <a:lnSpc>
+                <a:spcPct val="150000"/>
+              </a:lnSpc>
+              <a:spcAft>
+                <a:spcPts val="0"/>
+              </a:spcAft>
+              <a:buFont typeface="Symbol" panose="05050102010706020507" pitchFamily="18" charset="2"/>
+              <a:buChar char=""/>
+              <a:tabLst>
+                <a:tab pos="1587500" algn="l"/>
+                <a:tab pos="1765300" algn="l"/>
+              </a:tabLst>
+            </a:pPr>
+            <a:r>
+              <a:rPr lang="en-GB" sz="2800" dirty="0">
+                <a:effectLst/>
+                <a:latin typeface="Baskerville Old Face" panose="02020602080505020303" pitchFamily="18" charset="0"/>
+                <a:ea typeface="Calibri" panose="020F0502020204030204" pitchFamily="34" charset="0"/>
+                <a:cs typeface="Calibri" panose="020F0502020204030204" pitchFamily="34" charset="0"/>
+              </a:rPr>
+              <a:t>Breadth of chest</a:t>
+            </a:r>
+            <a:endParaRPr lang="fr-FR" sz="2800" dirty="0">
+              <a:effectLst/>
+              <a:latin typeface="Baskerville Old Face" panose="02020602080505020303" pitchFamily="18" charset="0"/>
+              <a:ea typeface="Calibri" panose="020F0502020204030204" pitchFamily="34" charset="0"/>
+              <a:cs typeface="Calibri" panose="020F0502020204030204" pitchFamily="34" charset="0"/>
+            </a:endParaRPr>
+          </a:p>
+          <a:p>
+            <a:pPr marL="342900" marR="36195" lvl="0" indent="-342900" algn="just">
+              <a:lnSpc>
+                <a:spcPct val="150000"/>
+              </a:lnSpc>
+              <a:spcAft>
+                <a:spcPts val="0"/>
+              </a:spcAft>
+              <a:buFont typeface="Symbol" panose="05050102010706020507" pitchFamily="18" charset="2"/>
+              <a:buChar char=""/>
+              <a:tabLst>
+                <a:tab pos="1587500" algn="l"/>
+                <a:tab pos="1765300" algn="l"/>
+              </a:tabLst>
+            </a:pPr>
+            <a:r>
+              <a:rPr lang="en-GB" sz="2800" dirty="0">
+                <a:effectLst/>
+                <a:latin typeface="Baskerville Old Face" panose="02020602080505020303" pitchFamily="18" charset="0"/>
+                <a:ea typeface="Calibri" panose="020F0502020204030204" pitchFamily="34" charset="0"/>
+                <a:cs typeface="Calibri" panose="020F0502020204030204" pitchFamily="34" charset="0"/>
+              </a:rPr>
+              <a:t>Dark face</a:t>
+            </a:r>
+            <a:endParaRPr lang="fr-FR" sz="2800" dirty="0">
+              <a:effectLst/>
+              <a:latin typeface="Baskerville Old Face" panose="02020602080505020303" pitchFamily="18" charset="0"/>
+              <a:ea typeface="Calibri" panose="020F0502020204030204" pitchFamily="34" charset="0"/>
+              <a:cs typeface="Calibri" panose="020F0502020204030204" pitchFamily="34" charset="0"/>
+            </a:endParaRPr>
+          </a:p>
+          <a:p>
+            <a:pPr marL="342900" marR="36195" lvl="0" indent="-342900" algn="just">
+              <a:lnSpc>
+                <a:spcPct val="150000"/>
+              </a:lnSpc>
+              <a:spcAft>
+                <a:spcPts val="0"/>
+              </a:spcAft>
+              <a:buFont typeface="Symbol" panose="05050102010706020507" pitchFamily="18" charset="2"/>
+              <a:buChar char=""/>
+              <a:tabLst>
+                <a:tab pos="1587500" algn="l"/>
+                <a:tab pos="1765300" algn="l"/>
+              </a:tabLst>
+            </a:pPr>
+            <a:r>
+              <a:rPr lang="en-GB" sz="2800" dirty="0">
+                <a:effectLst/>
+                <a:latin typeface="Baskerville Old Face" panose="02020602080505020303" pitchFamily="18" charset="0"/>
+                <a:ea typeface="Calibri" panose="020F0502020204030204" pitchFamily="34" charset="0"/>
+                <a:cs typeface="Calibri" panose="020F0502020204030204" pitchFamily="34" charset="0"/>
+              </a:rPr>
+              <a:t>Stern features</a:t>
+            </a:r>
+          </a:p>
+          <a:p>
+            <a:pPr marL="342900" marR="36195" indent="-342900" algn="just">
+              <a:lnSpc>
+                <a:spcPct val="150000"/>
+              </a:lnSpc>
+              <a:buFont typeface="Symbol" panose="05050102010706020507" pitchFamily="18" charset="2"/>
+              <a:buChar char=""/>
+              <a:tabLst>
+                <a:tab pos="1587500" algn="l"/>
+                <a:tab pos="1765300" algn="l"/>
+              </a:tabLst>
+            </a:pPr>
+            <a:r>
+              <a:rPr lang="en-GB" sz="2800" dirty="0">
+                <a:effectLst/>
+                <a:latin typeface="Baskerville Old Face" panose="02020602080505020303" pitchFamily="18" charset="0"/>
+                <a:ea typeface="Calibri" panose="020F0502020204030204" pitchFamily="34" charset="0"/>
+                <a:cs typeface="Calibri" panose="020F0502020204030204" pitchFamily="34" charset="0"/>
+              </a:rPr>
+              <a:t>Heavy brow</a:t>
+            </a:r>
+            <a:endParaRPr lang="fr-FR" sz="2800" dirty="0">
+              <a:effectLst/>
+              <a:latin typeface="Baskerville Old Face" panose="02020602080505020303" pitchFamily="18" charset="0"/>
+              <a:ea typeface="Calibri" panose="020F0502020204030204" pitchFamily="34" charset="0"/>
+              <a:cs typeface="Calibri" panose="020F0502020204030204" pitchFamily="34" charset="0"/>
+            </a:endParaRPr>
+          </a:p>
+        </p:txBody>
+      </p:sp>
+      <p:sp>
+        <p:nvSpPr>
+          <p:cNvPr id="2" name="ZoneTexte 1">
+            <a:extLst>
+              <a:ext uri="{FF2B5EF4-FFF2-40B4-BE49-F238E27FC236}">
+                <a16:creationId xmlns:a16="http://schemas.microsoft.com/office/drawing/2014/main" id="{7E54C9BC-DAB6-4FEC-8847-C2E505684D2F}"/>
+              </a:ext>
+            </a:extLst>
+          </p:cNvPr>
+          <p:cNvSpPr txBox="1"/>
+          <p:nvPr/>
+        </p:nvSpPr>
+        <p:spPr>
+          <a:xfrm>
+            <a:off x="6270173" y="1654742"/>
+            <a:ext cx="4389120" cy="4893647"/>
+          </a:xfrm>
+          <a:prstGeom prst="rect">
+            <a:avLst/>
+          </a:prstGeom>
+          <a:noFill/>
+        </p:spPr>
+        <p:txBody>
+          <a:bodyPr wrap="square" rtlCol="0">
+            <a:spAutoFit/>
+          </a:bodyPr>
+          <a:lstStyle/>
+          <a:p>
+            <a:pPr marL="342900" marR="36195" lvl="0" indent="-342900" algn="just">
+              <a:lnSpc>
+                <a:spcPct val="150000"/>
+              </a:lnSpc>
+              <a:spcAft>
+                <a:spcPts val="0"/>
+              </a:spcAft>
+              <a:buFont typeface="Symbol" panose="05050102010706020507" pitchFamily="18" charset="2"/>
+              <a:buChar char=""/>
+              <a:tabLst>
+                <a:tab pos="1587500" algn="l"/>
+                <a:tab pos="1765300" algn="l"/>
+              </a:tabLst>
+            </a:pPr>
+            <a:r>
+              <a:rPr lang="en-GB" sz="2800" dirty="0">
+                <a:effectLst/>
+                <a:latin typeface="Baskerville Old Face" panose="02020602080505020303" pitchFamily="18" charset="0"/>
+                <a:ea typeface="Calibri" panose="020F0502020204030204" pitchFamily="34" charset="0"/>
+                <a:cs typeface="Calibri" panose="020F0502020204030204" pitchFamily="34" charset="0"/>
+              </a:rPr>
+              <a:t>Thwarted eyes</a:t>
+            </a:r>
+            <a:endParaRPr lang="fr-FR" sz="2800" dirty="0">
+              <a:effectLst/>
+              <a:latin typeface="Baskerville Old Face" panose="02020602080505020303" pitchFamily="18" charset="0"/>
+              <a:ea typeface="Calibri" panose="020F0502020204030204" pitchFamily="34" charset="0"/>
+              <a:cs typeface="Calibri" panose="020F0502020204030204" pitchFamily="34" charset="0"/>
+            </a:endParaRPr>
+          </a:p>
+          <a:p>
+            <a:pPr marL="342900" marR="36195" indent="-342900" algn="just">
+              <a:lnSpc>
+                <a:spcPct val="150000"/>
+              </a:lnSpc>
+              <a:buFont typeface="Symbol" panose="05050102010706020507" pitchFamily="18" charset="2"/>
+              <a:buChar char=""/>
+              <a:tabLst>
+                <a:tab pos="1587500" algn="l"/>
+                <a:tab pos="1765300" algn="l"/>
+              </a:tabLst>
+            </a:pPr>
+            <a:r>
+              <a:rPr lang="en-GB" sz="2800" dirty="0">
+                <a:effectLst/>
+                <a:latin typeface="Baskerville Old Face" panose="02020602080505020303" pitchFamily="18" charset="0"/>
+                <a:ea typeface="Calibri" panose="020F0502020204030204" pitchFamily="34" charset="0"/>
+                <a:cs typeface="Calibri" panose="020F0502020204030204" pitchFamily="34" charset="0"/>
+              </a:rPr>
+              <a:t>Handsome, heroic-looking gentleman</a:t>
+            </a:r>
+            <a:endParaRPr lang="fr-FR" sz="2800" dirty="0">
+              <a:effectLst/>
+              <a:latin typeface="Baskerville Old Face" panose="02020602080505020303" pitchFamily="18" charset="0"/>
+              <a:ea typeface="Calibri" panose="020F0502020204030204" pitchFamily="34" charset="0"/>
+              <a:cs typeface="Calibri" panose="020F0502020204030204" pitchFamily="34" charset="0"/>
+            </a:endParaRPr>
+          </a:p>
+          <a:p>
+            <a:pPr marL="342900" marR="36195" lvl="0" indent="-342900" algn="just">
+              <a:lnSpc>
+                <a:spcPct val="150000"/>
+              </a:lnSpc>
+              <a:spcAft>
+                <a:spcPts val="0"/>
+              </a:spcAft>
+              <a:buFont typeface="Symbol" panose="05050102010706020507" pitchFamily="18" charset="2"/>
+              <a:buChar char=""/>
+              <a:tabLst>
+                <a:tab pos="1587500" algn="l"/>
+                <a:tab pos="1765300" algn="l"/>
+              </a:tabLst>
+            </a:pPr>
+            <a:r>
+              <a:rPr lang="en-GB" sz="2800" dirty="0">
+                <a:effectLst/>
+                <a:latin typeface="Baskerville Old Face" panose="02020602080505020303" pitchFamily="18" charset="0"/>
+                <a:ea typeface="Calibri" panose="020F0502020204030204" pitchFamily="34" charset="0"/>
+                <a:cs typeface="Calibri" panose="020F0502020204030204" pitchFamily="34" charset="0"/>
+              </a:rPr>
+              <a:t>I met those qualities incarnate in masculine shape</a:t>
+            </a:r>
+          </a:p>
+          <a:p>
+            <a:pPr marL="342900" marR="36195" indent="-342900" algn="just">
+              <a:lnSpc>
+                <a:spcPct val="150000"/>
+              </a:lnSpc>
+              <a:buFont typeface="Symbol" panose="05050102010706020507" pitchFamily="18" charset="2"/>
+              <a:buChar char=""/>
+              <a:tabLst>
+                <a:tab pos="1587500" algn="l"/>
+                <a:tab pos="1765300" algn="l"/>
+              </a:tabLst>
+            </a:pPr>
+            <a:r>
+              <a:rPr lang="en-GB" sz="2800" dirty="0">
+                <a:effectLst/>
+                <a:latin typeface="Baskerville Old Face" panose="02020602080505020303" pitchFamily="18" charset="0"/>
+                <a:ea typeface="Calibri" panose="020F0502020204030204" pitchFamily="34" charset="0"/>
+                <a:cs typeface="Calibri" panose="020F0502020204030204" pitchFamily="34" charset="0"/>
+              </a:rPr>
+              <a:t>Frown, roughness</a:t>
+            </a:r>
+            <a:endParaRPr lang="fr-FR" sz="2800" dirty="0">
+              <a:effectLst/>
+              <a:latin typeface="Baskerville Old Face" panose="02020602080505020303" pitchFamily="18" charset="0"/>
+              <a:ea typeface="Calibri" panose="020F0502020204030204" pitchFamily="34" charset="0"/>
+              <a:cs typeface="Calibri" panose="020F0502020204030204" pitchFamily="34" charset="0"/>
+            </a:endParaRPr>
+          </a:p>
+          <a:p>
+            <a:endParaRPr lang="fr-FR" dirty="0"/>
+          </a:p>
+        </p:txBody>
+      </p:sp>
+    </p:spTree>
+    <p:extLst>
+      <p:ext uri="{BB962C8B-B14F-4D97-AF65-F5344CB8AC3E}">
+        <p14:creationId xmlns:p14="http://schemas.microsoft.com/office/powerpoint/2010/main" val="4218735667"/>
+      </p:ext>
+    </p:extLst>
+  </p:cSld>
+  <p:clrMapOvr>
+    <a:masterClrMapping/>
+  </p:clrMapOvr>
+</p:sld>
+</file>
+
+<file path=ppt/slides/slide11.xml><?xml version="1.0" encoding="utf-8"?>
+<p:sld xmlns:a="http://schemas.openxmlformats.org/drawingml/2006/main" xmlns:r="http://schemas.openxmlformats.org/officeDocument/2006/relationships" xmlns:p="http://schemas.openxmlformats.org/presentationml/2006/main">
+  <p:cSld>
+    <p:spTree>
+      <p:nvGrpSpPr>
+        <p:cNvPr id="1" name=""/>
+        <p:cNvGrpSpPr/>
+        <p:nvPr/>
+      </p:nvGrpSpPr>
+      <p:grpSpPr>
+        <a:xfrm>
+          <a:off x="0" y="0"/>
+          <a:ext cx="0" cy="0"/>
+          <a:chOff x="0" y="0"/>
+          <a:chExt cx="0" cy="0"/>
+        </a:xfrm>
+      </p:grpSpPr>
+      <p:pic>
+        <p:nvPicPr>
+          <p:cNvPr id="11" name="Image 10" descr="Une image contenant vieux&#10;&#10;Description générée automatiquement">
+            <a:extLst>
+              <a:ext uri="{FF2B5EF4-FFF2-40B4-BE49-F238E27FC236}">
+                <a16:creationId xmlns:a16="http://schemas.microsoft.com/office/drawing/2014/main" id="{492C6E4F-3EC1-4A71-9023-67D30574C206}"/>
+              </a:ext>
+            </a:extLst>
+          </p:cNvPr>
+          <p:cNvPicPr>
+            <a:picLocks noChangeAspect="1"/>
+          </p:cNvPicPr>
+          <p:nvPr/>
+        </p:nvPicPr>
+        <p:blipFill>
+          <a:blip r:embed="rId2">
+            <a:extLst>
+              <a:ext uri="{28A0092B-C50C-407E-A947-70E740481C1C}">
+                <a14:useLocalDpi xmlns:a14="http://schemas.microsoft.com/office/drawing/2010/main" val="0"/>
+              </a:ext>
+            </a:extLst>
+          </a:blip>
+          <a:stretch>
+            <a:fillRect/>
+          </a:stretch>
+        </p:blipFill>
+        <p:spPr>
+          <a:xfrm>
+            <a:off x="0" y="0"/>
+            <a:ext cx="12192000" cy="6858000"/>
+          </a:xfrm>
+          <a:prstGeom prst="rect">
+            <a:avLst/>
+          </a:prstGeom>
+        </p:spPr>
+      </p:pic>
+      <p:sp>
+        <p:nvSpPr>
+          <p:cNvPr id="13" name="Rectangle 12">
+            <a:extLst>
+              <a:ext uri="{FF2B5EF4-FFF2-40B4-BE49-F238E27FC236}">
+                <a16:creationId xmlns:a16="http://schemas.microsoft.com/office/drawing/2014/main" id="{73D72025-4A3D-41D2-919C-264DD094BDC9}"/>
+              </a:ext>
+            </a:extLst>
+          </p:cNvPr>
+          <p:cNvSpPr/>
+          <p:nvPr/>
+        </p:nvSpPr>
+        <p:spPr>
+          <a:xfrm>
+            <a:off x="219075" y="133350"/>
+            <a:ext cx="11801475" cy="6534150"/>
+          </a:xfrm>
+          <a:prstGeom prst="rect">
+            <a:avLst/>
+          </a:prstGeom>
+          <a:noFill/>
+          <a:ln w="19050">
+            <a:solidFill>
+              <a:schemeClr val="tx1"/>
+            </a:solidFill>
+          </a:ln>
+        </p:spPr>
+        <p:style>
+          <a:lnRef idx="2">
+            <a:schemeClr val="accent1">
+              <a:shade val="50000"/>
+            </a:schemeClr>
+          </a:lnRef>
+          <a:fillRef idx="1">
+            <a:schemeClr val="accent1"/>
+          </a:fillRef>
+          <a:effectRef idx="0">
+            <a:schemeClr val="accent1"/>
+          </a:effectRef>
+          <a:fontRef idx="minor">
+            <a:schemeClr val="lt1"/>
+          </a:fontRef>
+        </p:style>
+        <p:txBody>
+          <a:bodyPr rtlCol="0" anchor="ctr"/>
+          <a:lstStyle/>
+          <a:p>
+            <a:pPr algn="ctr"/>
+            <a:endParaRPr lang="fr-FR"/>
+          </a:p>
+        </p:txBody>
+      </p:sp>
+      <p:sp>
+        <p:nvSpPr>
+          <p:cNvPr id="6" name="ZoneTexte 5">
+            <a:extLst>
+              <a:ext uri="{FF2B5EF4-FFF2-40B4-BE49-F238E27FC236}">
+                <a16:creationId xmlns:a16="http://schemas.microsoft.com/office/drawing/2014/main" id="{2B2A90D1-B0AD-49C8-8ABE-AD79025949F1}"/>
+              </a:ext>
+            </a:extLst>
+          </p:cNvPr>
+          <p:cNvSpPr txBox="1"/>
+          <p:nvPr/>
+        </p:nvSpPr>
+        <p:spPr>
+          <a:xfrm>
+            <a:off x="2956560" y="615297"/>
+            <a:ext cx="8286750" cy="830997"/>
+          </a:xfrm>
+          <a:prstGeom prst="rect">
+            <a:avLst/>
+          </a:prstGeom>
+          <a:noFill/>
+        </p:spPr>
+        <p:txBody>
+          <a:bodyPr wrap="square">
+            <a:spAutoFit/>
+          </a:bodyPr>
+          <a:lstStyle/>
+          <a:p>
+            <a:r>
+              <a:rPr lang="en-GB" sz="4800" b="1" u="sng" dirty="0">
+                <a:latin typeface="Baskerville Old Face" panose="02020602080505020303" pitchFamily="18" charset="0"/>
+                <a:ea typeface="Times New Roman" panose="02020603050405020304" pitchFamily="18" charset="0"/>
+                <a:cs typeface="Times New Roman" panose="02020603050405020304" pitchFamily="18" charset="0"/>
+              </a:rPr>
+              <a:t>C</a:t>
+            </a:r>
+            <a:r>
+              <a:rPr lang="en-GB" sz="4800" b="1" u="sng" dirty="0">
+                <a:effectLst/>
+                <a:latin typeface="Baskerville Old Face" panose="02020602080505020303" pitchFamily="18" charset="0"/>
+                <a:ea typeface="Times New Roman" panose="02020603050405020304" pitchFamily="18" charset="0"/>
+                <a:cs typeface="Times New Roman" panose="02020603050405020304" pitchFamily="18" charset="0"/>
+              </a:rPr>
+              <a:t>haracters’ conversation</a:t>
+            </a:r>
+            <a:endParaRPr lang="fr-FR" sz="4800" b="1" u="sng" dirty="0">
+              <a:latin typeface="Baskerville Old Face" panose="02020602080505020303" pitchFamily="18" charset="0"/>
+            </a:endParaRPr>
+          </a:p>
+        </p:txBody>
+      </p:sp>
+      <p:sp>
+        <p:nvSpPr>
+          <p:cNvPr id="7" name="ZoneTexte 6">
+            <a:extLst>
+              <a:ext uri="{FF2B5EF4-FFF2-40B4-BE49-F238E27FC236}">
+                <a16:creationId xmlns:a16="http://schemas.microsoft.com/office/drawing/2014/main" id="{B1E0DCBE-65BB-41CA-924B-679F785BC4F2}"/>
+              </a:ext>
+            </a:extLst>
+          </p:cNvPr>
+          <p:cNvSpPr txBox="1"/>
+          <p:nvPr/>
+        </p:nvSpPr>
+        <p:spPr>
+          <a:xfrm>
+            <a:off x="3186111" y="1656608"/>
+            <a:ext cx="9091614" cy="584775"/>
+          </a:xfrm>
+          <a:prstGeom prst="rect">
+            <a:avLst/>
+          </a:prstGeom>
+          <a:noFill/>
+        </p:spPr>
+        <p:txBody>
+          <a:bodyPr wrap="square">
+            <a:spAutoFit/>
+          </a:bodyPr>
+          <a:lstStyle/>
+          <a:p>
+            <a:r>
+              <a:rPr lang="en-GB" sz="3200" dirty="0">
+                <a:latin typeface="Baskerville Old Face" panose="02020602080505020303" pitchFamily="18" charset="0"/>
+                <a:ea typeface="Times New Roman" panose="02020603050405020304" pitchFamily="18" charset="0"/>
+                <a:cs typeface="Times New Roman" panose="02020603050405020304" pitchFamily="18" charset="0"/>
+              </a:rPr>
+              <a:t>A c</a:t>
+            </a:r>
+            <a:r>
+              <a:rPr lang="en-GB" sz="3200" dirty="0">
+                <a:effectLst/>
+                <a:latin typeface="Baskerville Old Face" panose="02020602080505020303" pitchFamily="18" charset="0"/>
+                <a:ea typeface="Times New Roman" panose="02020603050405020304" pitchFamily="18" charset="0"/>
+                <a:cs typeface="Times New Roman" panose="02020603050405020304" pitchFamily="18" charset="0"/>
+              </a:rPr>
+              <a:t>old tone with short sentences</a:t>
+            </a:r>
+          </a:p>
+        </p:txBody>
+      </p:sp>
+      <p:sp>
+        <p:nvSpPr>
+          <p:cNvPr id="2" name="Flèche : droite 1">
+            <a:extLst>
+              <a:ext uri="{FF2B5EF4-FFF2-40B4-BE49-F238E27FC236}">
+                <a16:creationId xmlns:a16="http://schemas.microsoft.com/office/drawing/2014/main" id="{F0E58CB1-308E-4288-8A6A-6740B1579C30}"/>
+              </a:ext>
+            </a:extLst>
+          </p:cNvPr>
+          <p:cNvSpPr/>
+          <p:nvPr/>
+        </p:nvSpPr>
+        <p:spPr>
+          <a:xfrm>
+            <a:off x="1358537" y="4062549"/>
+            <a:ext cx="1598023" cy="953588"/>
+          </a:xfrm>
+          <a:prstGeom prst="rightArrow">
+            <a:avLst/>
+          </a:prstGeom>
+          <a:solidFill>
+            <a:schemeClr val="tx1"/>
+          </a:solidFill>
+          <a:ln>
+            <a:solidFill>
+              <a:schemeClr val="tx1"/>
+            </a:solidFill>
+          </a:ln>
+        </p:spPr>
+        <p:style>
+          <a:lnRef idx="2">
+            <a:schemeClr val="accent1">
+              <a:shade val="50000"/>
+            </a:schemeClr>
+          </a:lnRef>
+          <a:fillRef idx="1">
+            <a:schemeClr val="accent1"/>
+          </a:fillRef>
+          <a:effectRef idx="0">
+            <a:schemeClr val="accent1"/>
+          </a:effectRef>
+          <a:fontRef idx="minor">
+            <a:schemeClr val="lt1"/>
+          </a:fontRef>
+        </p:style>
+        <p:txBody>
+          <a:bodyPr rtlCol="0" anchor="ctr"/>
+          <a:lstStyle/>
+          <a:p>
+            <a:pPr algn="ctr"/>
+            <a:endParaRPr lang="fr-FR"/>
+          </a:p>
+        </p:txBody>
+      </p:sp>
+      <p:sp>
+        <p:nvSpPr>
+          <p:cNvPr id="3" name="ZoneTexte 2">
+            <a:extLst>
+              <a:ext uri="{FF2B5EF4-FFF2-40B4-BE49-F238E27FC236}">
+                <a16:creationId xmlns:a16="http://schemas.microsoft.com/office/drawing/2014/main" id="{B653F4CB-F97E-498A-8ED9-59CE8200E335}"/>
+              </a:ext>
+            </a:extLst>
+          </p:cNvPr>
+          <p:cNvSpPr txBox="1"/>
+          <p:nvPr/>
+        </p:nvSpPr>
+        <p:spPr>
+          <a:xfrm>
+            <a:off x="3595823" y="3818535"/>
+            <a:ext cx="7785463" cy="1846659"/>
+          </a:xfrm>
+          <a:prstGeom prst="rect">
+            <a:avLst/>
+          </a:prstGeom>
+          <a:noFill/>
+        </p:spPr>
+        <p:txBody>
+          <a:bodyPr wrap="square" rtlCol="0">
+            <a:spAutoFit/>
+          </a:bodyPr>
+          <a:lstStyle/>
+          <a:p>
+            <a:r>
+              <a:rPr lang="en-GB" sz="3200" dirty="0">
+                <a:effectLst/>
+                <a:latin typeface="Baskerville Old Face" panose="02020602080505020303" pitchFamily="18" charset="0"/>
+                <a:ea typeface="Calibri" panose="020F0502020204030204" pitchFamily="34" charset="0"/>
+                <a:cs typeface="Calibri" panose="020F0502020204030204" pitchFamily="34" charset="0"/>
+              </a:rPr>
+              <a:t>The readers may feel puzzled by the behaviour of Jane towards Mr. Rochester’s attitude, who is attracted by his roughness</a:t>
+            </a:r>
+            <a:endParaRPr lang="fr-FR" sz="3200" dirty="0">
+              <a:effectLst/>
+              <a:latin typeface="Baskerville Old Face" panose="02020602080505020303" pitchFamily="18" charset="0"/>
+              <a:ea typeface="Calibri" panose="020F0502020204030204" pitchFamily="34" charset="0"/>
+              <a:cs typeface="Calibri" panose="020F0502020204030204" pitchFamily="34" charset="0"/>
+            </a:endParaRPr>
+          </a:p>
+          <a:p>
+            <a:endParaRPr lang="fr-FR" dirty="0"/>
+          </a:p>
+        </p:txBody>
+      </p:sp>
+    </p:spTree>
+    <p:extLst>
+      <p:ext uri="{BB962C8B-B14F-4D97-AF65-F5344CB8AC3E}">
+        <p14:creationId xmlns:p14="http://schemas.microsoft.com/office/powerpoint/2010/main" val="3860119611"/>
+      </p:ext>
+    </p:extLst>
+  </p:cSld>
+  <p:clrMapOvr>
+    <a:masterClrMapping/>
+  </p:clrMapOvr>
+</p:sld>
+</file>
+
+<file path=ppt/slides/slide12.xml><?xml version="1.0" encoding="utf-8"?>
+<p:sld xmlns:a="http://schemas.openxmlformats.org/drawingml/2006/main" xmlns:r="http://schemas.openxmlformats.org/officeDocument/2006/relationships" xmlns:p="http://schemas.openxmlformats.org/presentationml/2006/main">
+  <p:cSld>
+    <p:spTree>
+      <p:nvGrpSpPr>
+        <p:cNvPr id="1" name=""/>
+        <p:cNvGrpSpPr/>
+        <p:nvPr/>
+      </p:nvGrpSpPr>
+      <p:grpSpPr>
+        <a:xfrm>
+          <a:off x="0" y="0"/>
+          <a:ext cx="0" cy="0"/>
+          <a:chOff x="0" y="0"/>
+          <a:chExt cx="0" cy="0"/>
+        </a:xfrm>
+      </p:grpSpPr>
+      <p:pic>
+        <p:nvPicPr>
+          <p:cNvPr id="11" name="Image 10" descr="Une image contenant vieux&#10;&#10;Description générée automatiquement">
+            <a:extLst>
+              <a:ext uri="{FF2B5EF4-FFF2-40B4-BE49-F238E27FC236}">
+                <a16:creationId xmlns:a16="http://schemas.microsoft.com/office/drawing/2014/main" id="{492C6E4F-3EC1-4A71-9023-67D30574C206}"/>
+              </a:ext>
+            </a:extLst>
+          </p:cNvPr>
+          <p:cNvPicPr>
+            <a:picLocks noChangeAspect="1"/>
+          </p:cNvPicPr>
+          <p:nvPr/>
+        </p:nvPicPr>
+        <p:blipFill>
+          <a:blip r:embed="rId2">
+            <a:extLst>
+              <a:ext uri="{28A0092B-C50C-407E-A947-70E740481C1C}">
+                <a14:useLocalDpi xmlns:a14="http://schemas.microsoft.com/office/drawing/2010/main" val="0"/>
+              </a:ext>
+            </a:extLst>
+          </a:blip>
+          <a:stretch>
+            <a:fillRect/>
+          </a:stretch>
+        </p:blipFill>
+        <p:spPr>
+          <a:xfrm>
+            <a:off x="0" y="0"/>
+            <a:ext cx="12192000" cy="6858000"/>
+          </a:xfrm>
+          <a:prstGeom prst="rect">
+            <a:avLst/>
+          </a:prstGeom>
+        </p:spPr>
+      </p:pic>
+      <p:sp>
+        <p:nvSpPr>
+          <p:cNvPr id="13" name="Rectangle 12">
+            <a:extLst>
+              <a:ext uri="{FF2B5EF4-FFF2-40B4-BE49-F238E27FC236}">
+                <a16:creationId xmlns:a16="http://schemas.microsoft.com/office/drawing/2014/main" id="{73D72025-4A3D-41D2-919C-264DD094BDC9}"/>
+              </a:ext>
+            </a:extLst>
+          </p:cNvPr>
+          <p:cNvSpPr/>
+          <p:nvPr/>
+        </p:nvSpPr>
+        <p:spPr>
+          <a:xfrm>
+            <a:off x="219075" y="133350"/>
+            <a:ext cx="11801475" cy="6534150"/>
+          </a:xfrm>
+          <a:prstGeom prst="rect">
+            <a:avLst/>
+          </a:prstGeom>
+          <a:noFill/>
+          <a:ln w="19050">
+            <a:solidFill>
+              <a:schemeClr val="tx1"/>
+            </a:solidFill>
+          </a:ln>
+        </p:spPr>
+        <p:style>
+          <a:lnRef idx="2">
+            <a:schemeClr val="accent1">
+              <a:shade val="50000"/>
+            </a:schemeClr>
+          </a:lnRef>
+          <a:fillRef idx="1">
+            <a:schemeClr val="accent1"/>
+          </a:fillRef>
+          <a:effectRef idx="0">
+            <a:schemeClr val="accent1"/>
+          </a:effectRef>
+          <a:fontRef idx="minor">
+            <a:schemeClr val="lt1"/>
+          </a:fontRef>
+        </p:style>
+        <p:txBody>
+          <a:bodyPr rtlCol="0" anchor="ctr"/>
+          <a:lstStyle/>
+          <a:p>
+            <a:pPr algn="ctr"/>
+            <a:endParaRPr lang="fr-FR"/>
+          </a:p>
+        </p:txBody>
+      </p:sp>
+      <p:sp>
+        <p:nvSpPr>
+          <p:cNvPr id="6" name="ZoneTexte 5">
+            <a:extLst>
+              <a:ext uri="{FF2B5EF4-FFF2-40B4-BE49-F238E27FC236}">
+                <a16:creationId xmlns:a16="http://schemas.microsoft.com/office/drawing/2014/main" id="{2B2A90D1-B0AD-49C8-8ABE-AD79025949F1}"/>
+              </a:ext>
+            </a:extLst>
+          </p:cNvPr>
+          <p:cNvSpPr txBox="1"/>
+          <p:nvPr/>
+        </p:nvSpPr>
+        <p:spPr>
+          <a:xfrm>
+            <a:off x="317862" y="492785"/>
+            <a:ext cx="8710611" cy="1323696"/>
+          </a:xfrm>
+          <a:prstGeom prst="rect">
+            <a:avLst/>
+          </a:prstGeom>
+          <a:noFill/>
+        </p:spPr>
+        <p:txBody>
+          <a:bodyPr wrap="square">
+            <a:spAutoFit/>
+          </a:bodyPr>
+          <a:lstStyle/>
+          <a:p>
+            <a:pPr marL="63500" indent="304800">
+              <a:lnSpc>
+                <a:spcPct val="103000"/>
+              </a:lnSpc>
+              <a:spcBef>
+                <a:spcPts val="60"/>
+              </a:spcBef>
+            </a:pPr>
+            <a:r>
+              <a:rPr lang="en-US" sz="4000" b="1" dirty="0">
+                <a:effectLst/>
+                <a:latin typeface="Old English Text MT" panose="03040902040508030806" pitchFamily="66" charset="0"/>
+                <a:ea typeface="Times New Roman" panose="02020603050405020304" pitchFamily="18" charset="0"/>
+                <a:cs typeface="Calibri" panose="020F0502020204030204" pitchFamily="34" charset="0"/>
+              </a:rPr>
+              <a:t>Like heath that, in the wilderness,</a:t>
+            </a:r>
+            <a:endParaRPr lang="fr-FR" sz="4000" b="1" dirty="0">
+              <a:latin typeface="Old English Text MT" panose="03040902040508030806" pitchFamily="66" charset="0"/>
+              <a:ea typeface="Times New Roman" panose="02020603050405020304" pitchFamily="18" charset="0"/>
+            </a:endParaRPr>
+          </a:p>
+          <a:p>
+            <a:pPr marL="63500" indent="304800">
+              <a:lnSpc>
+                <a:spcPct val="103000"/>
+              </a:lnSpc>
+              <a:spcBef>
+                <a:spcPts val="60"/>
+              </a:spcBef>
+            </a:pPr>
+            <a:r>
+              <a:rPr lang="en-US" sz="4000" b="1" dirty="0">
+                <a:effectLst/>
+                <a:latin typeface="Old English Text MT" panose="03040902040508030806" pitchFamily="66" charset="0"/>
+                <a:ea typeface="Times New Roman" panose="02020603050405020304" pitchFamily="18" charset="0"/>
+                <a:cs typeface="Calibri" panose="020F0502020204030204" pitchFamily="34" charset="0"/>
+              </a:rPr>
+              <a:t>The wild wind whirls away.</a:t>
+            </a:r>
+            <a:endParaRPr lang="fr-FR" sz="4000" b="1" u="sng" dirty="0">
+              <a:latin typeface="Old English Text MT" panose="03040902040508030806" pitchFamily="66" charset="0"/>
+            </a:endParaRPr>
+          </a:p>
+        </p:txBody>
+      </p:sp>
+      <p:sp>
+        <p:nvSpPr>
+          <p:cNvPr id="7" name="ZoneTexte 6">
+            <a:extLst>
+              <a:ext uri="{FF2B5EF4-FFF2-40B4-BE49-F238E27FC236}">
+                <a16:creationId xmlns:a16="http://schemas.microsoft.com/office/drawing/2014/main" id="{B1E0DCBE-65BB-41CA-924B-679F785BC4F2}"/>
+              </a:ext>
+            </a:extLst>
+          </p:cNvPr>
+          <p:cNvSpPr txBox="1"/>
+          <p:nvPr/>
+        </p:nvSpPr>
+        <p:spPr>
+          <a:xfrm>
+            <a:off x="6511493" y="1296304"/>
+            <a:ext cx="3729855" cy="400110"/>
+          </a:xfrm>
+          <a:prstGeom prst="rect">
+            <a:avLst/>
+          </a:prstGeom>
+          <a:noFill/>
+        </p:spPr>
+        <p:txBody>
+          <a:bodyPr wrap="square">
+            <a:spAutoFit/>
+          </a:bodyPr>
+          <a:lstStyle/>
+          <a:p>
+            <a:r>
+              <a:rPr lang="fr-FR" sz="2000" i="1" dirty="0">
+                <a:effectLst/>
+                <a:latin typeface="Baskerville Old Face" panose="02020602080505020303" pitchFamily="18" charset="0"/>
+                <a:ea typeface="Times New Roman" panose="02020603050405020304" pitchFamily="18" charset="0"/>
+                <a:cs typeface="Calibri" panose="020F0502020204030204" pitchFamily="34" charset="0"/>
+              </a:rPr>
+              <a:t>Quotation </a:t>
+            </a:r>
+            <a:r>
+              <a:rPr lang="fr-FR" sz="2000" i="1" dirty="0" err="1">
+                <a:effectLst/>
+                <a:latin typeface="Baskerville Old Face" panose="02020602080505020303" pitchFamily="18" charset="0"/>
+                <a:ea typeface="Times New Roman" panose="02020603050405020304" pitchFamily="18" charset="0"/>
+                <a:cs typeface="Calibri" panose="020F0502020204030204" pitchFamily="34" charset="0"/>
+              </a:rPr>
+              <a:t>from</a:t>
+            </a:r>
+            <a:r>
+              <a:rPr lang="fr-FR" sz="2000" i="1" dirty="0">
+                <a:effectLst/>
+                <a:latin typeface="Baskerville Old Face" panose="02020602080505020303" pitchFamily="18" charset="0"/>
+                <a:ea typeface="Times New Roman" panose="02020603050405020304" pitchFamily="18" charset="0"/>
+                <a:cs typeface="Calibri" panose="020F0502020204030204" pitchFamily="34" charset="0"/>
+              </a:rPr>
+              <a:t> Thomas Moore</a:t>
+            </a:r>
+            <a:endParaRPr lang="fr-FR" sz="2000" i="1" dirty="0">
+              <a:latin typeface="Baskerville Old Face" panose="02020602080505020303" pitchFamily="18" charset="0"/>
+            </a:endParaRPr>
+          </a:p>
+        </p:txBody>
+      </p:sp>
+      <p:pic>
+        <p:nvPicPr>
+          <p:cNvPr id="5" name="Image 4">
+            <a:extLst>
+              <a:ext uri="{FF2B5EF4-FFF2-40B4-BE49-F238E27FC236}">
+                <a16:creationId xmlns:a16="http://schemas.microsoft.com/office/drawing/2014/main" id="{F1E38AF7-6C52-4BBA-8624-49272AC8A379}"/>
+              </a:ext>
+            </a:extLst>
+          </p:cNvPr>
+          <p:cNvPicPr>
+            <a:picLocks noChangeAspect="1"/>
+          </p:cNvPicPr>
+          <p:nvPr/>
+        </p:nvPicPr>
+        <p:blipFill>
+          <a:blip r:embed="rId3">
+            <a:extLst>
+              <a:ext uri="{28A0092B-C50C-407E-A947-70E740481C1C}">
+                <a14:useLocalDpi xmlns:a14="http://schemas.microsoft.com/office/drawing/2010/main" val="0"/>
+              </a:ext>
+            </a:extLst>
+          </a:blip>
+          <a:srcRect l="11524" r="11524"/>
+          <a:stretch/>
+        </p:blipFill>
+        <p:spPr>
+          <a:xfrm rot="5400000">
+            <a:off x="4163341" y="463896"/>
+            <a:ext cx="3912941" cy="7498080"/>
+          </a:xfrm>
+          <a:prstGeom prst="rect">
+            <a:avLst/>
+          </a:prstGeom>
+        </p:spPr>
+      </p:pic>
+      <p:sp>
+        <p:nvSpPr>
+          <p:cNvPr id="2" name="ZoneTexte 1">
+            <a:extLst>
+              <a:ext uri="{FF2B5EF4-FFF2-40B4-BE49-F238E27FC236}">
+                <a16:creationId xmlns:a16="http://schemas.microsoft.com/office/drawing/2014/main" id="{3AC3C665-F773-47D4-9ED5-E012BE458767}"/>
+              </a:ext>
+            </a:extLst>
+          </p:cNvPr>
+          <p:cNvSpPr txBox="1"/>
+          <p:nvPr/>
+        </p:nvSpPr>
+        <p:spPr>
+          <a:xfrm>
+            <a:off x="3480094" y="2837972"/>
+            <a:ext cx="5279433" cy="2554545"/>
+          </a:xfrm>
+          <a:prstGeom prst="rect">
+            <a:avLst/>
+          </a:prstGeom>
+          <a:noFill/>
+        </p:spPr>
+        <p:txBody>
+          <a:bodyPr wrap="square" rtlCol="0">
+            <a:spAutoFit/>
+          </a:bodyPr>
+          <a:lstStyle/>
+          <a:p>
+            <a:pPr algn="ctr"/>
+            <a:r>
+              <a:rPr lang="en-GB" sz="3200" dirty="0">
+                <a:latin typeface="Baskerville Old Face" panose="02020602080505020303" pitchFamily="18" charset="0"/>
+                <a:ea typeface="Times New Roman" panose="02020603050405020304" pitchFamily="18" charset="0"/>
+                <a:cs typeface="Times New Roman" panose="02020603050405020304" pitchFamily="18" charset="0"/>
+              </a:rPr>
+              <a:t>A</a:t>
+            </a:r>
+            <a:r>
+              <a:rPr lang="en-GB" sz="3200" dirty="0">
+                <a:effectLst/>
+                <a:latin typeface="Baskerville Old Face" panose="02020602080505020303" pitchFamily="18" charset="0"/>
+                <a:ea typeface="Times New Roman" panose="02020603050405020304" pitchFamily="18" charset="0"/>
+                <a:cs typeface="Times New Roman" panose="02020603050405020304" pitchFamily="18" charset="0"/>
+              </a:rPr>
+              <a:t>lliteration in -w-</a:t>
+            </a:r>
+            <a:r>
+              <a:rPr lang="fr-FR" sz="3200" dirty="0">
+                <a:effectLst/>
+                <a:latin typeface="Baskerville Old Face" panose="02020602080505020303" pitchFamily="18" charset="0"/>
+                <a:ea typeface="Times New Roman" panose="02020603050405020304" pitchFamily="18" charset="0"/>
+                <a:cs typeface="Times New Roman" panose="02020603050405020304" pitchFamily="18" charset="0"/>
+              </a:rPr>
+              <a:t> : Harmony</a:t>
+            </a:r>
+          </a:p>
+          <a:p>
+            <a:pPr algn="ctr"/>
+            <a:endParaRPr lang="fr-FR" sz="3200" dirty="0">
+              <a:effectLst/>
+              <a:latin typeface="Baskerville Old Face" panose="02020602080505020303" pitchFamily="18" charset="0"/>
+              <a:ea typeface="Times New Roman" panose="02020603050405020304" pitchFamily="18" charset="0"/>
+              <a:cs typeface="Times New Roman" panose="02020603050405020304" pitchFamily="18" charset="0"/>
+            </a:endParaRPr>
+          </a:p>
+          <a:p>
+            <a:r>
+              <a:rPr lang="en-GB" sz="3200" dirty="0">
+                <a:latin typeface="Baskerville Old Face" panose="02020602080505020303" pitchFamily="18" charset="0"/>
+                <a:ea typeface="Calibri" panose="020F0502020204030204" pitchFamily="34" charset="0"/>
+                <a:cs typeface="Calibri" panose="020F0502020204030204" pitchFamily="34" charset="0"/>
+              </a:rPr>
+              <a:t>L</a:t>
+            </a:r>
+            <a:r>
+              <a:rPr lang="en-GB" sz="3200" dirty="0">
+                <a:effectLst/>
+                <a:latin typeface="Baskerville Old Face" panose="02020602080505020303" pitchFamily="18" charset="0"/>
+                <a:ea typeface="Calibri" panose="020F0502020204030204" pitchFamily="34" charset="0"/>
+                <a:cs typeface="Calibri" panose="020F0502020204030204" pitchFamily="34" charset="0"/>
+              </a:rPr>
+              <a:t>ike the wind that whirls again and again</a:t>
+            </a:r>
+          </a:p>
+          <a:p>
+            <a:r>
+              <a:rPr lang="en-GB" sz="3200" dirty="0">
+                <a:latin typeface="Baskerville Old Face" panose="02020602080505020303" pitchFamily="18" charset="0"/>
+                <a:ea typeface="Calibri" panose="020F0502020204030204" pitchFamily="34" charset="0"/>
+                <a:cs typeface="Calibri" panose="020F0502020204030204" pitchFamily="34" charset="0"/>
+              </a:rPr>
+              <a:t>R</a:t>
+            </a:r>
+            <a:r>
+              <a:rPr lang="en-GB" sz="3200" dirty="0">
+                <a:effectLst/>
+                <a:latin typeface="Baskerville Old Face" panose="02020602080505020303" pitchFamily="18" charset="0"/>
+                <a:ea typeface="Calibri" panose="020F0502020204030204" pitchFamily="34" charset="0"/>
+                <a:cs typeface="Calibri" panose="020F0502020204030204" pitchFamily="34" charset="0"/>
+              </a:rPr>
+              <a:t>eader can sense it</a:t>
+            </a:r>
+            <a:endParaRPr lang="fr-FR" sz="3200" dirty="0">
+              <a:effectLst/>
+              <a:latin typeface="Baskerville Old Face" panose="02020602080505020303" pitchFamily="18" charset="0"/>
+              <a:ea typeface="Calibri" panose="020F0502020204030204" pitchFamily="34" charset="0"/>
+              <a:cs typeface="Calibri" panose="020F0502020204030204" pitchFamily="34" charset="0"/>
+            </a:endParaRPr>
+          </a:p>
+        </p:txBody>
+      </p:sp>
+    </p:spTree>
+    <p:extLst>
+      <p:ext uri="{BB962C8B-B14F-4D97-AF65-F5344CB8AC3E}">
+        <p14:creationId xmlns:p14="http://schemas.microsoft.com/office/powerpoint/2010/main" val="4171654808"/>
+      </p:ext>
+    </p:extLst>
+  </p:cSld>
+  <p:clrMapOvr>
+    <a:masterClrMapping/>
+  </p:clrMapOvr>
+</p:sld>
+</file>
+
 <file path=ppt/slides/slide2.xml><?xml version="1.0" encoding="utf-8"?>
 <p:sld xmlns:a="http://schemas.openxmlformats.org/drawingml/2006/main" xmlns:r="http://schemas.openxmlformats.org/officeDocument/2006/relationships" xmlns:p="http://schemas.openxmlformats.org/presentationml/2006/main">
   <p:cSld>
@@ -3576,204 +5298,12 @@
         </p:blipFill>
         <p:spPr>
           <a:xfrm>
-            <a:off x="1" y="0"/>
+            <a:off x="0" y="0"/>
             <a:ext cx="12192000" cy="6858000"/>
           </a:xfrm>
           <a:prstGeom prst="rect">
             <a:avLst/>
           </a:prstGeom>
-        </p:spPr>
-      </p:pic>
-      <p:sp>
-        <p:nvSpPr>
-          <p:cNvPr id="2" name="Titre 1">
-            <a:extLst>
-              <a:ext uri="{FF2B5EF4-FFF2-40B4-BE49-F238E27FC236}">
-                <a16:creationId xmlns:a16="http://schemas.microsoft.com/office/drawing/2014/main" id="{F974A4EC-F83E-4AA1-9725-041C7FAB741A}"/>
-              </a:ext>
-            </a:extLst>
-          </p:cNvPr>
-          <p:cNvSpPr>
-            <a:spLocks noGrp="1"/>
-          </p:cNvSpPr>
-          <p:nvPr>
-            <p:ph type="title"/>
-          </p:nvPr>
-        </p:nvSpPr>
-        <p:spPr>
-          <a:xfrm>
-            <a:off x="838200" y="314836"/>
-            <a:ext cx="5814432" cy="1325563"/>
-          </a:xfrm>
-        </p:spPr>
-        <p:txBody>
-          <a:bodyPr>
-            <a:normAutofit/>
-          </a:bodyPr>
-          <a:lstStyle/>
-          <a:p>
-            <a:r>
-              <a:rPr lang="fr-FR" sz="4800" b="1" u="sng" dirty="0">
-                <a:latin typeface="Baskerville Old Face" panose="02020602080505020303" pitchFamily="18" charset="0"/>
-                <a:cs typeface="Leelawadee UI" panose="020B0502040204020203" pitchFamily="34" charset="-34"/>
-              </a:rPr>
-              <a:t>The </a:t>
-            </a:r>
-            <a:r>
-              <a:rPr lang="fr-FR" sz="4800" b="1" u="sng" dirty="0" err="1">
-                <a:latin typeface="Baskerville Old Face" panose="02020602080505020303" pitchFamily="18" charset="0"/>
-                <a:cs typeface="Leelawadee UI" panose="020B0502040204020203" pitchFamily="34" charset="-34"/>
-              </a:rPr>
-              <a:t>supernatural</a:t>
-            </a:r>
-            <a:endParaRPr lang="fr-FR" sz="4800" b="1" u="sng" dirty="0">
-              <a:latin typeface="Baskerville Old Face" panose="02020602080505020303" pitchFamily="18" charset="0"/>
-              <a:cs typeface="Leelawadee UI" panose="020B0502040204020203" pitchFamily="34" charset="-34"/>
-            </a:endParaRPr>
-          </a:p>
-        </p:txBody>
-      </p:sp>
-      <p:sp>
-        <p:nvSpPr>
-          <p:cNvPr id="3" name="Espace réservé du contenu 2">
-            <a:extLst>
-              <a:ext uri="{FF2B5EF4-FFF2-40B4-BE49-F238E27FC236}">
-                <a16:creationId xmlns:a16="http://schemas.microsoft.com/office/drawing/2014/main" id="{E12FB043-ED38-4C82-A9E3-BD83DC10CBC0}"/>
-              </a:ext>
-            </a:extLst>
-          </p:cNvPr>
-          <p:cNvSpPr>
-            <a:spLocks noGrp="1"/>
-          </p:cNvSpPr>
-          <p:nvPr>
-            <p:ph idx="1"/>
-          </p:nvPr>
-        </p:nvSpPr>
-        <p:spPr>
-          <a:xfrm>
-            <a:off x="838200" y="2041525"/>
-            <a:ext cx="4267200" cy="1749425"/>
-          </a:xfrm>
-        </p:spPr>
-        <p:txBody>
-          <a:bodyPr>
-            <a:normAutofit/>
-          </a:bodyPr>
-          <a:lstStyle/>
-          <a:p>
-            <a:r>
-              <a:rPr lang="en-US" sz="3200" dirty="0">
-                <a:effectLst/>
-                <a:latin typeface="Baskerville Old Face" panose="02020602080505020303" pitchFamily="18" charset="0"/>
-                <a:ea typeface="Calibri" panose="020F0502020204030204" pitchFamily="34" charset="0"/>
-                <a:cs typeface="Times New Roman" panose="02020603050405020304" pitchFamily="18" charset="0"/>
-              </a:rPr>
-              <a:t>Bessie’s tales</a:t>
-            </a:r>
-          </a:p>
-          <a:p>
-            <a:r>
-              <a:rPr lang="en-US" sz="3200" dirty="0">
-                <a:effectLst/>
-                <a:latin typeface="Baskerville Old Face" panose="02020602080505020303" pitchFamily="18" charset="0"/>
-                <a:ea typeface="Calibri" panose="020F0502020204030204" pitchFamily="34" charset="0"/>
-                <a:cs typeface="Times New Roman" panose="02020603050405020304" pitchFamily="18" charset="0"/>
-              </a:rPr>
-              <a:t>Gloomy atmosphere </a:t>
-            </a:r>
-            <a:endParaRPr lang="fr-FR" sz="3200" dirty="0">
-              <a:latin typeface="Baskerville Old Face" panose="02020602080505020303" pitchFamily="18" charset="0"/>
-            </a:endParaRPr>
-          </a:p>
-        </p:txBody>
-      </p:sp>
-      <p:sp>
-        <p:nvSpPr>
-          <p:cNvPr id="8" name="ZoneTexte 7">
-            <a:extLst>
-              <a:ext uri="{FF2B5EF4-FFF2-40B4-BE49-F238E27FC236}">
-                <a16:creationId xmlns:a16="http://schemas.microsoft.com/office/drawing/2014/main" id="{75E71F2E-98FB-4502-AFA8-C08C663B6034}"/>
-              </a:ext>
-            </a:extLst>
-          </p:cNvPr>
-          <p:cNvSpPr txBox="1"/>
-          <p:nvPr/>
-        </p:nvSpPr>
-        <p:spPr>
-          <a:xfrm>
-            <a:off x="8271882" y="5880382"/>
-            <a:ext cx="1847850" cy="584775"/>
-          </a:xfrm>
-          <a:prstGeom prst="rect">
-            <a:avLst/>
-          </a:prstGeom>
-          <a:noFill/>
-        </p:spPr>
-        <p:txBody>
-          <a:bodyPr wrap="square" rtlCol="0">
-            <a:spAutoFit/>
-          </a:bodyPr>
-          <a:lstStyle/>
-          <a:p>
-            <a:r>
-              <a:rPr lang="fr-FR" sz="3200" i="1" dirty="0" err="1">
-                <a:latin typeface="Baskerville Old Face" panose="02020602080505020303" pitchFamily="18" charset="0"/>
-              </a:rPr>
-              <a:t>Gytrash</a:t>
-            </a:r>
-            <a:endParaRPr lang="fr-FR" sz="3200" i="1" dirty="0">
-              <a:latin typeface="Baskerville Old Face" panose="02020602080505020303" pitchFamily="18" charset="0"/>
-            </a:endParaRPr>
-          </a:p>
-        </p:txBody>
-      </p:sp>
-      <p:pic>
-        <p:nvPicPr>
-          <p:cNvPr id="5" name="Image 4">
-            <a:extLst>
-              <a:ext uri="{FF2B5EF4-FFF2-40B4-BE49-F238E27FC236}">
-                <a16:creationId xmlns:a16="http://schemas.microsoft.com/office/drawing/2014/main" id="{9FC6A504-43C1-4BE9-A6C8-423139FC3B68}"/>
-              </a:ext>
-            </a:extLst>
-          </p:cNvPr>
-          <p:cNvPicPr>
-            <a:picLocks noChangeAspect="1"/>
-          </p:cNvPicPr>
-          <p:nvPr/>
-        </p:nvPicPr>
-        <p:blipFill>
-          <a:blip r:embed="rId3">
-            <a:alphaModFix/>
-            <a:extLst>
-              <a:ext uri="{28A0092B-C50C-407E-A947-70E740481C1C}">
-                <a14:useLocalDpi xmlns:a14="http://schemas.microsoft.com/office/drawing/2010/main" val="0"/>
-              </a:ext>
-            </a:extLst>
-          </a:blip>
-          <a:stretch>
-            <a:fillRect/>
-          </a:stretch>
-        </p:blipFill>
-        <p:spPr>
-          <a:xfrm>
-            <a:off x="6315075" y="734683"/>
-            <a:ext cx="5410199" cy="5145699"/>
-          </a:xfrm>
-          <a:prstGeom prst="rect">
-            <a:avLst/>
-          </a:prstGeom>
-          <a:ln>
-            <a:noFill/>
-          </a:ln>
-          <a:effectLst>
-            <a:outerShdw blurRad="1041400" dir="21540000" sx="190000" sy="190000" algn="ctr" rotWithShape="0">
-              <a:srgbClr val="000000">
-                <a:alpha val="0"/>
-              </a:srgbClr>
-            </a:outerShdw>
-            <a:reflection endPos="0" dir="5400000" sy="-100000" algn="bl" rotWithShape="0"/>
-            <a:softEdge rad="355600"/>
-          </a:effectLst>
         </p:spPr>
       </p:pic>
       <p:sp>
@@ -3828,6 +5358,1654 @@
           </a:p>
         </p:txBody>
       </p:sp>
+      <p:sp>
+        <p:nvSpPr>
+          <p:cNvPr id="6" name="ZoneTexte 5">
+            <a:extLst>
+              <a:ext uri="{FF2B5EF4-FFF2-40B4-BE49-F238E27FC236}">
+                <a16:creationId xmlns:a16="http://schemas.microsoft.com/office/drawing/2014/main" id="{2B2A90D1-B0AD-49C8-8ABE-AD79025949F1}"/>
+              </a:ext>
+            </a:extLst>
+          </p:cNvPr>
+          <p:cNvSpPr txBox="1"/>
+          <p:nvPr/>
+        </p:nvSpPr>
+        <p:spPr>
+          <a:xfrm>
+            <a:off x="3877491" y="592704"/>
+            <a:ext cx="4724400" cy="860941"/>
+          </a:xfrm>
+          <a:prstGeom prst="rect">
+            <a:avLst/>
+          </a:prstGeom>
+          <a:noFill/>
+        </p:spPr>
+        <p:txBody>
+          <a:bodyPr wrap="square">
+            <a:spAutoFit/>
+          </a:bodyPr>
+          <a:lstStyle/>
+          <a:p>
+            <a:r>
+              <a:rPr lang="en-GB" sz="4800" b="1" u="sng" dirty="0">
+                <a:latin typeface="Baskerville Old Face" panose="02020602080505020303" pitchFamily="18" charset="0"/>
+                <a:ea typeface="Calibri" panose="020F0502020204030204" pitchFamily="34" charset="0"/>
+                <a:cs typeface="Times New Roman" panose="02020603050405020304" pitchFamily="18" charset="0"/>
+              </a:rPr>
+              <a:t>Season and time</a:t>
+            </a:r>
+            <a:endParaRPr lang="fr-FR" sz="4800" b="1" u="sng" dirty="0">
+              <a:latin typeface="Baskerville Old Face" panose="02020602080505020303" pitchFamily="18" charset="0"/>
+            </a:endParaRPr>
+          </a:p>
+        </p:txBody>
+      </p:sp>
+      <p:sp>
+        <p:nvSpPr>
+          <p:cNvPr id="7" name="ZoneTexte 6">
+            <a:extLst>
+              <a:ext uri="{FF2B5EF4-FFF2-40B4-BE49-F238E27FC236}">
+                <a16:creationId xmlns:a16="http://schemas.microsoft.com/office/drawing/2014/main" id="{B1E0DCBE-65BB-41CA-924B-679F785BC4F2}"/>
+              </a:ext>
+            </a:extLst>
+          </p:cNvPr>
+          <p:cNvSpPr txBox="1"/>
+          <p:nvPr/>
+        </p:nvSpPr>
+        <p:spPr>
+          <a:xfrm>
+            <a:off x="2043925" y="2051778"/>
+            <a:ext cx="1622245" cy="584775"/>
+          </a:xfrm>
+          <a:prstGeom prst="rect">
+            <a:avLst/>
+          </a:prstGeom>
+          <a:noFill/>
+        </p:spPr>
+        <p:txBody>
+          <a:bodyPr wrap="square">
+            <a:spAutoFit/>
+          </a:bodyPr>
+          <a:lstStyle/>
+          <a:p>
+            <a:r>
+              <a:rPr lang="fr-FR" sz="3200" dirty="0">
+                <a:latin typeface="Baskerville Old Face" panose="02020602080505020303" pitchFamily="18" charset="0"/>
+              </a:rPr>
+              <a:t>Winter</a:t>
+            </a:r>
+          </a:p>
+        </p:txBody>
+      </p:sp>
+      <p:sp>
+        <p:nvSpPr>
+          <p:cNvPr id="8" name="ZoneTexte 7">
+            <a:extLst>
+              <a:ext uri="{FF2B5EF4-FFF2-40B4-BE49-F238E27FC236}">
+                <a16:creationId xmlns:a16="http://schemas.microsoft.com/office/drawing/2014/main" id="{E0A2E941-8A7D-4B67-89B1-4A25A917BA30}"/>
+              </a:ext>
+            </a:extLst>
+          </p:cNvPr>
+          <p:cNvSpPr txBox="1"/>
+          <p:nvPr/>
+        </p:nvSpPr>
+        <p:spPr>
+          <a:xfrm>
+            <a:off x="7835605" y="2051778"/>
+            <a:ext cx="3228636" cy="584775"/>
+          </a:xfrm>
+          <a:prstGeom prst="rect">
+            <a:avLst/>
+          </a:prstGeom>
+          <a:noFill/>
+        </p:spPr>
+        <p:txBody>
+          <a:bodyPr wrap="square">
+            <a:spAutoFit/>
+          </a:bodyPr>
+          <a:lstStyle/>
+          <a:p>
+            <a:r>
+              <a:rPr lang="fr-FR" sz="3200" dirty="0" err="1">
+                <a:latin typeface="Baskerville Old Face" panose="02020602080505020303" pitchFamily="18" charset="0"/>
+              </a:rPr>
+              <a:t>Three</a:t>
+            </a:r>
+            <a:r>
+              <a:rPr lang="fr-FR" sz="3200" dirty="0">
+                <a:latin typeface="Baskerville Old Face" panose="02020602080505020303" pitchFamily="18" charset="0"/>
+              </a:rPr>
+              <a:t> </a:t>
+            </a:r>
+            <a:r>
+              <a:rPr lang="fr-FR" sz="3200" dirty="0" err="1">
+                <a:latin typeface="Baskerville Old Face" panose="02020602080505020303" pitchFamily="18" charset="0"/>
+              </a:rPr>
+              <a:t>o’clock</a:t>
+            </a:r>
+            <a:endParaRPr lang="fr-FR" sz="3200" dirty="0">
+              <a:latin typeface="Baskerville Old Face" panose="02020602080505020303" pitchFamily="18" charset="0"/>
+            </a:endParaRPr>
+          </a:p>
+        </p:txBody>
+      </p:sp>
+      <p:pic>
+        <p:nvPicPr>
+          <p:cNvPr id="3" name="Image 2" descr="Une image contenant bâtiment, noir, blanc, toit&#10;&#10;Description générée automatiquement">
+            <a:extLst>
+              <a:ext uri="{FF2B5EF4-FFF2-40B4-BE49-F238E27FC236}">
+                <a16:creationId xmlns:a16="http://schemas.microsoft.com/office/drawing/2014/main" id="{FC68A195-61D4-4CA0-A219-67CD80737926}"/>
+              </a:ext>
+            </a:extLst>
+          </p:cNvPr>
+          <p:cNvPicPr>
+            <a:picLocks noChangeAspect="1"/>
+          </p:cNvPicPr>
+          <p:nvPr/>
+        </p:nvPicPr>
+        <p:blipFill rotWithShape="1">
+          <a:blip r:embed="rId3">
+            <a:extLst>
+              <a:ext uri="{28A0092B-C50C-407E-A947-70E740481C1C}">
+                <a14:useLocalDpi xmlns:a14="http://schemas.microsoft.com/office/drawing/2010/main" val="0"/>
+              </a:ext>
+            </a:extLst>
+          </a:blip>
+          <a:srcRect l="4083" t="8118" r="5288" b="7188"/>
+          <a:stretch/>
+        </p:blipFill>
+        <p:spPr>
+          <a:xfrm>
+            <a:off x="7411554" y="2703228"/>
+            <a:ext cx="3244114" cy="3131597"/>
+          </a:xfrm>
+          <a:prstGeom prst="rect">
+            <a:avLst/>
+          </a:prstGeom>
+        </p:spPr>
+      </p:pic>
+      <p:pic>
+        <p:nvPicPr>
+          <p:cNvPr id="5" name="Image 4" descr="Une image contenant ciel, plante, arbre&#10;&#10;Description générée automatiquement">
+            <a:extLst>
+              <a:ext uri="{FF2B5EF4-FFF2-40B4-BE49-F238E27FC236}">
+                <a16:creationId xmlns:a16="http://schemas.microsoft.com/office/drawing/2014/main" id="{241FF475-1945-404E-9B94-46C7D3226725}"/>
+              </a:ext>
+            </a:extLst>
+          </p:cNvPr>
+          <p:cNvPicPr>
+            <a:picLocks noChangeAspect="1"/>
+          </p:cNvPicPr>
+          <p:nvPr/>
+        </p:nvPicPr>
+        <p:blipFill>
+          <a:blip r:embed="rId4">
+            <a:extLst>
+              <a:ext uri="{28A0092B-C50C-407E-A947-70E740481C1C}">
+                <a14:useLocalDpi xmlns:a14="http://schemas.microsoft.com/office/drawing/2010/main" val="0"/>
+              </a:ext>
+            </a:extLst>
+          </a:blip>
+          <a:stretch>
+            <a:fillRect/>
+          </a:stretch>
+        </p:blipFill>
+        <p:spPr>
+          <a:xfrm>
+            <a:off x="1289250" y="2703228"/>
+            <a:ext cx="3131597" cy="3131597"/>
+          </a:xfrm>
+          <a:prstGeom prst="rect">
+            <a:avLst/>
+          </a:prstGeom>
+        </p:spPr>
+      </p:pic>
+    </p:spTree>
+    <p:extLst>
+      <p:ext uri="{BB962C8B-B14F-4D97-AF65-F5344CB8AC3E}">
+        <p14:creationId xmlns:p14="http://schemas.microsoft.com/office/powerpoint/2010/main" val="4148849110"/>
+      </p:ext>
+    </p:extLst>
+  </p:cSld>
+  <p:clrMapOvr>
+    <a:masterClrMapping/>
+  </p:clrMapOvr>
+</p:sld>
+</file>
+
+<file path=ppt/slides/slide3.xml><?xml version="1.0" encoding="utf-8"?>
+<p:sld xmlns:a="http://schemas.openxmlformats.org/drawingml/2006/main" xmlns:r="http://schemas.openxmlformats.org/officeDocument/2006/relationships" xmlns:p="http://schemas.openxmlformats.org/presentationml/2006/main">
+  <p:cSld>
+    <p:spTree>
+      <p:nvGrpSpPr>
+        <p:cNvPr id="1" name=""/>
+        <p:cNvGrpSpPr/>
+        <p:nvPr/>
+      </p:nvGrpSpPr>
+      <p:grpSpPr>
+        <a:xfrm>
+          <a:off x="0" y="0"/>
+          <a:ext cx="0" cy="0"/>
+          <a:chOff x="0" y="0"/>
+          <a:chExt cx="0" cy="0"/>
+        </a:xfrm>
+      </p:grpSpPr>
+      <p:pic>
+        <p:nvPicPr>
+          <p:cNvPr id="11" name="Image 10" descr="Une image contenant vieux&#10;&#10;Description générée automatiquement">
+            <a:extLst>
+              <a:ext uri="{FF2B5EF4-FFF2-40B4-BE49-F238E27FC236}">
+                <a16:creationId xmlns:a16="http://schemas.microsoft.com/office/drawing/2014/main" id="{492C6E4F-3EC1-4A71-9023-67D30574C206}"/>
+              </a:ext>
+            </a:extLst>
+          </p:cNvPr>
+          <p:cNvPicPr>
+            <a:picLocks noChangeAspect="1"/>
+          </p:cNvPicPr>
+          <p:nvPr/>
+        </p:nvPicPr>
+        <p:blipFill>
+          <a:blip r:embed="rId2">
+            <a:extLst>
+              <a:ext uri="{28A0092B-C50C-407E-A947-70E740481C1C}">
+                <a14:useLocalDpi xmlns:a14="http://schemas.microsoft.com/office/drawing/2010/main" val="0"/>
+              </a:ext>
+            </a:extLst>
+          </a:blip>
+          <a:stretch>
+            <a:fillRect/>
+          </a:stretch>
+        </p:blipFill>
+        <p:spPr>
+          <a:xfrm>
+            <a:off x="0" y="0"/>
+            <a:ext cx="12192000" cy="6858000"/>
+          </a:xfrm>
+          <a:prstGeom prst="rect">
+            <a:avLst/>
+          </a:prstGeom>
+        </p:spPr>
+      </p:pic>
+      <p:sp>
+        <p:nvSpPr>
+          <p:cNvPr id="13" name="Rectangle 12">
+            <a:extLst>
+              <a:ext uri="{FF2B5EF4-FFF2-40B4-BE49-F238E27FC236}">
+                <a16:creationId xmlns:a16="http://schemas.microsoft.com/office/drawing/2014/main" id="{73D72025-4A3D-41D2-919C-264DD094BDC9}"/>
+              </a:ext>
+            </a:extLst>
+          </p:cNvPr>
+          <p:cNvSpPr/>
+          <p:nvPr/>
+        </p:nvSpPr>
+        <p:spPr>
+          <a:xfrm>
+            <a:off x="219075" y="133350"/>
+            <a:ext cx="11801475" cy="6534150"/>
+          </a:xfrm>
+          <a:prstGeom prst="rect">
+            <a:avLst/>
+          </a:prstGeom>
+          <a:noFill/>
+          <a:ln w="19050">
+            <a:solidFill>
+              <a:schemeClr val="tx1"/>
+            </a:solidFill>
+          </a:ln>
+        </p:spPr>
+        <p:style>
+          <a:lnRef idx="2">
+            <a:schemeClr val="accent1">
+              <a:shade val="50000"/>
+            </a:schemeClr>
+          </a:lnRef>
+          <a:fillRef idx="1">
+            <a:schemeClr val="accent1"/>
+          </a:fillRef>
+          <a:effectRef idx="0">
+            <a:schemeClr val="accent1"/>
+          </a:effectRef>
+          <a:fontRef idx="minor">
+            <a:schemeClr val="lt1"/>
+          </a:fontRef>
+        </p:style>
+        <p:txBody>
+          <a:bodyPr rtlCol="0" anchor="ctr"/>
+          <a:lstStyle/>
+          <a:p>
+            <a:pPr algn="ctr"/>
+            <a:endParaRPr lang="fr-FR"/>
+          </a:p>
+        </p:txBody>
+      </p:sp>
+      <p:sp>
+        <p:nvSpPr>
+          <p:cNvPr id="6" name="ZoneTexte 5">
+            <a:extLst>
+              <a:ext uri="{FF2B5EF4-FFF2-40B4-BE49-F238E27FC236}">
+                <a16:creationId xmlns:a16="http://schemas.microsoft.com/office/drawing/2014/main" id="{2B2A90D1-B0AD-49C8-8ABE-AD79025949F1}"/>
+              </a:ext>
+            </a:extLst>
+          </p:cNvPr>
+          <p:cNvSpPr txBox="1"/>
+          <p:nvPr/>
+        </p:nvSpPr>
+        <p:spPr>
+          <a:xfrm>
+            <a:off x="752475" y="3381060"/>
+            <a:ext cx="3338037" cy="769441"/>
+          </a:xfrm>
+          <a:prstGeom prst="rect">
+            <a:avLst/>
+          </a:prstGeom>
+          <a:noFill/>
+        </p:spPr>
+        <p:txBody>
+          <a:bodyPr wrap="square">
+            <a:spAutoFit/>
+          </a:bodyPr>
+          <a:lstStyle/>
+          <a:p>
+            <a:r>
+              <a:rPr lang="en-GB" sz="4400" dirty="0">
+                <a:latin typeface="Baskerville Old Face" panose="02020602080505020303" pitchFamily="18" charset="0"/>
+                <a:ea typeface="Calibri" panose="020F0502020204030204" pitchFamily="34" charset="0"/>
+                <a:cs typeface="Times New Roman" panose="02020603050405020304" pitchFamily="18" charset="0"/>
+              </a:rPr>
+              <a:t>2 : Peace</a:t>
+            </a:r>
+            <a:endParaRPr lang="fr-FR" sz="4400" dirty="0">
+              <a:latin typeface="Baskerville Old Face" panose="02020602080505020303" pitchFamily="18" charset="0"/>
+            </a:endParaRPr>
+          </a:p>
+        </p:txBody>
+      </p:sp>
+      <p:sp>
+        <p:nvSpPr>
+          <p:cNvPr id="8" name="ZoneTexte 7">
+            <a:extLst>
+              <a:ext uri="{FF2B5EF4-FFF2-40B4-BE49-F238E27FC236}">
+                <a16:creationId xmlns:a16="http://schemas.microsoft.com/office/drawing/2014/main" id="{3EA3012A-BACB-4E16-8081-D33226EE1252}"/>
+              </a:ext>
+            </a:extLst>
+          </p:cNvPr>
+          <p:cNvSpPr txBox="1"/>
+          <p:nvPr/>
+        </p:nvSpPr>
+        <p:spPr>
+          <a:xfrm>
+            <a:off x="752475" y="2322779"/>
+            <a:ext cx="3764755" cy="769441"/>
+          </a:xfrm>
+          <a:prstGeom prst="rect">
+            <a:avLst/>
+          </a:prstGeom>
+          <a:noFill/>
+        </p:spPr>
+        <p:txBody>
+          <a:bodyPr wrap="square">
+            <a:spAutoFit/>
+          </a:bodyPr>
+          <a:lstStyle/>
+          <a:p>
+            <a:r>
+              <a:rPr lang="en-GB" sz="4400" dirty="0">
+                <a:latin typeface="Baskerville Old Face" panose="02020602080505020303" pitchFamily="18" charset="0"/>
+                <a:ea typeface="Calibri" panose="020F0502020204030204" pitchFamily="34" charset="0"/>
+                <a:cs typeface="Times New Roman" panose="02020603050405020304" pitchFamily="18" charset="0"/>
+              </a:rPr>
+              <a:t>1: Death</a:t>
+            </a:r>
+            <a:endParaRPr lang="fr-FR" sz="4400" dirty="0">
+              <a:latin typeface="Baskerville Old Face" panose="02020602080505020303" pitchFamily="18" charset="0"/>
+            </a:endParaRPr>
+          </a:p>
+        </p:txBody>
+      </p:sp>
+      <p:sp>
+        <p:nvSpPr>
+          <p:cNvPr id="9" name="ZoneTexte 8">
+            <a:extLst>
+              <a:ext uri="{FF2B5EF4-FFF2-40B4-BE49-F238E27FC236}">
+                <a16:creationId xmlns:a16="http://schemas.microsoft.com/office/drawing/2014/main" id="{55754445-4175-47B2-A5D8-A8EFBC98C9B3}"/>
+              </a:ext>
+            </a:extLst>
+          </p:cNvPr>
+          <p:cNvSpPr txBox="1"/>
+          <p:nvPr/>
+        </p:nvSpPr>
+        <p:spPr>
+          <a:xfrm>
+            <a:off x="752475" y="4409728"/>
+            <a:ext cx="6800033" cy="769441"/>
+          </a:xfrm>
+          <a:prstGeom prst="rect">
+            <a:avLst/>
+          </a:prstGeom>
+          <a:noFill/>
+        </p:spPr>
+        <p:txBody>
+          <a:bodyPr wrap="square">
+            <a:spAutoFit/>
+          </a:bodyPr>
+          <a:lstStyle/>
+          <a:p>
+            <a:r>
+              <a:rPr lang="en-GB" sz="4400" dirty="0">
+                <a:latin typeface="Baskerville Old Face" panose="02020602080505020303" pitchFamily="18" charset="0"/>
+                <a:ea typeface="Calibri" panose="020F0502020204030204" pitchFamily="34" charset="0"/>
+                <a:cs typeface="Times New Roman" panose="02020603050405020304" pitchFamily="18" charset="0"/>
+              </a:rPr>
+              <a:t>3 : Energy and violence</a:t>
+            </a:r>
+            <a:endParaRPr lang="fr-FR" sz="4400" dirty="0">
+              <a:latin typeface="Baskerville Old Face" panose="02020602080505020303" pitchFamily="18" charset="0"/>
+            </a:endParaRPr>
+          </a:p>
+        </p:txBody>
+      </p:sp>
+      <p:sp>
+        <p:nvSpPr>
+          <p:cNvPr id="10" name="ZoneTexte 9">
+            <a:extLst>
+              <a:ext uri="{FF2B5EF4-FFF2-40B4-BE49-F238E27FC236}">
+                <a16:creationId xmlns:a16="http://schemas.microsoft.com/office/drawing/2014/main" id="{F46BFD28-D89E-4AB6-91CB-FFF074F2E6E4}"/>
+              </a:ext>
+            </a:extLst>
+          </p:cNvPr>
+          <p:cNvSpPr txBox="1"/>
+          <p:nvPr/>
+        </p:nvSpPr>
+        <p:spPr>
+          <a:xfrm>
+            <a:off x="920454" y="655086"/>
+            <a:ext cx="7516314" cy="830997"/>
+          </a:xfrm>
+          <a:prstGeom prst="rect">
+            <a:avLst/>
+          </a:prstGeom>
+          <a:noFill/>
+        </p:spPr>
+        <p:txBody>
+          <a:bodyPr wrap="square">
+            <a:spAutoFit/>
+          </a:bodyPr>
+          <a:lstStyle/>
+          <a:p>
+            <a:r>
+              <a:rPr lang="fr-FR" sz="4800" b="1" u="sng" dirty="0" err="1">
+                <a:latin typeface="Baskerville Old Face" panose="02020602080505020303" pitchFamily="18" charset="0"/>
+              </a:rPr>
+              <a:t>Three</a:t>
+            </a:r>
+            <a:r>
+              <a:rPr lang="fr-FR" sz="4800" b="1" u="sng" dirty="0">
+                <a:latin typeface="Baskerville Old Face" panose="02020602080505020303" pitchFamily="18" charset="0"/>
+              </a:rPr>
+              <a:t> important parts</a:t>
+            </a:r>
+          </a:p>
+        </p:txBody>
+      </p:sp>
+    </p:spTree>
+    <p:extLst>
+      <p:ext uri="{BB962C8B-B14F-4D97-AF65-F5344CB8AC3E}">
+        <p14:creationId xmlns:p14="http://schemas.microsoft.com/office/powerpoint/2010/main" val="1821252227"/>
+      </p:ext>
+    </p:extLst>
+  </p:cSld>
+  <p:clrMapOvr>
+    <a:masterClrMapping/>
+  </p:clrMapOvr>
+</p:sld>
+</file>
+
+<file path=ppt/slides/slide4.xml><?xml version="1.0" encoding="utf-8"?>
+<p:sld xmlns:a="http://schemas.openxmlformats.org/drawingml/2006/main" xmlns:r="http://schemas.openxmlformats.org/officeDocument/2006/relationships" xmlns:p="http://schemas.openxmlformats.org/presentationml/2006/main">
+  <p:cSld>
+    <p:spTree>
+      <p:nvGrpSpPr>
+        <p:cNvPr id="1" name=""/>
+        <p:cNvGrpSpPr/>
+        <p:nvPr/>
+      </p:nvGrpSpPr>
+      <p:grpSpPr>
+        <a:xfrm>
+          <a:off x="0" y="0"/>
+          <a:ext cx="0" cy="0"/>
+          <a:chOff x="0" y="0"/>
+          <a:chExt cx="0" cy="0"/>
+        </a:xfrm>
+      </p:grpSpPr>
+      <p:pic>
+        <p:nvPicPr>
+          <p:cNvPr id="11" name="Image 10" descr="Une image contenant vieux&#10;&#10;Description générée automatiquement">
+            <a:extLst>
+              <a:ext uri="{FF2B5EF4-FFF2-40B4-BE49-F238E27FC236}">
+                <a16:creationId xmlns:a16="http://schemas.microsoft.com/office/drawing/2014/main" id="{492C6E4F-3EC1-4A71-9023-67D30574C206}"/>
+              </a:ext>
+            </a:extLst>
+          </p:cNvPr>
+          <p:cNvPicPr>
+            <a:picLocks noChangeAspect="1"/>
+          </p:cNvPicPr>
+          <p:nvPr/>
+        </p:nvPicPr>
+        <p:blipFill>
+          <a:blip r:embed="rId3">
+            <a:extLst>
+              <a:ext uri="{28A0092B-C50C-407E-A947-70E740481C1C}">
+                <a14:useLocalDpi xmlns:a14="http://schemas.microsoft.com/office/drawing/2010/main" val="0"/>
+              </a:ext>
+            </a:extLst>
+          </a:blip>
+          <a:stretch>
+            <a:fillRect/>
+          </a:stretch>
+        </p:blipFill>
+        <p:spPr>
+          <a:xfrm>
+            <a:off x="0" y="0"/>
+            <a:ext cx="12192000" cy="6858000"/>
+          </a:xfrm>
+          <a:prstGeom prst="rect">
+            <a:avLst/>
+          </a:prstGeom>
+        </p:spPr>
+      </p:pic>
+      <p:sp>
+        <p:nvSpPr>
+          <p:cNvPr id="13" name="Rectangle 12">
+            <a:extLst>
+              <a:ext uri="{FF2B5EF4-FFF2-40B4-BE49-F238E27FC236}">
+                <a16:creationId xmlns:a16="http://schemas.microsoft.com/office/drawing/2014/main" id="{73D72025-4A3D-41D2-919C-264DD094BDC9}"/>
+              </a:ext>
+            </a:extLst>
+          </p:cNvPr>
+          <p:cNvSpPr/>
+          <p:nvPr/>
+        </p:nvSpPr>
+        <p:spPr>
+          <a:xfrm>
+            <a:off x="219075" y="133350"/>
+            <a:ext cx="11801475" cy="6534150"/>
+          </a:xfrm>
+          <a:prstGeom prst="rect">
+            <a:avLst/>
+          </a:prstGeom>
+          <a:noFill/>
+          <a:ln w="19050">
+            <a:solidFill>
+              <a:schemeClr val="tx1"/>
+            </a:solidFill>
+          </a:ln>
+        </p:spPr>
+        <p:style>
+          <a:lnRef idx="2">
+            <a:schemeClr val="accent1">
+              <a:shade val="50000"/>
+            </a:schemeClr>
+          </a:lnRef>
+          <a:fillRef idx="1">
+            <a:schemeClr val="accent1"/>
+          </a:fillRef>
+          <a:effectRef idx="0">
+            <a:schemeClr val="accent1"/>
+          </a:effectRef>
+          <a:fontRef idx="minor">
+            <a:schemeClr val="lt1"/>
+          </a:fontRef>
+        </p:style>
+        <p:txBody>
+          <a:bodyPr rtlCol="0" anchor="ctr"/>
+          <a:lstStyle/>
+          <a:p>
+            <a:pPr algn="ctr"/>
+            <a:endParaRPr lang="fr-FR"/>
+          </a:p>
+        </p:txBody>
+      </p:sp>
+      <p:sp>
+        <p:nvSpPr>
+          <p:cNvPr id="6" name="ZoneTexte 5">
+            <a:extLst>
+              <a:ext uri="{FF2B5EF4-FFF2-40B4-BE49-F238E27FC236}">
+                <a16:creationId xmlns:a16="http://schemas.microsoft.com/office/drawing/2014/main" id="{2B2A90D1-B0AD-49C8-8ABE-AD79025949F1}"/>
+              </a:ext>
+            </a:extLst>
+          </p:cNvPr>
+          <p:cNvSpPr txBox="1"/>
+          <p:nvPr/>
+        </p:nvSpPr>
+        <p:spPr>
+          <a:xfrm>
+            <a:off x="4464280" y="319386"/>
+            <a:ext cx="8286750" cy="860941"/>
+          </a:xfrm>
+          <a:prstGeom prst="rect">
+            <a:avLst/>
+          </a:prstGeom>
+          <a:noFill/>
+        </p:spPr>
+        <p:txBody>
+          <a:bodyPr wrap="square">
+            <a:spAutoFit/>
+          </a:bodyPr>
+          <a:lstStyle/>
+          <a:p>
+            <a:r>
+              <a:rPr lang="en-GB" sz="4800" b="1" u="sng" dirty="0">
+                <a:latin typeface="Baskerville Old Face" panose="02020602080505020303" pitchFamily="18" charset="0"/>
+                <a:ea typeface="Calibri" panose="020F0502020204030204" pitchFamily="34" charset="0"/>
+                <a:cs typeface="Times New Roman" panose="02020603050405020304" pitchFamily="18" charset="0"/>
+              </a:rPr>
+              <a:t>The rhythm</a:t>
+            </a:r>
+            <a:endParaRPr lang="fr-FR" sz="4800" b="1" u="sng" dirty="0">
+              <a:latin typeface="Baskerville Old Face" panose="02020602080505020303" pitchFamily="18" charset="0"/>
+            </a:endParaRPr>
+          </a:p>
+        </p:txBody>
+      </p:sp>
+      <p:sp>
+        <p:nvSpPr>
+          <p:cNvPr id="7" name="ZoneTexte 6">
+            <a:extLst>
+              <a:ext uri="{FF2B5EF4-FFF2-40B4-BE49-F238E27FC236}">
+                <a16:creationId xmlns:a16="http://schemas.microsoft.com/office/drawing/2014/main" id="{B1E0DCBE-65BB-41CA-924B-679F785BC4F2}"/>
+              </a:ext>
+            </a:extLst>
+          </p:cNvPr>
+          <p:cNvSpPr txBox="1"/>
+          <p:nvPr/>
+        </p:nvSpPr>
+        <p:spPr>
+          <a:xfrm>
+            <a:off x="469399" y="1180327"/>
+            <a:ext cx="8001411" cy="6798271"/>
+          </a:xfrm>
+          <a:prstGeom prst="rect">
+            <a:avLst/>
+          </a:prstGeom>
+          <a:noFill/>
+        </p:spPr>
+        <p:txBody>
+          <a:bodyPr wrap="square">
+            <a:spAutoFit/>
+          </a:bodyPr>
+          <a:lstStyle/>
+          <a:p>
+            <a:pPr>
+              <a:lnSpc>
+                <a:spcPct val="150000"/>
+              </a:lnSpc>
+            </a:pPr>
+            <a:r>
+              <a:rPr lang="fr-FR" sz="3200" b="1" dirty="0">
+                <a:effectLst/>
+                <a:latin typeface="Baskerville Old Face" panose="02020602080505020303" pitchFamily="18" charset="0"/>
+                <a:ea typeface="Times New Roman" panose="02020603050405020304" pitchFamily="18" charset="0"/>
+                <a:cs typeface="Segoe UI" panose="020B0502040204020203" pitchFamily="34" charset="0"/>
+              </a:rPr>
+              <a:t>Allitération </a:t>
+            </a:r>
+            <a:r>
+              <a:rPr lang="fr-FR" sz="3200" b="1" dirty="0" err="1">
+                <a:effectLst/>
+                <a:latin typeface="Baskerville Old Face" panose="02020602080505020303" pitchFamily="18" charset="0"/>
+                <a:ea typeface="Times New Roman" panose="02020603050405020304" pitchFamily="18" charset="0"/>
+                <a:cs typeface="Segoe UI" panose="020B0502040204020203" pitchFamily="34" charset="0"/>
+              </a:rPr>
+              <a:t>with</a:t>
+            </a:r>
+            <a:r>
+              <a:rPr lang="fr-FR" sz="3200" b="1" dirty="0">
+                <a:effectLst/>
+                <a:latin typeface="Baskerville Old Face" panose="02020602080505020303" pitchFamily="18" charset="0"/>
+                <a:ea typeface="Times New Roman" panose="02020603050405020304" pitchFamily="18" charset="0"/>
+                <a:cs typeface="Segoe UI" panose="020B0502040204020203" pitchFamily="34" charset="0"/>
+              </a:rPr>
+              <a:t> the T </a:t>
+            </a:r>
+            <a:r>
+              <a:rPr lang="fr-FR" sz="3200" dirty="0">
+                <a:effectLst/>
+                <a:latin typeface="Baskerville Old Face" panose="02020602080505020303" pitchFamily="18" charset="0"/>
+                <a:ea typeface="Times New Roman" panose="02020603050405020304" pitchFamily="18" charset="0"/>
+                <a:cs typeface="Segoe UI" panose="020B0502040204020203" pitchFamily="34" charset="0"/>
+              </a:rPr>
+              <a:t>: </a:t>
+            </a:r>
+          </a:p>
+          <a:p>
+            <a:r>
+              <a:rPr lang="en-US" sz="3200" i="1" dirty="0">
+                <a:effectLst/>
+                <a:latin typeface="Baskerville Old Face" panose="02020602080505020303" pitchFamily="18" charset="0"/>
+                <a:ea typeface="Times New Roman" panose="02020603050405020304" pitchFamily="18" charset="0"/>
+              </a:rPr>
+              <a:t>“efface the aerial distance of azure hill, sunny horizon, and blended clouds where </a:t>
+            </a:r>
+            <a:r>
+              <a:rPr lang="en-US" sz="3200" i="1" u="sng" dirty="0">
+                <a:effectLst/>
+                <a:latin typeface="Baskerville Old Face" panose="02020602080505020303" pitchFamily="18" charset="0"/>
+                <a:ea typeface="Times New Roman" panose="02020603050405020304" pitchFamily="18" charset="0"/>
+              </a:rPr>
+              <a:t>tint melts into tint</a:t>
+            </a:r>
+            <a:r>
+              <a:rPr lang="en-US" sz="3200" i="1" dirty="0">
+                <a:effectLst/>
+                <a:latin typeface="Baskerville Old Face" panose="02020602080505020303" pitchFamily="18" charset="0"/>
+                <a:ea typeface="Times New Roman" panose="02020603050405020304" pitchFamily="18" charset="0"/>
+              </a:rPr>
+              <a:t>”</a:t>
+            </a:r>
+          </a:p>
+          <a:p>
+            <a:endParaRPr lang="en-US" sz="3200" i="1" dirty="0">
+              <a:latin typeface="Baskerville Old Face" panose="02020602080505020303" pitchFamily="18" charset="0"/>
+              <a:ea typeface="Times New Roman" panose="02020603050405020304" pitchFamily="18" charset="0"/>
+            </a:endParaRPr>
+          </a:p>
+          <a:p>
+            <a:endParaRPr lang="fr-FR" sz="3200" dirty="0">
+              <a:effectLst/>
+              <a:latin typeface="Baskerville Old Face" panose="02020602080505020303" pitchFamily="18" charset="0"/>
+              <a:ea typeface="Times New Roman" panose="02020603050405020304" pitchFamily="18" charset="0"/>
+            </a:endParaRPr>
+          </a:p>
+          <a:p>
+            <a:pPr>
+              <a:lnSpc>
+                <a:spcPct val="150000"/>
+              </a:lnSpc>
+            </a:pPr>
+            <a:r>
+              <a:rPr lang="fr-FR" sz="3200" dirty="0">
+                <a:latin typeface="Baskerville Old Face" panose="02020602080505020303" pitchFamily="18" charset="0"/>
+                <a:ea typeface="Times New Roman" panose="02020603050405020304" pitchFamily="18" charset="0"/>
+                <a:cs typeface="Segoe UI" panose="020B0502040204020203" pitchFamily="34" charset="0"/>
+              </a:rPr>
+              <a:t>	</a:t>
+            </a:r>
+            <a:r>
+              <a:rPr lang="fr-FR" sz="3200" dirty="0">
+                <a:effectLst/>
+                <a:latin typeface="Baskerville Old Face" panose="02020602080505020303" pitchFamily="18" charset="0"/>
+                <a:ea typeface="Times New Roman" panose="02020603050405020304" pitchFamily="18" charset="0"/>
+                <a:cs typeface="Segoe UI" panose="020B0502040204020203" pitchFamily="34" charset="0"/>
+              </a:rPr>
+              <a:t>So </a:t>
+            </a:r>
+            <a:r>
+              <a:rPr lang="fr-FR" sz="3200" b="1" dirty="0">
+                <a:effectLst/>
+                <a:latin typeface="Baskerville Old Face" panose="02020602080505020303" pitchFamily="18" charset="0"/>
+                <a:ea typeface="Times New Roman" panose="02020603050405020304" pitchFamily="18" charset="0"/>
+                <a:cs typeface="Segoe UI" panose="020B0502040204020203" pitchFamily="34" charset="0"/>
+              </a:rPr>
+              <a:t>consonant </a:t>
+            </a:r>
+            <a:r>
+              <a:rPr lang="fr-FR" sz="3200" b="1" dirty="0" err="1">
+                <a:effectLst/>
+                <a:latin typeface="Baskerville Old Face" panose="02020602080505020303" pitchFamily="18" charset="0"/>
+                <a:ea typeface="Times New Roman" panose="02020603050405020304" pitchFamily="18" charset="0"/>
+                <a:cs typeface="Segoe UI" panose="020B0502040204020203" pitchFamily="34" charset="0"/>
+              </a:rPr>
+              <a:t>sound</a:t>
+            </a:r>
+            <a:endParaRPr lang="fr-FR" sz="3200" b="1" dirty="0">
+              <a:effectLst/>
+              <a:latin typeface="Baskerville Old Face" panose="02020602080505020303" pitchFamily="18" charset="0"/>
+              <a:ea typeface="Times New Roman" panose="02020603050405020304" pitchFamily="18" charset="0"/>
+              <a:cs typeface="Segoe UI" panose="020B0502040204020203" pitchFamily="34" charset="0"/>
+            </a:endParaRPr>
+          </a:p>
+          <a:p>
+            <a:pPr>
+              <a:lnSpc>
+                <a:spcPct val="150000"/>
+              </a:lnSpc>
+            </a:pPr>
+            <a:r>
+              <a:rPr lang="fr-FR" sz="3200" b="1" dirty="0">
+                <a:latin typeface="Baskerville Old Face" panose="02020602080505020303" pitchFamily="18" charset="0"/>
+                <a:ea typeface="Times New Roman" panose="02020603050405020304" pitchFamily="18" charset="0"/>
+                <a:cs typeface="Segoe UI" panose="020B0502040204020203" pitchFamily="34" charset="0"/>
+              </a:rPr>
+              <a:t>	</a:t>
+            </a:r>
+            <a:r>
+              <a:rPr lang="fr-FR" sz="3200" dirty="0">
+                <a:latin typeface="Baskerville Old Face" panose="02020602080505020303" pitchFamily="18" charset="0"/>
+                <a:ea typeface="Times New Roman" panose="02020603050405020304" pitchFamily="18" charset="0"/>
+                <a:cs typeface="Segoe UI" panose="020B0502040204020203" pitchFamily="34" charset="0"/>
+              </a:rPr>
+              <a:t>and</a:t>
+            </a:r>
+            <a:r>
+              <a:rPr lang="fr-FR" sz="3200" b="1" dirty="0">
+                <a:latin typeface="Baskerville Old Face" panose="02020602080505020303" pitchFamily="18" charset="0"/>
+                <a:ea typeface="Times New Roman" panose="02020603050405020304" pitchFamily="18" charset="0"/>
+                <a:cs typeface="Segoe UI" panose="020B0502040204020203" pitchFamily="34" charset="0"/>
+              </a:rPr>
+              <a:t> </a:t>
+            </a:r>
+            <a:r>
+              <a:rPr lang="fr-FR" sz="3200" b="1" dirty="0" err="1">
+                <a:effectLst/>
+                <a:latin typeface="Baskerville Old Face" panose="02020602080505020303" pitchFamily="18" charset="0"/>
+                <a:ea typeface="Times New Roman" panose="02020603050405020304" pitchFamily="18" charset="0"/>
+              </a:rPr>
+              <a:t>syncopated</a:t>
+            </a:r>
+            <a:r>
+              <a:rPr lang="fr-FR" sz="3200" b="1" dirty="0">
+                <a:effectLst/>
+                <a:latin typeface="Baskerville Old Face" panose="02020602080505020303" pitchFamily="18" charset="0"/>
+                <a:ea typeface="Times New Roman" panose="02020603050405020304" pitchFamily="18" charset="0"/>
+              </a:rPr>
+              <a:t> </a:t>
+            </a:r>
+            <a:r>
+              <a:rPr lang="fr-FR" sz="3200" b="1" dirty="0" err="1">
+                <a:effectLst/>
+                <a:latin typeface="Baskerville Old Face" panose="02020602080505020303" pitchFamily="18" charset="0"/>
+                <a:ea typeface="Times New Roman" panose="02020603050405020304" pitchFamily="18" charset="0"/>
+              </a:rPr>
+              <a:t>rhythm</a:t>
+            </a:r>
+            <a:endParaRPr lang="fr-FR" sz="3200" b="1" dirty="0">
+              <a:effectLst/>
+              <a:latin typeface="Baskerville Old Face" panose="02020602080505020303" pitchFamily="18" charset="0"/>
+              <a:ea typeface="Times New Roman" panose="02020603050405020304" pitchFamily="18" charset="0"/>
+            </a:endParaRPr>
+          </a:p>
+          <a:p>
+            <a:pPr>
+              <a:lnSpc>
+                <a:spcPct val="150000"/>
+              </a:lnSpc>
+            </a:pPr>
+            <a:endParaRPr lang="fr-FR" sz="2400" dirty="0">
+              <a:solidFill>
+                <a:srgbClr val="262626"/>
+              </a:solidFill>
+              <a:effectLst/>
+              <a:latin typeface="Baskerville Old Face" panose="02020602080505020303" pitchFamily="18" charset="0"/>
+              <a:ea typeface="Times New Roman" panose="02020603050405020304" pitchFamily="18" charset="0"/>
+              <a:cs typeface="Segoe UI" panose="020B0502040204020203" pitchFamily="34" charset="0"/>
+            </a:endParaRPr>
+          </a:p>
+          <a:p>
+            <a:pPr>
+              <a:lnSpc>
+                <a:spcPct val="150000"/>
+              </a:lnSpc>
+            </a:pPr>
+            <a:r>
+              <a:rPr lang="en-US" sz="2400" dirty="0">
+                <a:effectLst/>
+                <a:latin typeface="Baskerville Old Face" panose="02020602080505020303" pitchFamily="18" charset="0"/>
+                <a:ea typeface="Times New Roman" panose="02020603050405020304" pitchFamily="18" charset="0"/>
+                <a:cs typeface="Times New Roman" panose="02020603050405020304" pitchFamily="18" charset="0"/>
+              </a:rPr>
+              <a:t>		</a:t>
+            </a:r>
+          </a:p>
+          <a:p>
+            <a:pPr>
+              <a:lnSpc>
+                <a:spcPct val="150000"/>
+              </a:lnSpc>
+            </a:pPr>
+            <a:r>
+              <a:rPr lang="en-US" sz="2400" dirty="0">
+                <a:latin typeface="Baskerville Old Face" panose="02020602080505020303" pitchFamily="18" charset="0"/>
+                <a:ea typeface="Times New Roman" panose="02020603050405020304" pitchFamily="18" charset="0"/>
+                <a:cs typeface="Times New Roman" panose="02020603050405020304" pitchFamily="18" charset="0"/>
+              </a:rPr>
+              <a:t>							</a:t>
+            </a:r>
+            <a:endParaRPr lang="en-US" sz="3200" dirty="0">
+              <a:effectLst/>
+              <a:latin typeface="Baskerville Old Face" panose="02020602080505020303" pitchFamily="18" charset="0"/>
+              <a:ea typeface="Times New Roman" panose="02020603050405020304" pitchFamily="18" charset="0"/>
+              <a:cs typeface="Times New Roman" panose="02020603050405020304" pitchFamily="18" charset="0"/>
+            </a:endParaRPr>
+          </a:p>
+          <a:p>
+            <a:pPr>
+              <a:lnSpc>
+                <a:spcPct val="150000"/>
+              </a:lnSpc>
+            </a:pPr>
+            <a:endParaRPr lang="fr-FR" sz="1800" dirty="0">
+              <a:effectLst/>
+              <a:latin typeface="Times New Roman" panose="02020603050405020304" pitchFamily="18" charset="0"/>
+              <a:ea typeface="Times New Roman" panose="02020603050405020304" pitchFamily="18" charset="0"/>
+            </a:endParaRPr>
+          </a:p>
+        </p:txBody>
+      </p:sp>
+      <p:pic>
+        <p:nvPicPr>
+          <p:cNvPr id="2" name="Image 1">
+            <a:extLst>
+              <a:ext uri="{FF2B5EF4-FFF2-40B4-BE49-F238E27FC236}">
+                <a16:creationId xmlns:a16="http://schemas.microsoft.com/office/drawing/2014/main" id="{B93ADFAA-F648-4903-9616-35AAB67F6003}"/>
+              </a:ext>
+            </a:extLst>
+          </p:cNvPr>
+          <p:cNvPicPr>
+            <a:picLocks noChangeAspect="1"/>
+          </p:cNvPicPr>
+          <p:nvPr/>
+        </p:nvPicPr>
+        <p:blipFill>
+          <a:blip r:embed="rId4"/>
+          <a:stretch>
+            <a:fillRect/>
+          </a:stretch>
+        </p:blipFill>
+        <p:spPr>
+          <a:xfrm>
+            <a:off x="6096000" y="4579462"/>
+            <a:ext cx="1615580" cy="993734"/>
+          </a:xfrm>
+          <a:prstGeom prst="rect">
+            <a:avLst/>
+          </a:prstGeom>
+        </p:spPr>
+      </p:pic>
+      <p:sp>
+        <p:nvSpPr>
+          <p:cNvPr id="3" name="ZoneTexte 2">
+            <a:extLst>
+              <a:ext uri="{FF2B5EF4-FFF2-40B4-BE49-F238E27FC236}">
+                <a16:creationId xmlns:a16="http://schemas.microsoft.com/office/drawing/2014/main" id="{5CAD9166-DFD0-4EBF-9575-8FB0CC3957A5}"/>
+              </a:ext>
+            </a:extLst>
+          </p:cNvPr>
+          <p:cNvSpPr txBox="1"/>
+          <p:nvPr/>
+        </p:nvSpPr>
+        <p:spPr>
+          <a:xfrm>
+            <a:off x="7158073" y="4579462"/>
+            <a:ext cx="5394960" cy="1077218"/>
+          </a:xfrm>
+          <a:prstGeom prst="rect">
+            <a:avLst/>
+          </a:prstGeom>
+          <a:noFill/>
+        </p:spPr>
+        <p:txBody>
+          <a:bodyPr wrap="square" rtlCol="0">
+            <a:spAutoFit/>
+          </a:bodyPr>
+          <a:lstStyle/>
+          <a:p>
+            <a:pPr algn="ctr"/>
+            <a:r>
+              <a:rPr lang="en-US" sz="3200" dirty="0">
+                <a:effectLst/>
+                <a:latin typeface="Baskerville Old Face" panose="02020602080505020303" pitchFamily="18" charset="0"/>
+                <a:ea typeface="Times New Roman" panose="02020603050405020304" pitchFamily="18" charset="0"/>
+                <a:cs typeface="Times New Roman" panose="02020603050405020304" pitchFamily="18" charset="0"/>
+              </a:rPr>
+              <a:t>Suspense </a:t>
+            </a:r>
+          </a:p>
+          <a:p>
+            <a:pPr algn="ctr"/>
+            <a:r>
+              <a:rPr lang="en-US" sz="3200" dirty="0">
+                <a:effectLst/>
+                <a:latin typeface="Baskerville Old Face" panose="02020602080505020303" pitchFamily="18" charset="0"/>
+                <a:ea typeface="Times New Roman" panose="02020603050405020304" pitchFamily="18" charset="0"/>
+                <a:cs typeface="Times New Roman" panose="02020603050405020304" pitchFamily="18" charset="0"/>
+              </a:rPr>
+              <a:t>for the story</a:t>
+            </a:r>
+            <a:endParaRPr lang="fr-FR" sz="3200" dirty="0"/>
+          </a:p>
+        </p:txBody>
+      </p:sp>
+    </p:spTree>
+    <p:extLst>
+      <p:ext uri="{BB962C8B-B14F-4D97-AF65-F5344CB8AC3E}">
+        <p14:creationId xmlns:p14="http://schemas.microsoft.com/office/powerpoint/2010/main" val="3863384258"/>
+      </p:ext>
+    </p:extLst>
+  </p:cSld>
+  <p:clrMapOvr>
+    <a:masterClrMapping/>
+  </p:clrMapOvr>
+</p:sld>
+</file>
+
+<file path=ppt/slides/slide5.xml><?xml version="1.0" encoding="utf-8"?>
+<p:sld xmlns:a="http://schemas.openxmlformats.org/drawingml/2006/main" xmlns:r="http://schemas.openxmlformats.org/officeDocument/2006/relationships" xmlns:p="http://schemas.openxmlformats.org/presentationml/2006/main">
+  <p:cSld>
+    <p:spTree>
+      <p:nvGrpSpPr>
+        <p:cNvPr id="1" name=""/>
+        <p:cNvGrpSpPr/>
+        <p:nvPr/>
+      </p:nvGrpSpPr>
+      <p:grpSpPr>
+        <a:xfrm>
+          <a:off x="0" y="0"/>
+          <a:ext cx="0" cy="0"/>
+          <a:chOff x="0" y="0"/>
+          <a:chExt cx="0" cy="0"/>
+        </a:xfrm>
+      </p:grpSpPr>
+      <p:pic>
+        <p:nvPicPr>
+          <p:cNvPr id="11" name="Image 10" descr="Une image contenant vieux&#10;&#10;Description générée automatiquement">
+            <a:extLst>
+              <a:ext uri="{FF2B5EF4-FFF2-40B4-BE49-F238E27FC236}">
+                <a16:creationId xmlns:a16="http://schemas.microsoft.com/office/drawing/2014/main" id="{492C6E4F-3EC1-4A71-9023-67D30574C206}"/>
+              </a:ext>
+            </a:extLst>
+          </p:cNvPr>
+          <p:cNvPicPr>
+            <a:picLocks noChangeAspect="1"/>
+          </p:cNvPicPr>
+          <p:nvPr/>
+        </p:nvPicPr>
+        <p:blipFill>
+          <a:blip r:embed="rId2">
+            <a:extLst>
+              <a:ext uri="{28A0092B-C50C-407E-A947-70E740481C1C}">
+                <a14:useLocalDpi xmlns:a14="http://schemas.microsoft.com/office/drawing/2010/main" val="0"/>
+              </a:ext>
+            </a:extLst>
+          </a:blip>
+          <a:stretch>
+            <a:fillRect/>
+          </a:stretch>
+        </p:blipFill>
+        <p:spPr>
+          <a:xfrm>
+            <a:off x="0" y="0"/>
+            <a:ext cx="12192000" cy="6858000"/>
+          </a:xfrm>
+          <a:prstGeom prst="rect">
+            <a:avLst/>
+          </a:prstGeom>
+        </p:spPr>
+      </p:pic>
+      <p:sp>
+        <p:nvSpPr>
+          <p:cNvPr id="13" name="Rectangle 12">
+            <a:extLst>
+              <a:ext uri="{FF2B5EF4-FFF2-40B4-BE49-F238E27FC236}">
+                <a16:creationId xmlns:a16="http://schemas.microsoft.com/office/drawing/2014/main" id="{73D72025-4A3D-41D2-919C-264DD094BDC9}"/>
+              </a:ext>
+            </a:extLst>
+          </p:cNvPr>
+          <p:cNvSpPr/>
+          <p:nvPr/>
+        </p:nvSpPr>
+        <p:spPr>
+          <a:xfrm>
+            <a:off x="219075" y="133350"/>
+            <a:ext cx="11801475" cy="6534150"/>
+          </a:xfrm>
+          <a:prstGeom prst="rect">
+            <a:avLst/>
+          </a:prstGeom>
+          <a:noFill/>
+          <a:ln w="19050">
+            <a:solidFill>
+              <a:schemeClr val="tx1"/>
+            </a:solidFill>
+          </a:ln>
+        </p:spPr>
+        <p:style>
+          <a:lnRef idx="2">
+            <a:schemeClr val="accent1">
+              <a:shade val="50000"/>
+            </a:schemeClr>
+          </a:lnRef>
+          <a:fillRef idx="1">
+            <a:schemeClr val="accent1"/>
+          </a:fillRef>
+          <a:effectRef idx="0">
+            <a:schemeClr val="accent1"/>
+          </a:effectRef>
+          <a:fontRef idx="minor">
+            <a:schemeClr val="lt1"/>
+          </a:fontRef>
+        </p:style>
+        <p:txBody>
+          <a:bodyPr rtlCol="0" anchor="ctr"/>
+          <a:lstStyle/>
+          <a:p>
+            <a:pPr algn="ctr"/>
+            <a:endParaRPr lang="fr-FR"/>
+          </a:p>
+        </p:txBody>
+      </p:sp>
+      <p:sp>
+        <p:nvSpPr>
+          <p:cNvPr id="6" name="ZoneTexte 5">
+            <a:extLst>
+              <a:ext uri="{FF2B5EF4-FFF2-40B4-BE49-F238E27FC236}">
+                <a16:creationId xmlns:a16="http://schemas.microsoft.com/office/drawing/2014/main" id="{2B2A90D1-B0AD-49C8-8ABE-AD79025949F1}"/>
+              </a:ext>
+            </a:extLst>
+          </p:cNvPr>
+          <p:cNvSpPr txBox="1"/>
+          <p:nvPr/>
+        </p:nvSpPr>
+        <p:spPr>
+          <a:xfrm>
+            <a:off x="4124325" y="609873"/>
+            <a:ext cx="8286750" cy="860941"/>
+          </a:xfrm>
+          <a:prstGeom prst="rect">
+            <a:avLst/>
+          </a:prstGeom>
+          <a:noFill/>
+        </p:spPr>
+        <p:txBody>
+          <a:bodyPr wrap="square">
+            <a:spAutoFit/>
+          </a:bodyPr>
+          <a:lstStyle/>
+          <a:p>
+            <a:r>
+              <a:rPr lang="en-GB" sz="4800" b="1" u="sng" dirty="0">
+                <a:latin typeface="Baskerville Old Face" panose="02020602080505020303" pitchFamily="18" charset="0"/>
+                <a:ea typeface="Calibri" panose="020F0502020204030204" pitchFamily="34" charset="0"/>
+                <a:cs typeface="Times New Roman" panose="02020603050405020304" pitchFamily="18" charset="0"/>
+              </a:rPr>
+              <a:t>Pathetic fallacy</a:t>
+            </a:r>
+            <a:endParaRPr lang="fr-FR" sz="4800" b="1" u="sng" dirty="0">
+              <a:latin typeface="Baskerville Old Face" panose="02020602080505020303" pitchFamily="18" charset="0"/>
+            </a:endParaRPr>
+          </a:p>
+        </p:txBody>
+      </p:sp>
+      <p:sp>
+        <p:nvSpPr>
+          <p:cNvPr id="7" name="ZoneTexte 6">
+            <a:extLst>
+              <a:ext uri="{FF2B5EF4-FFF2-40B4-BE49-F238E27FC236}">
+                <a16:creationId xmlns:a16="http://schemas.microsoft.com/office/drawing/2014/main" id="{B1E0DCBE-65BB-41CA-924B-679F785BC4F2}"/>
+              </a:ext>
+            </a:extLst>
+          </p:cNvPr>
+          <p:cNvSpPr txBox="1"/>
+          <p:nvPr/>
+        </p:nvSpPr>
+        <p:spPr>
+          <a:xfrm>
+            <a:off x="1039042" y="1470814"/>
+            <a:ext cx="11067233" cy="1496885"/>
+          </a:xfrm>
+          <a:prstGeom prst="rect">
+            <a:avLst/>
+          </a:prstGeom>
+          <a:noFill/>
+        </p:spPr>
+        <p:txBody>
+          <a:bodyPr wrap="square">
+            <a:spAutoFit/>
+          </a:bodyPr>
+          <a:lstStyle/>
+          <a:p>
+            <a:pPr>
+              <a:lnSpc>
+                <a:spcPct val="150000"/>
+              </a:lnSpc>
+            </a:pPr>
+            <a:r>
+              <a:rPr lang="en-US" sz="3200" dirty="0">
+                <a:solidFill>
+                  <a:schemeClr val="accent6">
+                    <a:lumMod val="75000"/>
+                  </a:schemeClr>
+                </a:solidFill>
+                <a:latin typeface="Baskerville Old Face" panose="02020602080505020303" pitchFamily="18" charset="0"/>
+              </a:rPr>
+              <a:t>L</a:t>
+            </a:r>
+            <a:r>
+              <a:rPr lang="en-US" sz="3200" b="0" i="0" dirty="0">
+                <a:solidFill>
+                  <a:schemeClr val="accent6">
+                    <a:lumMod val="75000"/>
+                  </a:schemeClr>
+                </a:solidFill>
+                <a:effectLst/>
+                <a:latin typeface="Baskerville Old Face" panose="02020602080505020303" pitchFamily="18" charset="0"/>
+              </a:rPr>
+              <a:t>iterary device that attributes human qualities and emotions to inanimate objects of nature.</a:t>
+            </a:r>
+            <a:endParaRPr lang="fr-FR" sz="3200" dirty="0">
+              <a:solidFill>
+                <a:schemeClr val="accent6">
+                  <a:lumMod val="75000"/>
+                </a:schemeClr>
+              </a:solidFill>
+              <a:effectLst/>
+              <a:latin typeface="Baskerville Old Face" panose="02020602080505020303" pitchFamily="18" charset="0"/>
+              <a:ea typeface="Times New Roman" panose="02020603050405020304" pitchFamily="18" charset="0"/>
+            </a:endParaRPr>
+          </a:p>
+        </p:txBody>
+      </p:sp>
+      <p:sp>
+        <p:nvSpPr>
+          <p:cNvPr id="8" name="ZoneTexte 7">
+            <a:extLst>
+              <a:ext uri="{FF2B5EF4-FFF2-40B4-BE49-F238E27FC236}">
+                <a16:creationId xmlns:a16="http://schemas.microsoft.com/office/drawing/2014/main" id="{1BF88BDD-6760-4E75-AFE6-984D71864EDE}"/>
+              </a:ext>
+            </a:extLst>
+          </p:cNvPr>
+          <p:cNvSpPr txBox="1"/>
+          <p:nvPr/>
+        </p:nvSpPr>
+        <p:spPr>
+          <a:xfrm>
+            <a:off x="2719116" y="4807763"/>
+            <a:ext cx="7322547" cy="758221"/>
+          </a:xfrm>
+          <a:prstGeom prst="rect">
+            <a:avLst/>
+          </a:prstGeom>
+          <a:noFill/>
+        </p:spPr>
+        <p:txBody>
+          <a:bodyPr wrap="square">
+            <a:spAutoFit/>
+          </a:bodyPr>
+          <a:lstStyle/>
+          <a:p>
+            <a:pPr>
+              <a:lnSpc>
+                <a:spcPct val="150000"/>
+              </a:lnSpc>
+            </a:pPr>
+            <a:r>
+              <a:rPr lang="fr-FR" sz="3200" dirty="0">
+                <a:effectLst/>
+                <a:latin typeface="Baskerville Old Face" panose="02020602080505020303" pitchFamily="18" charset="0"/>
+                <a:ea typeface="Times New Roman" panose="02020603050405020304" pitchFamily="18" charset="0"/>
+              </a:rPr>
+              <a:t>Jane </a:t>
+            </a:r>
+            <a:r>
+              <a:rPr lang="fr-FR" sz="3200" dirty="0" err="1">
+                <a:effectLst/>
+                <a:latin typeface="Baskerville Old Face" panose="02020602080505020303" pitchFamily="18" charset="0"/>
+                <a:ea typeface="Times New Roman" panose="02020603050405020304" pitchFamily="18" charset="0"/>
+              </a:rPr>
+              <a:t>is</a:t>
+            </a:r>
+            <a:r>
+              <a:rPr lang="fr-FR" sz="3200" dirty="0">
+                <a:effectLst/>
+                <a:latin typeface="Baskerville Old Face" panose="02020602080505020303" pitchFamily="18" charset="0"/>
+                <a:ea typeface="Times New Roman" panose="02020603050405020304" pitchFamily="18" charset="0"/>
+              </a:rPr>
+              <a:t> </a:t>
+            </a:r>
+            <a:r>
+              <a:rPr lang="fr-FR" sz="3200" dirty="0" err="1">
+                <a:effectLst/>
+                <a:latin typeface="Baskerville Old Face" panose="02020602080505020303" pitchFamily="18" charset="0"/>
+                <a:ea typeface="Times New Roman" panose="02020603050405020304" pitchFamily="18" charset="0"/>
+              </a:rPr>
+              <a:t>boring</a:t>
+            </a:r>
+            <a:r>
+              <a:rPr lang="fr-FR" sz="3200" dirty="0">
+                <a:effectLst/>
+                <a:latin typeface="Baskerville Old Face" panose="02020602080505020303" pitchFamily="18" charset="0"/>
+                <a:ea typeface="Times New Roman" panose="02020603050405020304" pitchFamily="18" charset="0"/>
+              </a:rPr>
+              <a:t> by the </a:t>
+            </a:r>
+            <a:r>
+              <a:rPr lang="fr-FR" sz="3200" dirty="0" err="1">
+                <a:effectLst/>
+                <a:latin typeface="Baskerville Old Face" panose="02020602080505020303" pitchFamily="18" charset="0"/>
+                <a:ea typeface="Times New Roman" panose="02020603050405020304" pitchFamily="18" charset="0"/>
+              </a:rPr>
+              <a:t>sound</a:t>
+            </a:r>
+            <a:r>
+              <a:rPr lang="fr-FR" sz="3200" dirty="0">
+                <a:effectLst/>
+                <a:latin typeface="Baskerville Old Face" panose="02020602080505020303" pitchFamily="18" charset="0"/>
+                <a:ea typeface="Times New Roman" panose="02020603050405020304" pitchFamily="18" charset="0"/>
+              </a:rPr>
+              <a:t> as the Nature.</a:t>
+            </a:r>
+          </a:p>
+        </p:txBody>
+      </p:sp>
+    </p:spTree>
+    <p:extLst>
+      <p:ext uri="{BB962C8B-B14F-4D97-AF65-F5344CB8AC3E}">
+        <p14:creationId xmlns:p14="http://schemas.microsoft.com/office/powerpoint/2010/main" val="2754559507"/>
+      </p:ext>
+    </p:extLst>
+  </p:cSld>
+  <p:clrMapOvr>
+    <a:masterClrMapping/>
+  </p:clrMapOvr>
+</p:sld>
+</file>
+
+<file path=ppt/slides/slide6.xml><?xml version="1.0" encoding="utf-8"?>
+<p:sld xmlns:a="http://schemas.openxmlformats.org/drawingml/2006/main" xmlns:r="http://schemas.openxmlformats.org/officeDocument/2006/relationships" xmlns:p="http://schemas.openxmlformats.org/presentationml/2006/main">
+  <p:cSld>
+    <p:spTree>
+      <p:nvGrpSpPr>
+        <p:cNvPr id="1" name=""/>
+        <p:cNvGrpSpPr/>
+        <p:nvPr/>
+      </p:nvGrpSpPr>
+      <p:grpSpPr>
+        <a:xfrm>
+          <a:off x="0" y="0"/>
+          <a:ext cx="0" cy="0"/>
+          <a:chOff x="0" y="0"/>
+          <a:chExt cx="0" cy="0"/>
+        </a:xfrm>
+      </p:grpSpPr>
+      <p:pic>
+        <p:nvPicPr>
+          <p:cNvPr id="11" name="Image 10" descr="Une image contenant vieux&#10;&#10;Description générée automatiquement">
+            <a:extLst>
+              <a:ext uri="{FF2B5EF4-FFF2-40B4-BE49-F238E27FC236}">
+                <a16:creationId xmlns:a16="http://schemas.microsoft.com/office/drawing/2014/main" id="{492C6E4F-3EC1-4A71-9023-67D30574C206}"/>
+              </a:ext>
+            </a:extLst>
+          </p:cNvPr>
+          <p:cNvPicPr>
+            <a:picLocks noChangeAspect="1"/>
+          </p:cNvPicPr>
+          <p:nvPr/>
+        </p:nvPicPr>
+        <p:blipFill>
+          <a:blip r:embed="rId2">
+            <a:extLst>
+              <a:ext uri="{28A0092B-C50C-407E-A947-70E740481C1C}">
+                <a14:useLocalDpi xmlns:a14="http://schemas.microsoft.com/office/drawing/2010/main" val="0"/>
+              </a:ext>
+            </a:extLst>
+          </a:blip>
+          <a:stretch>
+            <a:fillRect/>
+          </a:stretch>
+        </p:blipFill>
+        <p:spPr>
+          <a:xfrm>
+            <a:off x="1" y="0"/>
+            <a:ext cx="12192000" cy="6858000"/>
+          </a:xfrm>
+          <a:prstGeom prst="rect">
+            <a:avLst/>
+          </a:prstGeom>
+        </p:spPr>
+      </p:pic>
+      <p:sp>
+        <p:nvSpPr>
+          <p:cNvPr id="2" name="Titre 1">
+            <a:extLst>
+              <a:ext uri="{FF2B5EF4-FFF2-40B4-BE49-F238E27FC236}">
+                <a16:creationId xmlns:a16="http://schemas.microsoft.com/office/drawing/2014/main" id="{F974A4EC-F83E-4AA1-9725-041C7FAB741A}"/>
+              </a:ext>
+            </a:extLst>
+          </p:cNvPr>
+          <p:cNvSpPr>
+            <a:spLocks noGrp="1"/>
+          </p:cNvSpPr>
+          <p:nvPr>
+            <p:ph type="title"/>
+          </p:nvPr>
+        </p:nvSpPr>
+        <p:spPr>
+          <a:xfrm>
+            <a:off x="838200" y="314836"/>
+            <a:ext cx="5814432" cy="1325563"/>
+          </a:xfrm>
+        </p:spPr>
+        <p:txBody>
+          <a:bodyPr>
+            <a:normAutofit/>
+          </a:bodyPr>
+          <a:lstStyle/>
+          <a:p>
+            <a:r>
+              <a:rPr lang="fr-FR" sz="4800" b="1" u="sng" dirty="0">
+                <a:latin typeface="Baskerville Old Face" panose="02020602080505020303" pitchFamily="18" charset="0"/>
+                <a:cs typeface="Leelawadee UI" panose="020B0502040204020203" pitchFamily="34" charset="-34"/>
+              </a:rPr>
+              <a:t>The </a:t>
+            </a:r>
+            <a:r>
+              <a:rPr lang="fr-FR" sz="4800" b="1" u="sng" dirty="0" err="1">
+                <a:latin typeface="Baskerville Old Face" panose="02020602080505020303" pitchFamily="18" charset="0"/>
+                <a:cs typeface="Leelawadee UI" panose="020B0502040204020203" pitchFamily="34" charset="-34"/>
+              </a:rPr>
+              <a:t>supernatural</a:t>
+            </a:r>
+            <a:endParaRPr lang="fr-FR" sz="4800" b="1" u="sng" dirty="0">
+              <a:latin typeface="Baskerville Old Face" panose="02020602080505020303" pitchFamily="18" charset="0"/>
+              <a:cs typeface="Leelawadee UI" panose="020B0502040204020203" pitchFamily="34" charset="-34"/>
+            </a:endParaRPr>
+          </a:p>
+        </p:txBody>
+      </p:sp>
+      <p:sp>
+        <p:nvSpPr>
+          <p:cNvPr id="3" name="Espace réservé du contenu 2">
+            <a:extLst>
+              <a:ext uri="{FF2B5EF4-FFF2-40B4-BE49-F238E27FC236}">
+                <a16:creationId xmlns:a16="http://schemas.microsoft.com/office/drawing/2014/main" id="{E12FB043-ED38-4C82-A9E3-BD83DC10CBC0}"/>
+              </a:ext>
+            </a:extLst>
+          </p:cNvPr>
+          <p:cNvSpPr>
+            <a:spLocks noGrp="1"/>
+          </p:cNvSpPr>
+          <p:nvPr>
+            <p:ph idx="1"/>
+          </p:nvPr>
+        </p:nvSpPr>
+        <p:spPr>
+          <a:xfrm>
+            <a:off x="838200" y="2041525"/>
+            <a:ext cx="4267200" cy="1749425"/>
+          </a:xfrm>
+        </p:spPr>
+        <p:txBody>
+          <a:bodyPr>
+            <a:normAutofit/>
+          </a:bodyPr>
+          <a:lstStyle/>
+          <a:p>
+            <a:r>
+              <a:rPr lang="en-US" sz="3200" dirty="0">
+                <a:effectLst/>
+                <a:latin typeface="Baskerville Old Face" panose="02020602080505020303" pitchFamily="18" charset="0"/>
+                <a:ea typeface="Calibri" panose="020F0502020204030204" pitchFamily="34" charset="0"/>
+                <a:cs typeface="Times New Roman" panose="02020603050405020304" pitchFamily="18" charset="0"/>
+              </a:rPr>
+              <a:t>Bessie’s tales</a:t>
+            </a:r>
+          </a:p>
+          <a:p>
+            <a:r>
+              <a:rPr lang="en-US" sz="3200" dirty="0">
+                <a:effectLst/>
+                <a:latin typeface="Baskerville Old Face" panose="02020602080505020303" pitchFamily="18" charset="0"/>
+                <a:ea typeface="Calibri" panose="020F0502020204030204" pitchFamily="34" charset="0"/>
+                <a:cs typeface="Times New Roman" panose="02020603050405020304" pitchFamily="18" charset="0"/>
+              </a:rPr>
+              <a:t>Gloomy atmosphere </a:t>
+            </a:r>
+            <a:endParaRPr lang="fr-FR" sz="3200" dirty="0">
+              <a:latin typeface="Baskerville Old Face" panose="02020602080505020303" pitchFamily="18" charset="0"/>
+            </a:endParaRPr>
+          </a:p>
+        </p:txBody>
+      </p:sp>
+      <p:sp>
+        <p:nvSpPr>
+          <p:cNvPr id="8" name="ZoneTexte 7">
+            <a:extLst>
+              <a:ext uri="{FF2B5EF4-FFF2-40B4-BE49-F238E27FC236}">
+                <a16:creationId xmlns:a16="http://schemas.microsoft.com/office/drawing/2014/main" id="{75E71F2E-98FB-4502-AFA8-C08C663B6034}"/>
+              </a:ext>
+            </a:extLst>
+          </p:cNvPr>
+          <p:cNvSpPr txBox="1"/>
+          <p:nvPr/>
+        </p:nvSpPr>
+        <p:spPr>
+          <a:xfrm>
+            <a:off x="8271882" y="5880382"/>
+            <a:ext cx="1847850" cy="584775"/>
+          </a:xfrm>
+          <a:prstGeom prst="rect">
+            <a:avLst/>
+          </a:prstGeom>
+          <a:noFill/>
+        </p:spPr>
+        <p:txBody>
+          <a:bodyPr wrap="square" rtlCol="0">
+            <a:spAutoFit/>
+          </a:bodyPr>
+          <a:lstStyle/>
+          <a:p>
+            <a:r>
+              <a:rPr lang="fr-FR" sz="3200" i="1" dirty="0" err="1">
+                <a:latin typeface="Baskerville Old Face" panose="02020602080505020303" pitchFamily="18" charset="0"/>
+              </a:rPr>
+              <a:t>Gytrash</a:t>
+            </a:r>
+            <a:endParaRPr lang="fr-FR" sz="3200" i="1" dirty="0">
+              <a:latin typeface="Baskerville Old Face" panose="02020602080505020303" pitchFamily="18" charset="0"/>
+            </a:endParaRPr>
+          </a:p>
+        </p:txBody>
+      </p:sp>
+      <p:pic>
+        <p:nvPicPr>
+          <p:cNvPr id="5" name="Image 4">
+            <a:extLst>
+              <a:ext uri="{FF2B5EF4-FFF2-40B4-BE49-F238E27FC236}">
+                <a16:creationId xmlns:a16="http://schemas.microsoft.com/office/drawing/2014/main" id="{9FC6A504-43C1-4BE9-A6C8-423139FC3B68}"/>
+              </a:ext>
+            </a:extLst>
+          </p:cNvPr>
+          <p:cNvPicPr>
+            <a:picLocks noChangeAspect="1"/>
+          </p:cNvPicPr>
+          <p:nvPr/>
+        </p:nvPicPr>
+        <p:blipFill>
+          <a:blip r:embed="rId3">
+            <a:alphaModFix/>
+            <a:extLst>
+              <a:ext uri="{28A0092B-C50C-407E-A947-70E740481C1C}">
+                <a14:useLocalDpi xmlns:a14="http://schemas.microsoft.com/office/drawing/2010/main" val="0"/>
+              </a:ext>
+            </a:extLst>
+          </a:blip>
+          <a:stretch>
+            <a:fillRect/>
+          </a:stretch>
+        </p:blipFill>
+        <p:spPr>
+          <a:xfrm>
+            <a:off x="6315075" y="734683"/>
+            <a:ext cx="5410199" cy="5145699"/>
+          </a:xfrm>
+          <a:prstGeom prst="rect">
+            <a:avLst/>
+          </a:prstGeom>
+          <a:ln>
+            <a:noFill/>
+          </a:ln>
+          <a:effectLst>
+            <a:outerShdw blurRad="1041400" dir="21540000" sx="190000" sy="190000" algn="ctr" rotWithShape="0">
+              <a:srgbClr val="000000">
+                <a:alpha val="0"/>
+              </a:srgbClr>
+            </a:outerShdw>
+            <a:reflection endPos="0" dir="5400000" sy="-100000" algn="bl" rotWithShape="0"/>
+            <a:softEdge rad="355600"/>
+          </a:effectLst>
+        </p:spPr>
+      </p:pic>
+      <p:sp>
+        <p:nvSpPr>
+          <p:cNvPr id="13" name="Rectangle 12">
+            <a:extLst>
+              <a:ext uri="{FF2B5EF4-FFF2-40B4-BE49-F238E27FC236}">
+                <a16:creationId xmlns:a16="http://schemas.microsoft.com/office/drawing/2014/main" id="{73D72025-4A3D-41D2-919C-264DD094BDC9}"/>
+              </a:ext>
+            </a:extLst>
+          </p:cNvPr>
+          <p:cNvSpPr/>
+          <p:nvPr/>
+        </p:nvSpPr>
+        <p:spPr>
+          <a:xfrm>
+            <a:off x="219075" y="133350"/>
+            <a:ext cx="11801475" cy="6534150"/>
+          </a:xfrm>
+          <a:prstGeom prst="rect">
+            <a:avLst/>
+          </a:prstGeom>
+          <a:noFill/>
+          <a:ln w="19050">
+            <a:solidFill>
+              <a:schemeClr val="tx1"/>
+            </a:solidFill>
+          </a:ln>
+        </p:spPr>
+        <p:style>
+          <a:lnRef idx="2">
+            <a:schemeClr val="accent1">
+              <a:shade val="50000"/>
+            </a:schemeClr>
+          </a:lnRef>
+          <a:fillRef idx="1">
+            <a:schemeClr val="accent1"/>
+          </a:fillRef>
+          <a:effectRef idx="0">
+            <a:schemeClr val="accent1"/>
+          </a:effectRef>
+          <a:fontRef idx="minor">
+            <a:schemeClr val="lt1"/>
+          </a:fontRef>
+        </p:style>
+        <p:txBody>
+          <a:bodyPr rtlCol="0" anchor="ctr"/>
+          <a:lstStyle/>
+          <a:p>
+            <a:pPr algn="ctr"/>
+            <a:endParaRPr lang="fr-FR"/>
+          </a:p>
+        </p:txBody>
+      </p:sp>
     </p:spTree>
     <p:extLst>
       <p:ext uri="{BB962C8B-B14F-4D97-AF65-F5344CB8AC3E}">
@@ -3841,7 +7019,7 @@
 </p:sld>
 </file>
 
-<file path=ppt/slides/slide3.xml><?xml version="1.0" encoding="utf-8"?>
+<file path=ppt/slides/slide7.xml><?xml version="1.0" encoding="utf-8"?>
 <p:sld xmlns:a="http://schemas.openxmlformats.org/drawingml/2006/main" xmlns:r="http://schemas.openxmlformats.org/officeDocument/2006/relationships" xmlns:p="http://schemas.openxmlformats.org/presentationml/2006/main">
   <p:cSld>
     <p:spTree>
@@ -4480,1414 +7658,6 @@
 </p:sld>
 </file>
 
-<file path=ppt/slides/slide4.xml><?xml version="1.0" encoding="utf-8"?>
-<p:sld xmlns:a="http://schemas.openxmlformats.org/drawingml/2006/main" xmlns:r="http://schemas.openxmlformats.org/officeDocument/2006/relationships" xmlns:p="http://schemas.openxmlformats.org/presentationml/2006/main">
-  <p:cSld>
-    <p:spTree>
-      <p:nvGrpSpPr>
-        <p:cNvPr id="1" name=""/>
-        <p:cNvGrpSpPr/>
-        <p:nvPr/>
-      </p:nvGrpSpPr>
-      <p:grpSpPr>
-        <a:xfrm>
-          <a:off x="0" y="0"/>
-          <a:ext cx="0" cy="0"/>
-          <a:chOff x="0" y="0"/>
-          <a:chExt cx="0" cy="0"/>
-        </a:xfrm>
-      </p:grpSpPr>
-      <p:pic>
-        <p:nvPicPr>
-          <p:cNvPr id="11" name="Image 10" descr="Une image contenant vieux&#10;&#10;Description générée automatiquement">
-            <a:extLst>
-              <a:ext uri="{FF2B5EF4-FFF2-40B4-BE49-F238E27FC236}">
-                <a16:creationId xmlns:a16="http://schemas.microsoft.com/office/drawing/2014/main" id="{492C6E4F-3EC1-4A71-9023-67D30574C206}"/>
-              </a:ext>
-            </a:extLst>
-          </p:cNvPr>
-          <p:cNvPicPr>
-            <a:picLocks noChangeAspect="1"/>
-          </p:cNvPicPr>
-          <p:nvPr/>
-        </p:nvPicPr>
-        <p:blipFill>
-          <a:blip r:embed="rId2">
-            <a:extLst>
-              <a:ext uri="{28A0092B-C50C-407E-A947-70E740481C1C}">
-                <a14:useLocalDpi xmlns:a14="http://schemas.microsoft.com/office/drawing/2010/main" val="0"/>
-              </a:ext>
-            </a:extLst>
-          </a:blip>
-          <a:stretch>
-            <a:fillRect/>
-          </a:stretch>
-        </p:blipFill>
-        <p:spPr>
-          <a:xfrm>
-            <a:off x="0" y="0"/>
-            <a:ext cx="12192000" cy="6858000"/>
-          </a:xfrm>
-          <a:prstGeom prst="rect">
-            <a:avLst/>
-          </a:prstGeom>
-        </p:spPr>
-      </p:pic>
-      <p:sp>
-        <p:nvSpPr>
-          <p:cNvPr id="13" name="Rectangle 12">
-            <a:extLst>
-              <a:ext uri="{FF2B5EF4-FFF2-40B4-BE49-F238E27FC236}">
-                <a16:creationId xmlns:a16="http://schemas.microsoft.com/office/drawing/2014/main" id="{73D72025-4A3D-41D2-919C-264DD094BDC9}"/>
-              </a:ext>
-            </a:extLst>
-          </p:cNvPr>
-          <p:cNvSpPr/>
-          <p:nvPr/>
-        </p:nvSpPr>
-        <p:spPr>
-          <a:xfrm>
-            <a:off x="219075" y="133350"/>
-            <a:ext cx="11801475" cy="6534150"/>
-          </a:xfrm>
-          <a:prstGeom prst="rect">
-            <a:avLst/>
-          </a:prstGeom>
-          <a:noFill/>
-          <a:ln w="19050">
-            <a:solidFill>
-              <a:schemeClr val="tx1"/>
-            </a:solidFill>
-          </a:ln>
-        </p:spPr>
-        <p:style>
-          <a:lnRef idx="2">
-            <a:schemeClr val="accent1">
-              <a:shade val="50000"/>
-            </a:schemeClr>
-          </a:lnRef>
-          <a:fillRef idx="1">
-            <a:schemeClr val="accent1"/>
-          </a:fillRef>
-          <a:effectRef idx="0">
-            <a:schemeClr val="accent1"/>
-          </a:effectRef>
-          <a:fontRef idx="minor">
-            <a:schemeClr val="lt1"/>
-          </a:fontRef>
-        </p:style>
-        <p:txBody>
-          <a:bodyPr rtlCol="0" anchor="ctr"/>
-          <a:lstStyle/>
-          <a:p>
-            <a:pPr algn="ctr"/>
-            <a:endParaRPr lang="fr-FR"/>
-          </a:p>
-        </p:txBody>
-      </p:sp>
-      <p:sp>
-        <p:nvSpPr>
-          <p:cNvPr id="6" name="ZoneTexte 5">
-            <a:extLst>
-              <a:ext uri="{FF2B5EF4-FFF2-40B4-BE49-F238E27FC236}">
-                <a16:creationId xmlns:a16="http://schemas.microsoft.com/office/drawing/2014/main" id="{2B2A90D1-B0AD-49C8-8ABE-AD79025949F1}"/>
-              </a:ext>
-            </a:extLst>
-          </p:cNvPr>
-          <p:cNvSpPr txBox="1"/>
-          <p:nvPr/>
-        </p:nvSpPr>
-        <p:spPr>
-          <a:xfrm>
-            <a:off x="2133600" y="457200"/>
-            <a:ext cx="8286750" cy="860941"/>
-          </a:xfrm>
-          <a:prstGeom prst="rect">
-            <a:avLst/>
-          </a:prstGeom>
-          <a:noFill/>
-        </p:spPr>
-        <p:txBody>
-          <a:bodyPr wrap="square">
-            <a:spAutoFit/>
-          </a:bodyPr>
-          <a:lstStyle/>
-          <a:p>
-            <a:r>
-              <a:rPr lang="en-GB" sz="4800" b="1" u="sng" dirty="0">
-                <a:latin typeface="Baskerville Old Face" panose="02020602080505020303" pitchFamily="18" charset="0"/>
-                <a:ea typeface="Calibri" panose="020F0502020204030204" pitchFamily="34" charset="0"/>
-                <a:cs typeface="Times New Roman" panose="02020603050405020304" pitchFamily="18" charset="0"/>
-              </a:rPr>
-              <a:t>T</a:t>
-            </a:r>
-            <a:r>
-              <a:rPr lang="en-GB" sz="4800" b="1" u="sng" dirty="0">
-                <a:effectLst/>
-                <a:latin typeface="Baskerville Old Face" panose="02020602080505020303" pitchFamily="18" charset="0"/>
-                <a:ea typeface="Calibri" panose="020F0502020204030204" pitchFamily="34" charset="0"/>
-                <a:cs typeface="Times New Roman" panose="02020603050405020304" pitchFamily="18" charset="0"/>
-              </a:rPr>
-              <a:t>he two characters’ personality</a:t>
-            </a:r>
-            <a:endParaRPr lang="fr-FR" sz="4800" b="1" u="sng" dirty="0">
-              <a:latin typeface="Baskerville Old Face" panose="02020602080505020303" pitchFamily="18" charset="0"/>
-            </a:endParaRPr>
-          </a:p>
-        </p:txBody>
-      </p:sp>
-      <p:sp>
-        <p:nvSpPr>
-          <p:cNvPr id="7" name="ZoneTexte 6">
-            <a:extLst>
-              <a:ext uri="{FF2B5EF4-FFF2-40B4-BE49-F238E27FC236}">
-                <a16:creationId xmlns:a16="http://schemas.microsoft.com/office/drawing/2014/main" id="{B1E0DCBE-65BB-41CA-924B-679F785BC4F2}"/>
-              </a:ext>
-            </a:extLst>
-          </p:cNvPr>
-          <p:cNvSpPr txBox="1"/>
-          <p:nvPr/>
-        </p:nvSpPr>
-        <p:spPr>
-          <a:xfrm>
-            <a:off x="985836" y="1946790"/>
-            <a:ext cx="9091614" cy="1077218"/>
-          </a:xfrm>
-          <a:prstGeom prst="rect">
-            <a:avLst/>
-          </a:prstGeom>
-          <a:noFill/>
-        </p:spPr>
-        <p:txBody>
-          <a:bodyPr wrap="square">
-            <a:spAutoFit/>
-          </a:bodyPr>
-          <a:lstStyle/>
-          <a:p>
-            <a:pPr marL="285750" indent="-285750">
-              <a:buFontTx/>
-              <a:buChar char="-"/>
-            </a:pPr>
-            <a:r>
-              <a:rPr lang="fr-FR" sz="3200" dirty="0">
-                <a:latin typeface="Baskerville Old Face" panose="02020602080505020303" pitchFamily="18" charset="0"/>
-              </a:rPr>
-              <a:t>Jane </a:t>
-            </a:r>
-            <a:r>
-              <a:rPr lang="fr-FR" sz="3200" dirty="0" err="1">
-                <a:latin typeface="Baskerville Old Face" panose="02020602080505020303" pitchFamily="18" charset="0"/>
-              </a:rPr>
-              <a:t>is</a:t>
-            </a:r>
-            <a:r>
-              <a:rPr lang="fr-FR" sz="3200" dirty="0">
-                <a:latin typeface="Baskerville Old Face" panose="02020602080505020303" pitchFamily="18" charset="0"/>
-              </a:rPr>
-              <a:t> </a:t>
-            </a:r>
-            <a:r>
-              <a:rPr lang="fr-FR" sz="3200" dirty="0" err="1">
-                <a:latin typeface="Baskerville Old Face" panose="02020602080505020303" pitchFamily="18" charset="0"/>
-              </a:rPr>
-              <a:t>helpful</a:t>
-            </a:r>
-            <a:r>
-              <a:rPr lang="fr-FR" sz="3200" dirty="0">
-                <a:latin typeface="Baskerville Old Face" panose="02020602080505020303" pitchFamily="18" charset="0"/>
-              </a:rPr>
-              <a:t> and </a:t>
-            </a:r>
-            <a:r>
-              <a:rPr lang="fr-FR" sz="3200" dirty="0" err="1">
-                <a:latin typeface="Baskerville Old Face" panose="02020602080505020303" pitchFamily="18" charset="0"/>
-              </a:rPr>
-              <a:t>daring</a:t>
-            </a:r>
-            <a:endParaRPr lang="fr-FR" sz="3200" dirty="0">
-              <a:latin typeface="Baskerville Old Face" panose="02020602080505020303" pitchFamily="18" charset="0"/>
-            </a:endParaRPr>
-          </a:p>
-          <a:p>
-            <a:pPr marL="285750" indent="-285750">
-              <a:buFontTx/>
-              <a:buChar char="-"/>
-            </a:pPr>
-            <a:r>
-              <a:rPr lang="fr-FR" sz="3200" dirty="0">
-                <a:latin typeface="Baskerville Old Face" panose="02020602080505020303" pitchFamily="18" charset="0"/>
-              </a:rPr>
-              <a:t>The man </a:t>
-            </a:r>
-            <a:r>
-              <a:rPr lang="fr-FR" sz="3200" dirty="0" err="1">
-                <a:latin typeface="Baskerville Old Face" panose="02020602080505020303" pitchFamily="18" charset="0"/>
-              </a:rPr>
-              <a:t>seem</a:t>
-            </a:r>
-            <a:r>
-              <a:rPr lang="fr-FR" sz="3200" dirty="0">
-                <a:latin typeface="Baskerville Old Face" panose="02020602080505020303" pitchFamily="18" charset="0"/>
-              </a:rPr>
-              <a:t> brave and </a:t>
-            </a:r>
-            <a:r>
-              <a:rPr lang="fr-FR" sz="3200" dirty="0" err="1">
-                <a:latin typeface="Baskerville Old Face" panose="02020602080505020303" pitchFamily="18" charset="0"/>
-              </a:rPr>
-              <a:t>autonomous</a:t>
-            </a:r>
-            <a:endParaRPr lang="fr-FR" sz="3200" dirty="0">
-              <a:latin typeface="Baskerville Old Face" panose="02020602080505020303" pitchFamily="18" charset="0"/>
-            </a:endParaRPr>
-          </a:p>
-        </p:txBody>
-      </p:sp>
-    </p:spTree>
-    <p:extLst>
-      <p:ext uri="{BB962C8B-B14F-4D97-AF65-F5344CB8AC3E}">
-        <p14:creationId xmlns:p14="http://schemas.microsoft.com/office/powerpoint/2010/main" val="2638122407"/>
-      </p:ext>
-    </p:extLst>
-  </p:cSld>
-  <p:clrMapOvr>
-    <a:masterClrMapping/>
-  </p:clrMapOvr>
-</p:sld>
-</file>
-
-<file path=ppt/slides/slide5.xml><?xml version="1.0" encoding="utf-8"?>
-<p:sld xmlns:a="http://schemas.openxmlformats.org/drawingml/2006/main" xmlns:r="http://schemas.openxmlformats.org/officeDocument/2006/relationships" xmlns:p="http://schemas.openxmlformats.org/presentationml/2006/main">
-  <p:cSld>
-    <p:spTree>
-      <p:nvGrpSpPr>
-        <p:cNvPr id="1" name=""/>
-        <p:cNvGrpSpPr/>
-        <p:nvPr/>
-      </p:nvGrpSpPr>
-      <p:grpSpPr>
-        <a:xfrm>
-          <a:off x="0" y="0"/>
-          <a:ext cx="0" cy="0"/>
-          <a:chOff x="0" y="0"/>
-          <a:chExt cx="0" cy="0"/>
-        </a:xfrm>
-      </p:grpSpPr>
-      <p:pic>
-        <p:nvPicPr>
-          <p:cNvPr id="11" name="Image 10" descr="Une image contenant vieux&#10;&#10;Description générée automatiquement">
-            <a:extLst>
-              <a:ext uri="{FF2B5EF4-FFF2-40B4-BE49-F238E27FC236}">
-                <a16:creationId xmlns:a16="http://schemas.microsoft.com/office/drawing/2014/main" id="{492C6E4F-3EC1-4A71-9023-67D30574C206}"/>
-              </a:ext>
-            </a:extLst>
-          </p:cNvPr>
-          <p:cNvPicPr>
-            <a:picLocks noChangeAspect="1"/>
-          </p:cNvPicPr>
-          <p:nvPr/>
-        </p:nvPicPr>
-        <p:blipFill>
-          <a:blip r:embed="rId2">
-            <a:extLst>
-              <a:ext uri="{28A0092B-C50C-407E-A947-70E740481C1C}">
-                <a14:useLocalDpi xmlns:a14="http://schemas.microsoft.com/office/drawing/2010/main" val="0"/>
-              </a:ext>
-            </a:extLst>
-          </a:blip>
-          <a:stretch>
-            <a:fillRect/>
-          </a:stretch>
-        </p:blipFill>
-        <p:spPr>
-          <a:xfrm>
-            <a:off x="0" y="0"/>
-            <a:ext cx="12192000" cy="6858000"/>
-          </a:xfrm>
-          <a:prstGeom prst="rect">
-            <a:avLst/>
-          </a:prstGeom>
-        </p:spPr>
-      </p:pic>
-      <p:sp>
-        <p:nvSpPr>
-          <p:cNvPr id="13" name="Rectangle 12">
-            <a:extLst>
-              <a:ext uri="{FF2B5EF4-FFF2-40B4-BE49-F238E27FC236}">
-                <a16:creationId xmlns:a16="http://schemas.microsoft.com/office/drawing/2014/main" id="{73D72025-4A3D-41D2-919C-264DD094BDC9}"/>
-              </a:ext>
-            </a:extLst>
-          </p:cNvPr>
-          <p:cNvSpPr/>
-          <p:nvPr/>
-        </p:nvSpPr>
-        <p:spPr>
-          <a:xfrm>
-            <a:off x="219075" y="133350"/>
-            <a:ext cx="11801475" cy="6534150"/>
-          </a:xfrm>
-          <a:prstGeom prst="rect">
-            <a:avLst/>
-          </a:prstGeom>
-          <a:noFill/>
-          <a:ln w="19050">
-            <a:solidFill>
-              <a:schemeClr val="tx1"/>
-            </a:solidFill>
-          </a:ln>
-        </p:spPr>
-        <p:style>
-          <a:lnRef idx="2">
-            <a:schemeClr val="accent1">
-              <a:shade val="50000"/>
-            </a:schemeClr>
-          </a:lnRef>
-          <a:fillRef idx="1">
-            <a:schemeClr val="accent1"/>
-          </a:fillRef>
-          <a:effectRef idx="0">
-            <a:schemeClr val="accent1"/>
-          </a:effectRef>
-          <a:fontRef idx="minor">
-            <a:schemeClr val="lt1"/>
-          </a:fontRef>
-        </p:style>
-        <p:txBody>
-          <a:bodyPr rtlCol="0" anchor="ctr"/>
-          <a:lstStyle/>
-          <a:p>
-            <a:pPr algn="ctr"/>
-            <a:endParaRPr lang="fr-FR"/>
-          </a:p>
-        </p:txBody>
-      </p:sp>
-      <p:sp>
-        <p:nvSpPr>
-          <p:cNvPr id="6" name="ZoneTexte 5">
-            <a:extLst>
-              <a:ext uri="{FF2B5EF4-FFF2-40B4-BE49-F238E27FC236}">
-                <a16:creationId xmlns:a16="http://schemas.microsoft.com/office/drawing/2014/main" id="{2B2A90D1-B0AD-49C8-8ABE-AD79025949F1}"/>
-              </a:ext>
-            </a:extLst>
-          </p:cNvPr>
-          <p:cNvSpPr txBox="1"/>
-          <p:nvPr/>
-        </p:nvSpPr>
-        <p:spPr>
-          <a:xfrm>
-            <a:off x="692331" y="529560"/>
-            <a:ext cx="11077303" cy="1569660"/>
-          </a:xfrm>
-          <a:prstGeom prst="rect">
-            <a:avLst/>
-          </a:prstGeom>
-          <a:noFill/>
-        </p:spPr>
-        <p:txBody>
-          <a:bodyPr wrap="square">
-            <a:spAutoFit/>
-          </a:bodyPr>
-          <a:lstStyle/>
-          <a:p>
-            <a:r>
-              <a:rPr lang="en-GB" sz="4800" b="1" dirty="0">
-                <a:solidFill>
-                  <a:schemeClr val="accent6">
-                    <a:lumMod val="50000"/>
-                  </a:schemeClr>
-                </a:solidFill>
-                <a:latin typeface="Baskerville Old Face" panose="02020602080505020303" pitchFamily="18" charset="0"/>
-                <a:ea typeface="Calibri" panose="020F0502020204030204" pitchFamily="34" charset="0"/>
-                <a:cs typeface="Times New Roman" panose="02020603050405020304" pitchFamily="18" charset="0"/>
-              </a:rPr>
-              <a:t>How Jane describe the rider’s physical appearance ?</a:t>
-            </a:r>
-            <a:endParaRPr lang="fr-FR" sz="4800" dirty="0">
-              <a:solidFill>
-                <a:schemeClr val="accent6">
-                  <a:lumMod val="50000"/>
-                </a:schemeClr>
-              </a:solidFill>
-              <a:latin typeface="Baskerville Old Face" panose="02020602080505020303" pitchFamily="18" charset="0"/>
-            </a:endParaRPr>
-          </a:p>
-        </p:txBody>
-      </p:sp>
-      <p:sp>
-        <p:nvSpPr>
-          <p:cNvPr id="7" name="ZoneTexte 6">
-            <a:extLst>
-              <a:ext uri="{FF2B5EF4-FFF2-40B4-BE49-F238E27FC236}">
-                <a16:creationId xmlns:a16="http://schemas.microsoft.com/office/drawing/2014/main" id="{B1E0DCBE-65BB-41CA-924B-679F785BC4F2}"/>
-              </a:ext>
-            </a:extLst>
-          </p:cNvPr>
-          <p:cNvSpPr txBox="1"/>
-          <p:nvPr/>
-        </p:nvSpPr>
-        <p:spPr>
-          <a:xfrm>
-            <a:off x="959710" y="2696678"/>
-            <a:ext cx="9091614" cy="2062103"/>
-          </a:xfrm>
-          <a:prstGeom prst="rect">
-            <a:avLst/>
-          </a:prstGeom>
-          <a:noFill/>
-        </p:spPr>
-        <p:txBody>
-          <a:bodyPr wrap="square">
-            <a:spAutoFit/>
-          </a:bodyPr>
-          <a:lstStyle/>
-          <a:p>
-            <a:r>
-              <a:rPr lang="en-US" sz="3200" dirty="0">
-                <a:effectLst/>
-                <a:latin typeface="Baskerville Old Face" panose="02020602080505020303" pitchFamily="18" charset="0"/>
-                <a:ea typeface="Times New Roman" panose="02020603050405020304" pitchFamily="18" charset="0"/>
-                <a:cs typeface="Calibri" panose="020F0502020204030204" pitchFamily="34" charset="0"/>
-              </a:rPr>
-              <a:t>- a middle-</a:t>
-            </a:r>
-            <a:r>
-              <a:rPr lang="en-US" sz="3200" dirty="0" err="1">
-                <a:effectLst/>
-                <a:latin typeface="Baskerville Old Face" panose="02020602080505020303" pitchFamily="18" charset="0"/>
-                <a:ea typeface="Times New Roman" panose="02020603050405020304" pitchFamily="18" charset="0"/>
-                <a:cs typeface="Calibri" panose="020F0502020204030204" pitchFamily="34" charset="0"/>
-              </a:rPr>
-              <a:t>highted</a:t>
-            </a:r>
-            <a:r>
-              <a:rPr lang="en-US" sz="3200" dirty="0">
-                <a:effectLst/>
-                <a:latin typeface="Baskerville Old Face" panose="02020602080505020303" pitchFamily="18" charset="0"/>
-                <a:ea typeface="Times New Roman" panose="02020603050405020304" pitchFamily="18" charset="0"/>
-                <a:cs typeface="Calibri" panose="020F0502020204030204" pitchFamily="34" charset="0"/>
-              </a:rPr>
-              <a:t> man</a:t>
-            </a:r>
-          </a:p>
-          <a:p>
-            <a:r>
-              <a:rPr lang="en-US" sz="3200" dirty="0">
-                <a:effectLst/>
-                <a:latin typeface="Baskerville Old Face" panose="02020602080505020303" pitchFamily="18" charset="0"/>
-                <a:ea typeface="Times New Roman" panose="02020603050405020304" pitchFamily="18" charset="0"/>
-                <a:cs typeface="Calibri" panose="020F0502020204030204" pitchFamily="34" charset="0"/>
-              </a:rPr>
-              <a:t>- a dark face with stern’s features, heavy brow, his eyes and gathered eyebrows looked ireful and thwarted</a:t>
-            </a:r>
-            <a:endParaRPr lang="en-US" sz="3200" dirty="0">
-              <a:latin typeface="Baskerville Old Face" panose="02020602080505020303" pitchFamily="18" charset="0"/>
-              <a:ea typeface="Times New Roman" panose="02020603050405020304" pitchFamily="18" charset="0"/>
-              <a:cs typeface="Calibri" panose="020F0502020204030204" pitchFamily="34" charset="0"/>
-            </a:endParaRPr>
-          </a:p>
-          <a:p>
-            <a:pPr marL="457200" indent="-457200">
-              <a:buFontTx/>
-              <a:buChar char="-"/>
-            </a:pPr>
-            <a:endParaRPr lang="fr-FR" sz="3200" dirty="0">
-              <a:latin typeface="Baskerville Old Face" panose="02020602080505020303" pitchFamily="18" charset="0"/>
-            </a:endParaRPr>
-          </a:p>
-        </p:txBody>
-      </p:sp>
-    </p:spTree>
-    <p:extLst>
-      <p:ext uri="{BB962C8B-B14F-4D97-AF65-F5344CB8AC3E}">
-        <p14:creationId xmlns:p14="http://schemas.microsoft.com/office/powerpoint/2010/main" val="934972209"/>
-      </p:ext>
-    </p:extLst>
-  </p:cSld>
-  <p:clrMapOvr>
-    <a:masterClrMapping/>
-  </p:clrMapOvr>
-</p:sld>
-</file>
-
-<file path=ppt/slides/slide6.xml><?xml version="1.0" encoding="utf-8"?>
-<p:sld xmlns:a="http://schemas.openxmlformats.org/drawingml/2006/main" xmlns:r="http://schemas.openxmlformats.org/officeDocument/2006/relationships" xmlns:p="http://schemas.openxmlformats.org/presentationml/2006/main">
-  <p:cSld>
-    <p:spTree>
-      <p:nvGrpSpPr>
-        <p:cNvPr id="1" name=""/>
-        <p:cNvGrpSpPr/>
-        <p:nvPr/>
-      </p:nvGrpSpPr>
-      <p:grpSpPr>
-        <a:xfrm>
-          <a:off x="0" y="0"/>
-          <a:ext cx="0" cy="0"/>
-          <a:chOff x="0" y="0"/>
-          <a:chExt cx="0" cy="0"/>
-        </a:xfrm>
-      </p:grpSpPr>
-      <p:pic>
-        <p:nvPicPr>
-          <p:cNvPr id="11" name="Image 10" descr="Une image contenant vieux&#10;&#10;Description générée automatiquement">
-            <a:extLst>
-              <a:ext uri="{FF2B5EF4-FFF2-40B4-BE49-F238E27FC236}">
-                <a16:creationId xmlns:a16="http://schemas.microsoft.com/office/drawing/2014/main" id="{492C6E4F-3EC1-4A71-9023-67D30574C206}"/>
-              </a:ext>
-            </a:extLst>
-          </p:cNvPr>
-          <p:cNvPicPr>
-            <a:picLocks noChangeAspect="1"/>
-          </p:cNvPicPr>
-          <p:nvPr/>
-        </p:nvPicPr>
-        <p:blipFill>
-          <a:blip r:embed="rId2">
-            <a:extLst>
-              <a:ext uri="{28A0092B-C50C-407E-A947-70E740481C1C}">
-                <a14:useLocalDpi xmlns:a14="http://schemas.microsoft.com/office/drawing/2010/main" val="0"/>
-              </a:ext>
-            </a:extLst>
-          </a:blip>
-          <a:stretch>
-            <a:fillRect/>
-          </a:stretch>
-        </p:blipFill>
-        <p:spPr>
-          <a:xfrm>
-            <a:off x="0" y="0"/>
-            <a:ext cx="12192000" cy="6858000"/>
-          </a:xfrm>
-          <a:prstGeom prst="rect">
-            <a:avLst/>
-          </a:prstGeom>
-        </p:spPr>
-      </p:pic>
-      <p:sp>
-        <p:nvSpPr>
-          <p:cNvPr id="13" name="Rectangle 12">
-            <a:extLst>
-              <a:ext uri="{FF2B5EF4-FFF2-40B4-BE49-F238E27FC236}">
-                <a16:creationId xmlns:a16="http://schemas.microsoft.com/office/drawing/2014/main" id="{73D72025-4A3D-41D2-919C-264DD094BDC9}"/>
-              </a:ext>
-            </a:extLst>
-          </p:cNvPr>
-          <p:cNvSpPr/>
-          <p:nvPr/>
-        </p:nvSpPr>
-        <p:spPr>
-          <a:xfrm>
-            <a:off x="219075" y="133350"/>
-            <a:ext cx="11801475" cy="6534150"/>
-          </a:xfrm>
-          <a:prstGeom prst="rect">
-            <a:avLst/>
-          </a:prstGeom>
-          <a:noFill/>
-          <a:ln w="19050">
-            <a:solidFill>
-              <a:schemeClr val="tx1"/>
-            </a:solidFill>
-          </a:ln>
-        </p:spPr>
-        <p:style>
-          <a:lnRef idx="2">
-            <a:schemeClr val="accent1">
-              <a:shade val="50000"/>
-            </a:schemeClr>
-          </a:lnRef>
-          <a:fillRef idx="1">
-            <a:schemeClr val="accent1"/>
-          </a:fillRef>
-          <a:effectRef idx="0">
-            <a:schemeClr val="accent1"/>
-          </a:effectRef>
-          <a:fontRef idx="minor">
-            <a:schemeClr val="lt1"/>
-          </a:fontRef>
-        </p:style>
-        <p:txBody>
-          <a:bodyPr rtlCol="0" anchor="ctr"/>
-          <a:lstStyle/>
-          <a:p>
-            <a:pPr algn="ctr"/>
-            <a:endParaRPr lang="fr-FR"/>
-          </a:p>
-        </p:txBody>
-      </p:sp>
-      <p:sp>
-        <p:nvSpPr>
-          <p:cNvPr id="6" name="ZoneTexte 5">
-            <a:extLst>
-              <a:ext uri="{FF2B5EF4-FFF2-40B4-BE49-F238E27FC236}">
-                <a16:creationId xmlns:a16="http://schemas.microsoft.com/office/drawing/2014/main" id="{2B2A90D1-B0AD-49C8-8ABE-AD79025949F1}"/>
-              </a:ext>
-            </a:extLst>
-          </p:cNvPr>
-          <p:cNvSpPr txBox="1"/>
-          <p:nvPr/>
-        </p:nvSpPr>
-        <p:spPr>
-          <a:xfrm>
-            <a:off x="3152503" y="423532"/>
-            <a:ext cx="8286750" cy="830997"/>
-          </a:xfrm>
-          <a:prstGeom prst="rect">
-            <a:avLst/>
-          </a:prstGeom>
-          <a:noFill/>
-        </p:spPr>
-        <p:txBody>
-          <a:bodyPr wrap="square">
-            <a:spAutoFit/>
-          </a:bodyPr>
-          <a:lstStyle/>
-          <a:p>
-            <a:r>
-              <a:rPr lang="en-GB" sz="4800" b="1" u="sng" dirty="0">
-                <a:latin typeface="Baskerville Old Face" panose="02020602080505020303" pitchFamily="18" charset="0"/>
-                <a:ea typeface="Calibri" panose="020F0502020204030204" pitchFamily="34" charset="0"/>
-                <a:cs typeface="Times New Roman" panose="02020603050405020304" pitchFamily="18" charset="0"/>
-              </a:rPr>
-              <a:t>The </a:t>
-            </a:r>
-            <a:r>
-              <a:rPr lang="en-GB" sz="4800" b="1" u="sng" dirty="0">
-                <a:effectLst/>
-                <a:latin typeface="Baskerville Old Face" panose="02020602080505020303" pitchFamily="18" charset="0"/>
-                <a:ea typeface="Times New Roman" panose="02020603050405020304" pitchFamily="18" charset="0"/>
-                <a:cs typeface="Times New Roman" panose="02020603050405020304" pitchFamily="18" charset="0"/>
-              </a:rPr>
-              <a:t>symbols of virility</a:t>
-            </a:r>
-            <a:endParaRPr lang="fr-FR" sz="4800" b="1" u="sng" dirty="0">
-              <a:latin typeface="Baskerville Old Face" panose="02020602080505020303" pitchFamily="18" charset="0"/>
-            </a:endParaRPr>
-          </a:p>
-        </p:txBody>
-      </p:sp>
-      <p:sp>
-        <p:nvSpPr>
-          <p:cNvPr id="7" name="ZoneTexte 6">
-            <a:extLst>
-              <a:ext uri="{FF2B5EF4-FFF2-40B4-BE49-F238E27FC236}">
-                <a16:creationId xmlns:a16="http://schemas.microsoft.com/office/drawing/2014/main" id="{B1E0DCBE-65BB-41CA-924B-679F785BC4F2}"/>
-              </a:ext>
-            </a:extLst>
-          </p:cNvPr>
-          <p:cNvSpPr txBox="1"/>
-          <p:nvPr/>
-        </p:nvSpPr>
-        <p:spPr>
-          <a:xfrm>
-            <a:off x="985836" y="1654742"/>
-            <a:ext cx="4262711" cy="4552978"/>
-          </a:xfrm>
-          <a:prstGeom prst="rect">
-            <a:avLst/>
-          </a:prstGeom>
-          <a:noFill/>
-        </p:spPr>
-        <p:txBody>
-          <a:bodyPr wrap="square">
-            <a:spAutoFit/>
-          </a:bodyPr>
-          <a:lstStyle/>
-          <a:p>
-            <a:pPr marL="342900" marR="36195" lvl="0" indent="-342900" algn="just">
-              <a:lnSpc>
-                <a:spcPct val="150000"/>
-              </a:lnSpc>
-              <a:spcAft>
-                <a:spcPts val="0"/>
-              </a:spcAft>
-              <a:buFont typeface="Symbol" panose="05050102010706020507" pitchFamily="18" charset="2"/>
-              <a:buChar char=""/>
-              <a:tabLst>
-                <a:tab pos="1587500" algn="l"/>
-                <a:tab pos="1765300" algn="l"/>
-              </a:tabLst>
-            </a:pPr>
-            <a:r>
-              <a:rPr lang="en-GB" sz="2800" dirty="0">
-                <a:effectLst/>
-                <a:latin typeface="Baskerville Old Face" panose="02020602080505020303" pitchFamily="18" charset="0"/>
-                <a:ea typeface="Calibri" panose="020F0502020204030204" pitchFamily="34" charset="0"/>
-                <a:cs typeface="Calibri" panose="020F0502020204030204" pitchFamily="34" charset="0"/>
-              </a:rPr>
-              <a:t>Riding cloak</a:t>
-            </a:r>
-            <a:endParaRPr lang="fr-FR" sz="2800" dirty="0">
-              <a:effectLst/>
-              <a:latin typeface="Baskerville Old Face" panose="02020602080505020303" pitchFamily="18" charset="0"/>
-              <a:ea typeface="Calibri" panose="020F0502020204030204" pitchFamily="34" charset="0"/>
-              <a:cs typeface="Calibri" panose="020F0502020204030204" pitchFamily="34" charset="0"/>
-            </a:endParaRPr>
-          </a:p>
-          <a:p>
-            <a:pPr marL="342900" marR="36195" lvl="0" indent="-342900" algn="just">
-              <a:lnSpc>
-                <a:spcPct val="150000"/>
-              </a:lnSpc>
-              <a:spcAft>
-                <a:spcPts val="0"/>
-              </a:spcAft>
-              <a:buFont typeface="Symbol" panose="05050102010706020507" pitchFamily="18" charset="2"/>
-              <a:buChar char=""/>
-              <a:tabLst>
-                <a:tab pos="1587500" algn="l"/>
-                <a:tab pos="1765300" algn="l"/>
-              </a:tabLst>
-            </a:pPr>
-            <a:r>
-              <a:rPr lang="en-GB" sz="2800" dirty="0">
-                <a:effectLst/>
-                <a:latin typeface="Baskerville Old Face" panose="02020602080505020303" pitchFamily="18" charset="0"/>
-                <a:ea typeface="Calibri" panose="020F0502020204030204" pitchFamily="34" charset="0"/>
-                <a:cs typeface="Calibri" panose="020F0502020204030204" pitchFamily="34" charset="0"/>
-              </a:rPr>
-              <a:t>Fur collared</a:t>
-            </a:r>
-            <a:endParaRPr lang="fr-FR" sz="2800" dirty="0">
-              <a:effectLst/>
-              <a:latin typeface="Baskerville Old Face" panose="02020602080505020303" pitchFamily="18" charset="0"/>
-              <a:ea typeface="Calibri" panose="020F0502020204030204" pitchFamily="34" charset="0"/>
-              <a:cs typeface="Calibri" panose="020F0502020204030204" pitchFamily="34" charset="0"/>
-            </a:endParaRPr>
-          </a:p>
-          <a:p>
-            <a:pPr marL="342900" marR="36195" lvl="0" indent="-342900" algn="just">
-              <a:lnSpc>
-                <a:spcPct val="150000"/>
-              </a:lnSpc>
-              <a:spcAft>
-                <a:spcPts val="0"/>
-              </a:spcAft>
-              <a:buFont typeface="Symbol" panose="05050102010706020507" pitchFamily="18" charset="2"/>
-              <a:buChar char=""/>
-              <a:tabLst>
-                <a:tab pos="1587500" algn="l"/>
-                <a:tab pos="1765300" algn="l"/>
-              </a:tabLst>
-            </a:pPr>
-            <a:r>
-              <a:rPr lang="en-GB" sz="2800" dirty="0">
-                <a:effectLst/>
-                <a:latin typeface="Baskerville Old Face" panose="02020602080505020303" pitchFamily="18" charset="0"/>
-                <a:ea typeface="Calibri" panose="020F0502020204030204" pitchFamily="34" charset="0"/>
-                <a:cs typeface="Calibri" panose="020F0502020204030204" pitchFamily="34" charset="0"/>
-              </a:rPr>
-              <a:t>Steel </a:t>
-            </a:r>
-            <a:r>
-              <a:rPr lang="en-GB" sz="2800" dirty="0" err="1">
-                <a:effectLst/>
-                <a:latin typeface="Baskerville Old Face" panose="02020602080505020303" pitchFamily="18" charset="0"/>
-                <a:ea typeface="Calibri" panose="020F0502020204030204" pitchFamily="34" charset="0"/>
-                <a:cs typeface="Calibri" panose="020F0502020204030204" pitchFamily="34" charset="0"/>
-              </a:rPr>
-              <a:t>clapsed</a:t>
-            </a:r>
-            <a:endParaRPr lang="fr-FR" sz="2800" dirty="0">
-              <a:effectLst/>
-              <a:latin typeface="Baskerville Old Face" panose="02020602080505020303" pitchFamily="18" charset="0"/>
-              <a:ea typeface="Calibri" panose="020F0502020204030204" pitchFamily="34" charset="0"/>
-              <a:cs typeface="Calibri" panose="020F0502020204030204" pitchFamily="34" charset="0"/>
-            </a:endParaRPr>
-          </a:p>
-          <a:p>
-            <a:pPr marL="342900" marR="36195" lvl="0" indent="-342900" algn="just">
-              <a:lnSpc>
-                <a:spcPct val="150000"/>
-              </a:lnSpc>
-              <a:spcAft>
-                <a:spcPts val="0"/>
-              </a:spcAft>
-              <a:buFont typeface="Symbol" panose="05050102010706020507" pitchFamily="18" charset="2"/>
-              <a:buChar char=""/>
-              <a:tabLst>
-                <a:tab pos="1587500" algn="l"/>
-                <a:tab pos="1765300" algn="l"/>
-              </a:tabLst>
-            </a:pPr>
-            <a:r>
-              <a:rPr lang="en-GB" sz="2800" dirty="0">
-                <a:effectLst/>
-                <a:latin typeface="Baskerville Old Face" panose="02020602080505020303" pitchFamily="18" charset="0"/>
-                <a:ea typeface="Calibri" panose="020F0502020204030204" pitchFamily="34" charset="0"/>
-                <a:cs typeface="Calibri" panose="020F0502020204030204" pitchFamily="34" charset="0"/>
-              </a:rPr>
-              <a:t>Breadth of chest</a:t>
-            </a:r>
-            <a:endParaRPr lang="fr-FR" sz="2800" dirty="0">
-              <a:effectLst/>
-              <a:latin typeface="Baskerville Old Face" panose="02020602080505020303" pitchFamily="18" charset="0"/>
-              <a:ea typeface="Calibri" panose="020F0502020204030204" pitchFamily="34" charset="0"/>
-              <a:cs typeface="Calibri" panose="020F0502020204030204" pitchFamily="34" charset="0"/>
-            </a:endParaRPr>
-          </a:p>
-          <a:p>
-            <a:pPr marL="342900" marR="36195" lvl="0" indent="-342900" algn="just">
-              <a:lnSpc>
-                <a:spcPct val="150000"/>
-              </a:lnSpc>
-              <a:spcAft>
-                <a:spcPts val="0"/>
-              </a:spcAft>
-              <a:buFont typeface="Symbol" panose="05050102010706020507" pitchFamily="18" charset="2"/>
-              <a:buChar char=""/>
-              <a:tabLst>
-                <a:tab pos="1587500" algn="l"/>
-                <a:tab pos="1765300" algn="l"/>
-              </a:tabLst>
-            </a:pPr>
-            <a:r>
-              <a:rPr lang="en-GB" sz="2800" dirty="0">
-                <a:effectLst/>
-                <a:latin typeface="Baskerville Old Face" panose="02020602080505020303" pitchFamily="18" charset="0"/>
-                <a:ea typeface="Calibri" panose="020F0502020204030204" pitchFamily="34" charset="0"/>
-                <a:cs typeface="Calibri" panose="020F0502020204030204" pitchFamily="34" charset="0"/>
-              </a:rPr>
-              <a:t>Dark face</a:t>
-            </a:r>
-            <a:endParaRPr lang="fr-FR" sz="2800" dirty="0">
-              <a:effectLst/>
-              <a:latin typeface="Baskerville Old Face" panose="02020602080505020303" pitchFamily="18" charset="0"/>
-              <a:ea typeface="Calibri" panose="020F0502020204030204" pitchFamily="34" charset="0"/>
-              <a:cs typeface="Calibri" panose="020F0502020204030204" pitchFamily="34" charset="0"/>
-            </a:endParaRPr>
-          </a:p>
-          <a:p>
-            <a:pPr marL="342900" marR="36195" lvl="0" indent="-342900" algn="just">
-              <a:lnSpc>
-                <a:spcPct val="150000"/>
-              </a:lnSpc>
-              <a:spcAft>
-                <a:spcPts val="0"/>
-              </a:spcAft>
-              <a:buFont typeface="Symbol" panose="05050102010706020507" pitchFamily="18" charset="2"/>
-              <a:buChar char=""/>
-              <a:tabLst>
-                <a:tab pos="1587500" algn="l"/>
-                <a:tab pos="1765300" algn="l"/>
-              </a:tabLst>
-            </a:pPr>
-            <a:r>
-              <a:rPr lang="en-GB" sz="2800" dirty="0">
-                <a:effectLst/>
-                <a:latin typeface="Baskerville Old Face" panose="02020602080505020303" pitchFamily="18" charset="0"/>
-                <a:ea typeface="Calibri" panose="020F0502020204030204" pitchFamily="34" charset="0"/>
-                <a:cs typeface="Calibri" panose="020F0502020204030204" pitchFamily="34" charset="0"/>
-              </a:rPr>
-              <a:t>Stern features</a:t>
-            </a:r>
-          </a:p>
-          <a:p>
-            <a:pPr marL="342900" marR="36195" indent="-342900" algn="just">
-              <a:lnSpc>
-                <a:spcPct val="150000"/>
-              </a:lnSpc>
-              <a:buFont typeface="Symbol" panose="05050102010706020507" pitchFamily="18" charset="2"/>
-              <a:buChar char=""/>
-              <a:tabLst>
-                <a:tab pos="1587500" algn="l"/>
-                <a:tab pos="1765300" algn="l"/>
-              </a:tabLst>
-            </a:pPr>
-            <a:r>
-              <a:rPr lang="en-GB" sz="2800" dirty="0">
-                <a:effectLst/>
-                <a:latin typeface="Baskerville Old Face" panose="02020602080505020303" pitchFamily="18" charset="0"/>
-                <a:ea typeface="Calibri" panose="020F0502020204030204" pitchFamily="34" charset="0"/>
-                <a:cs typeface="Calibri" panose="020F0502020204030204" pitchFamily="34" charset="0"/>
-              </a:rPr>
-              <a:t>Heavy brow</a:t>
-            </a:r>
-            <a:endParaRPr lang="fr-FR" sz="2800" dirty="0">
-              <a:effectLst/>
-              <a:latin typeface="Baskerville Old Face" panose="02020602080505020303" pitchFamily="18" charset="0"/>
-              <a:ea typeface="Calibri" panose="020F0502020204030204" pitchFamily="34" charset="0"/>
-              <a:cs typeface="Calibri" panose="020F0502020204030204" pitchFamily="34" charset="0"/>
-            </a:endParaRPr>
-          </a:p>
-        </p:txBody>
-      </p:sp>
-      <p:sp>
-        <p:nvSpPr>
-          <p:cNvPr id="2" name="ZoneTexte 1">
-            <a:extLst>
-              <a:ext uri="{FF2B5EF4-FFF2-40B4-BE49-F238E27FC236}">
-                <a16:creationId xmlns:a16="http://schemas.microsoft.com/office/drawing/2014/main" id="{7E54C9BC-DAB6-4FEC-8847-C2E505684D2F}"/>
-              </a:ext>
-            </a:extLst>
-          </p:cNvPr>
-          <p:cNvSpPr txBox="1"/>
-          <p:nvPr/>
-        </p:nvSpPr>
-        <p:spPr>
-          <a:xfrm>
-            <a:off x="6270173" y="1654742"/>
-            <a:ext cx="4389120" cy="4893647"/>
-          </a:xfrm>
-          <a:prstGeom prst="rect">
-            <a:avLst/>
-          </a:prstGeom>
-          <a:noFill/>
-        </p:spPr>
-        <p:txBody>
-          <a:bodyPr wrap="square" rtlCol="0">
-            <a:spAutoFit/>
-          </a:bodyPr>
-          <a:lstStyle/>
-          <a:p>
-            <a:pPr marL="342900" marR="36195" lvl="0" indent="-342900" algn="just">
-              <a:lnSpc>
-                <a:spcPct val="150000"/>
-              </a:lnSpc>
-              <a:spcAft>
-                <a:spcPts val="0"/>
-              </a:spcAft>
-              <a:buFont typeface="Symbol" panose="05050102010706020507" pitchFamily="18" charset="2"/>
-              <a:buChar char=""/>
-              <a:tabLst>
-                <a:tab pos="1587500" algn="l"/>
-                <a:tab pos="1765300" algn="l"/>
-              </a:tabLst>
-            </a:pPr>
-            <a:r>
-              <a:rPr lang="en-GB" sz="2800" dirty="0">
-                <a:effectLst/>
-                <a:latin typeface="Baskerville Old Face" panose="02020602080505020303" pitchFamily="18" charset="0"/>
-                <a:ea typeface="Calibri" panose="020F0502020204030204" pitchFamily="34" charset="0"/>
-                <a:cs typeface="Calibri" panose="020F0502020204030204" pitchFamily="34" charset="0"/>
-              </a:rPr>
-              <a:t>Thwarted eyes</a:t>
-            </a:r>
-            <a:endParaRPr lang="fr-FR" sz="2800" dirty="0">
-              <a:effectLst/>
-              <a:latin typeface="Baskerville Old Face" panose="02020602080505020303" pitchFamily="18" charset="0"/>
-              <a:ea typeface="Calibri" panose="020F0502020204030204" pitchFamily="34" charset="0"/>
-              <a:cs typeface="Calibri" panose="020F0502020204030204" pitchFamily="34" charset="0"/>
-            </a:endParaRPr>
-          </a:p>
-          <a:p>
-            <a:pPr marL="342900" marR="36195" indent="-342900" algn="just">
-              <a:lnSpc>
-                <a:spcPct val="150000"/>
-              </a:lnSpc>
-              <a:buFont typeface="Symbol" panose="05050102010706020507" pitchFamily="18" charset="2"/>
-              <a:buChar char=""/>
-              <a:tabLst>
-                <a:tab pos="1587500" algn="l"/>
-                <a:tab pos="1765300" algn="l"/>
-              </a:tabLst>
-            </a:pPr>
-            <a:r>
-              <a:rPr lang="en-GB" sz="2800" dirty="0">
-                <a:effectLst/>
-                <a:latin typeface="Baskerville Old Face" panose="02020602080505020303" pitchFamily="18" charset="0"/>
-                <a:ea typeface="Calibri" panose="020F0502020204030204" pitchFamily="34" charset="0"/>
-                <a:cs typeface="Calibri" panose="020F0502020204030204" pitchFamily="34" charset="0"/>
-              </a:rPr>
-              <a:t>Handsome, heroic-looking gentleman</a:t>
-            </a:r>
-            <a:endParaRPr lang="fr-FR" sz="2800" dirty="0">
-              <a:effectLst/>
-              <a:latin typeface="Baskerville Old Face" panose="02020602080505020303" pitchFamily="18" charset="0"/>
-              <a:ea typeface="Calibri" panose="020F0502020204030204" pitchFamily="34" charset="0"/>
-              <a:cs typeface="Calibri" panose="020F0502020204030204" pitchFamily="34" charset="0"/>
-            </a:endParaRPr>
-          </a:p>
-          <a:p>
-            <a:pPr marL="342900" marR="36195" lvl="0" indent="-342900" algn="just">
-              <a:lnSpc>
-                <a:spcPct val="150000"/>
-              </a:lnSpc>
-              <a:spcAft>
-                <a:spcPts val="0"/>
-              </a:spcAft>
-              <a:buFont typeface="Symbol" panose="05050102010706020507" pitchFamily="18" charset="2"/>
-              <a:buChar char=""/>
-              <a:tabLst>
-                <a:tab pos="1587500" algn="l"/>
-                <a:tab pos="1765300" algn="l"/>
-              </a:tabLst>
-            </a:pPr>
-            <a:r>
-              <a:rPr lang="en-GB" sz="2800" dirty="0">
-                <a:effectLst/>
-                <a:latin typeface="Baskerville Old Face" panose="02020602080505020303" pitchFamily="18" charset="0"/>
-                <a:ea typeface="Calibri" panose="020F0502020204030204" pitchFamily="34" charset="0"/>
-                <a:cs typeface="Calibri" panose="020F0502020204030204" pitchFamily="34" charset="0"/>
-              </a:rPr>
-              <a:t>I met those qualities incarnate in masculine shape</a:t>
-            </a:r>
-          </a:p>
-          <a:p>
-            <a:pPr marL="342900" marR="36195" indent="-342900" algn="just">
-              <a:lnSpc>
-                <a:spcPct val="150000"/>
-              </a:lnSpc>
-              <a:buFont typeface="Symbol" panose="05050102010706020507" pitchFamily="18" charset="2"/>
-              <a:buChar char=""/>
-              <a:tabLst>
-                <a:tab pos="1587500" algn="l"/>
-                <a:tab pos="1765300" algn="l"/>
-              </a:tabLst>
-            </a:pPr>
-            <a:r>
-              <a:rPr lang="en-GB" sz="2800" dirty="0">
-                <a:effectLst/>
-                <a:latin typeface="Baskerville Old Face" panose="02020602080505020303" pitchFamily="18" charset="0"/>
-                <a:ea typeface="Calibri" panose="020F0502020204030204" pitchFamily="34" charset="0"/>
-                <a:cs typeface="Calibri" panose="020F0502020204030204" pitchFamily="34" charset="0"/>
-              </a:rPr>
-              <a:t>Frown, roughness</a:t>
-            </a:r>
-            <a:endParaRPr lang="fr-FR" sz="2800" dirty="0">
-              <a:effectLst/>
-              <a:latin typeface="Baskerville Old Face" panose="02020602080505020303" pitchFamily="18" charset="0"/>
-              <a:ea typeface="Calibri" panose="020F0502020204030204" pitchFamily="34" charset="0"/>
-              <a:cs typeface="Calibri" panose="020F0502020204030204" pitchFamily="34" charset="0"/>
-            </a:endParaRPr>
-          </a:p>
-          <a:p>
-            <a:endParaRPr lang="fr-FR" dirty="0"/>
-          </a:p>
-        </p:txBody>
-      </p:sp>
-    </p:spTree>
-    <p:extLst>
-      <p:ext uri="{BB962C8B-B14F-4D97-AF65-F5344CB8AC3E}">
-        <p14:creationId xmlns:p14="http://schemas.microsoft.com/office/powerpoint/2010/main" val="4218735667"/>
-      </p:ext>
-    </p:extLst>
-  </p:cSld>
-  <p:clrMapOvr>
-    <a:masterClrMapping/>
-  </p:clrMapOvr>
-</p:sld>
-</file>
-
-<file path=ppt/slides/slide7.xml><?xml version="1.0" encoding="utf-8"?>
-<p:sld xmlns:a="http://schemas.openxmlformats.org/drawingml/2006/main" xmlns:r="http://schemas.openxmlformats.org/officeDocument/2006/relationships" xmlns:p="http://schemas.openxmlformats.org/presentationml/2006/main">
-  <p:cSld>
-    <p:spTree>
-      <p:nvGrpSpPr>
-        <p:cNvPr id="1" name=""/>
-        <p:cNvGrpSpPr/>
-        <p:nvPr/>
-      </p:nvGrpSpPr>
-      <p:grpSpPr>
-        <a:xfrm>
-          <a:off x="0" y="0"/>
-          <a:ext cx="0" cy="0"/>
-          <a:chOff x="0" y="0"/>
-          <a:chExt cx="0" cy="0"/>
-        </a:xfrm>
-      </p:grpSpPr>
-      <p:pic>
-        <p:nvPicPr>
-          <p:cNvPr id="11" name="Image 10" descr="Une image contenant vieux&#10;&#10;Description générée automatiquement">
-            <a:extLst>
-              <a:ext uri="{FF2B5EF4-FFF2-40B4-BE49-F238E27FC236}">
-                <a16:creationId xmlns:a16="http://schemas.microsoft.com/office/drawing/2014/main" id="{492C6E4F-3EC1-4A71-9023-67D30574C206}"/>
-              </a:ext>
-            </a:extLst>
-          </p:cNvPr>
-          <p:cNvPicPr>
-            <a:picLocks noChangeAspect="1"/>
-          </p:cNvPicPr>
-          <p:nvPr/>
-        </p:nvPicPr>
-        <p:blipFill>
-          <a:blip r:embed="rId2">
-            <a:extLst>
-              <a:ext uri="{28A0092B-C50C-407E-A947-70E740481C1C}">
-                <a14:useLocalDpi xmlns:a14="http://schemas.microsoft.com/office/drawing/2010/main" val="0"/>
-              </a:ext>
-            </a:extLst>
-          </a:blip>
-          <a:stretch>
-            <a:fillRect/>
-          </a:stretch>
-        </p:blipFill>
-        <p:spPr>
-          <a:xfrm>
-            <a:off x="0" y="0"/>
-            <a:ext cx="12192000" cy="6858000"/>
-          </a:xfrm>
-          <a:prstGeom prst="rect">
-            <a:avLst/>
-          </a:prstGeom>
-        </p:spPr>
-      </p:pic>
-      <p:sp>
-        <p:nvSpPr>
-          <p:cNvPr id="13" name="Rectangle 12">
-            <a:extLst>
-              <a:ext uri="{FF2B5EF4-FFF2-40B4-BE49-F238E27FC236}">
-                <a16:creationId xmlns:a16="http://schemas.microsoft.com/office/drawing/2014/main" id="{73D72025-4A3D-41D2-919C-264DD094BDC9}"/>
-              </a:ext>
-            </a:extLst>
-          </p:cNvPr>
-          <p:cNvSpPr/>
-          <p:nvPr/>
-        </p:nvSpPr>
-        <p:spPr>
-          <a:xfrm>
-            <a:off x="219075" y="133350"/>
-            <a:ext cx="11801475" cy="6534150"/>
-          </a:xfrm>
-          <a:prstGeom prst="rect">
-            <a:avLst/>
-          </a:prstGeom>
-          <a:noFill/>
-          <a:ln w="19050">
-            <a:solidFill>
-              <a:schemeClr val="tx1"/>
-            </a:solidFill>
-          </a:ln>
-        </p:spPr>
-        <p:style>
-          <a:lnRef idx="2">
-            <a:schemeClr val="accent1">
-              <a:shade val="50000"/>
-            </a:schemeClr>
-          </a:lnRef>
-          <a:fillRef idx="1">
-            <a:schemeClr val="accent1"/>
-          </a:fillRef>
-          <a:effectRef idx="0">
-            <a:schemeClr val="accent1"/>
-          </a:effectRef>
-          <a:fontRef idx="minor">
-            <a:schemeClr val="lt1"/>
-          </a:fontRef>
-        </p:style>
-        <p:txBody>
-          <a:bodyPr rtlCol="0" anchor="ctr"/>
-          <a:lstStyle/>
-          <a:p>
-            <a:pPr algn="ctr"/>
-            <a:endParaRPr lang="fr-FR"/>
-          </a:p>
-        </p:txBody>
-      </p:sp>
-      <p:sp>
-        <p:nvSpPr>
-          <p:cNvPr id="6" name="ZoneTexte 5">
-            <a:extLst>
-              <a:ext uri="{FF2B5EF4-FFF2-40B4-BE49-F238E27FC236}">
-                <a16:creationId xmlns:a16="http://schemas.microsoft.com/office/drawing/2014/main" id="{2B2A90D1-B0AD-49C8-8ABE-AD79025949F1}"/>
-              </a:ext>
-            </a:extLst>
-          </p:cNvPr>
-          <p:cNvSpPr txBox="1"/>
-          <p:nvPr/>
-        </p:nvSpPr>
-        <p:spPr>
-          <a:xfrm>
-            <a:off x="2956560" y="615297"/>
-            <a:ext cx="8286750" cy="830997"/>
-          </a:xfrm>
-          <a:prstGeom prst="rect">
-            <a:avLst/>
-          </a:prstGeom>
-          <a:noFill/>
-        </p:spPr>
-        <p:txBody>
-          <a:bodyPr wrap="square">
-            <a:spAutoFit/>
-          </a:bodyPr>
-          <a:lstStyle/>
-          <a:p>
-            <a:r>
-              <a:rPr lang="en-GB" sz="4800" b="1" u="sng" dirty="0">
-                <a:latin typeface="Baskerville Old Face" panose="02020602080505020303" pitchFamily="18" charset="0"/>
-                <a:ea typeface="Times New Roman" panose="02020603050405020304" pitchFamily="18" charset="0"/>
-                <a:cs typeface="Times New Roman" panose="02020603050405020304" pitchFamily="18" charset="0"/>
-              </a:rPr>
-              <a:t>C</a:t>
-            </a:r>
-            <a:r>
-              <a:rPr lang="en-GB" sz="4800" b="1" u="sng" dirty="0">
-                <a:effectLst/>
-                <a:latin typeface="Baskerville Old Face" panose="02020602080505020303" pitchFamily="18" charset="0"/>
-                <a:ea typeface="Times New Roman" panose="02020603050405020304" pitchFamily="18" charset="0"/>
-                <a:cs typeface="Times New Roman" panose="02020603050405020304" pitchFamily="18" charset="0"/>
-              </a:rPr>
-              <a:t>haracters’ conversation</a:t>
-            </a:r>
-            <a:endParaRPr lang="fr-FR" sz="4800" b="1" u="sng" dirty="0">
-              <a:latin typeface="Baskerville Old Face" panose="02020602080505020303" pitchFamily="18" charset="0"/>
-            </a:endParaRPr>
-          </a:p>
-        </p:txBody>
-      </p:sp>
-      <p:sp>
-        <p:nvSpPr>
-          <p:cNvPr id="7" name="ZoneTexte 6">
-            <a:extLst>
-              <a:ext uri="{FF2B5EF4-FFF2-40B4-BE49-F238E27FC236}">
-                <a16:creationId xmlns:a16="http://schemas.microsoft.com/office/drawing/2014/main" id="{B1E0DCBE-65BB-41CA-924B-679F785BC4F2}"/>
-              </a:ext>
-            </a:extLst>
-          </p:cNvPr>
-          <p:cNvSpPr txBox="1"/>
-          <p:nvPr/>
-        </p:nvSpPr>
-        <p:spPr>
-          <a:xfrm>
-            <a:off x="3186111" y="1656608"/>
-            <a:ext cx="9091614" cy="584775"/>
-          </a:xfrm>
-          <a:prstGeom prst="rect">
-            <a:avLst/>
-          </a:prstGeom>
-          <a:noFill/>
-        </p:spPr>
-        <p:txBody>
-          <a:bodyPr wrap="square">
-            <a:spAutoFit/>
-          </a:bodyPr>
-          <a:lstStyle/>
-          <a:p>
-            <a:r>
-              <a:rPr lang="en-GB" sz="3200" dirty="0">
-                <a:latin typeface="Baskerville Old Face" panose="02020602080505020303" pitchFamily="18" charset="0"/>
-                <a:ea typeface="Times New Roman" panose="02020603050405020304" pitchFamily="18" charset="0"/>
-                <a:cs typeface="Times New Roman" panose="02020603050405020304" pitchFamily="18" charset="0"/>
-              </a:rPr>
-              <a:t>A c</a:t>
-            </a:r>
-            <a:r>
-              <a:rPr lang="en-GB" sz="3200" dirty="0">
-                <a:effectLst/>
-                <a:latin typeface="Baskerville Old Face" panose="02020602080505020303" pitchFamily="18" charset="0"/>
-                <a:ea typeface="Times New Roman" panose="02020603050405020304" pitchFamily="18" charset="0"/>
-                <a:cs typeface="Times New Roman" panose="02020603050405020304" pitchFamily="18" charset="0"/>
-              </a:rPr>
-              <a:t>old tone with short sentences</a:t>
-            </a:r>
-          </a:p>
-        </p:txBody>
-      </p:sp>
-      <p:sp>
-        <p:nvSpPr>
-          <p:cNvPr id="2" name="Flèche : droite 1">
-            <a:extLst>
-              <a:ext uri="{FF2B5EF4-FFF2-40B4-BE49-F238E27FC236}">
-                <a16:creationId xmlns:a16="http://schemas.microsoft.com/office/drawing/2014/main" id="{F0E58CB1-308E-4288-8A6A-6740B1579C30}"/>
-              </a:ext>
-            </a:extLst>
-          </p:cNvPr>
-          <p:cNvSpPr/>
-          <p:nvPr/>
-        </p:nvSpPr>
-        <p:spPr>
-          <a:xfrm>
-            <a:off x="1358537" y="4062549"/>
-            <a:ext cx="1598023" cy="953588"/>
-          </a:xfrm>
-          <a:prstGeom prst="rightArrow">
-            <a:avLst/>
-          </a:prstGeom>
-          <a:solidFill>
-            <a:schemeClr val="tx1"/>
-          </a:solidFill>
-          <a:ln>
-            <a:solidFill>
-              <a:schemeClr val="tx1"/>
-            </a:solidFill>
-          </a:ln>
-        </p:spPr>
-        <p:style>
-          <a:lnRef idx="2">
-            <a:schemeClr val="accent1">
-              <a:shade val="50000"/>
-            </a:schemeClr>
-          </a:lnRef>
-          <a:fillRef idx="1">
-            <a:schemeClr val="accent1"/>
-          </a:fillRef>
-          <a:effectRef idx="0">
-            <a:schemeClr val="accent1"/>
-          </a:effectRef>
-          <a:fontRef idx="minor">
-            <a:schemeClr val="lt1"/>
-          </a:fontRef>
-        </p:style>
-        <p:txBody>
-          <a:bodyPr rtlCol="0" anchor="ctr"/>
-          <a:lstStyle/>
-          <a:p>
-            <a:pPr algn="ctr"/>
-            <a:endParaRPr lang="fr-FR"/>
-          </a:p>
-        </p:txBody>
-      </p:sp>
-      <p:sp>
-        <p:nvSpPr>
-          <p:cNvPr id="3" name="ZoneTexte 2">
-            <a:extLst>
-              <a:ext uri="{FF2B5EF4-FFF2-40B4-BE49-F238E27FC236}">
-                <a16:creationId xmlns:a16="http://schemas.microsoft.com/office/drawing/2014/main" id="{B653F4CB-F97E-498A-8ED9-59CE8200E335}"/>
-              </a:ext>
-            </a:extLst>
-          </p:cNvPr>
-          <p:cNvSpPr txBox="1"/>
-          <p:nvPr/>
-        </p:nvSpPr>
-        <p:spPr>
-          <a:xfrm>
-            <a:off x="3595823" y="3818535"/>
-            <a:ext cx="7785463" cy="1846659"/>
-          </a:xfrm>
-          <a:prstGeom prst="rect">
-            <a:avLst/>
-          </a:prstGeom>
-          <a:noFill/>
-        </p:spPr>
-        <p:txBody>
-          <a:bodyPr wrap="square" rtlCol="0">
-            <a:spAutoFit/>
-          </a:bodyPr>
-          <a:lstStyle/>
-          <a:p>
-            <a:r>
-              <a:rPr lang="en-GB" sz="3200" dirty="0">
-                <a:effectLst/>
-                <a:latin typeface="Baskerville Old Face" panose="02020602080505020303" pitchFamily="18" charset="0"/>
-                <a:ea typeface="Calibri" panose="020F0502020204030204" pitchFamily="34" charset="0"/>
-                <a:cs typeface="Calibri" panose="020F0502020204030204" pitchFamily="34" charset="0"/>
-              </a:rPr>
-              <a:t>The readers may feel puzzled by the behaviour of Jane towards Mr. Rochester’s attitude, who is attracted by his roughness</a:t>
-            </a:r>
-            <a:endParaRPr lang="fr-FR" sz="3200" dirty="0">
-              <a:effectLst/>
-              <a:latin typeface="Baskerville Old Face" panose="02020602080505020303" pitchFamily="18" charset="0"/>
-              <a:ea typeface="Calibri" panose="020F0502020204030204" pitchFamily="34" charset="0"/>
-              <a:cs typeface="Calibri" panose="020F0502020204030204" pitchFamily="34" charset="0"/>
-            </a:endParaRPr>
-          </a:p>
-          <a:p>
-            <a:endParaRPr lang="fr-FR" dirty="0"/>
-          </a:p>
-        </p:txBody>
-      </p:sp>
-    </p:spTree>
-    <p:extLst>
-      <p:ext uri="{BB962C8B-B14F-4D97-AF65-F5344CB8AC3E}">
-        <p14:creationId xmlns:p14="http://schemas.microsoft.com/office/powerpoint/2010/main" val="3860119611"/>
-      </p:ext>
-    </p:extLst>
-  </p:cSld>
-  <p:clrMapOvr>
-    <a:masterClrMapping/>
-  </p:clrMapOvr>
-</p:sld>
-</file>
-
 <file path=ppt/slides/slide8.xml><?xml version="1.0" encoding="utf-8"?>
 <p:sld xmlns:a="http://schemas.openxmlformats.org/drawingml/2006/main" xmlns:r="http://schemas.openxmlformats.org/officeDocument/2006/relationships" xmlns:p="http://schemas.openxmlformats.org/presentationml/2006/main">
   <p:cSld>
@@ -6007,8 +7777,8 @@
         </p:nvSpPr>
         <p:spPr>
           <a:xfrm>
-            <a:off x="317862" y="492785"/>
-            <a:ext cx="8710611" cy="1323696"/>
+            <a:off x="2133600" y="457200"/>
+            <a:ext cx="8286750" cy="860941"/>
           </a:xfrm>
           <a:prstGeom prst="rect">
             <a:avLst/>
@@ -6021,48 +7791,25 @@
           </a:bodyPr>
           <a:lstStyle/>
           <a:p>
-            <a:pPr marL="63500" indent="304800">
-              <a:lnSpc>
-                <a:spcPct val="103000"/>
-              </a:lnSpc>
-              <a:spcBef>
-                <a:spcPts val="60"/>
-              </a:spcBef>
-            </a:pPr>
-            <a:r>
-              <a:rPr lang="en-US" sz="4000" b="1" dirty="0">
+            <a:r>
+              <a:rPr lang="en-GB" sz="4800" b="1" u="sng" dirty="0">
+                <a:latin typeface="Baskerville Old Face" panose="02020602080505020303" pitchFamily="18" charset="0"/>
+                <a:ea typeface="Calibri" panose="020F0502020204030204" pitchFamily="34" charset="0"/>
+                <a:cs typeface="Times New Roman" panose="02020603050405020304" pitchFamily="18" charset="0"/>
+              </a:rPr>
+              <a:t>T</a:t>
+            </a:r>
+            <a:r>
+              <a:rPr lang="en-GB" sz="4800" b="1" u="sng" dirty="0">
                 <a:effectLst/>
-                <a:latin typeface="Old English Text MT" panose="03040902040508030806" pitchFamily="66" charset="0"/>
-                <a:ea typeface="Times New Roman" panose="02020603050405020304" pitchFamily="18" charset="0"/>
-                <a:cs typeface="Calibri" panose="020F0502020204030204" pitchFamily="34" charset="0"/>
-              </a:rPr>
-              <a:t>Like heath that, in the wilderness,</a:t>
-            </a:r>
-            <a:endParaRPr lang="fr-FR" sz="4000" b="1" dirty="0">
-              <a:latin typeface="Old English Text MT" panose="03040902040508030806" pitchFamily="66" charset="0"/>
-              <a:ea typeface="Times New Roman" panose="02020603050405020304" pitchFamily="18" charset="0"/>
-            </a:endParaRPr>
-          </a:p>
-          <a:p>
-            <a:pPr marL="63500" indent="304800">
-              <a:lnSpc>
-                <a:spcPct val="103000"/>
-              </a:lnSpc>
-              <a:spcBef>
-                <a:spcPts val="60"/>
-              </a:spcBef>
-            </a:pPr>
-            <a:r>
-              <a:rPr lang="en-US" sz="4000" b="1" dirty="0">
-                <a:effectLst/>
-                <a:latin typeface="Old English Text MT" panose="03040902040508030806" pitchFamily="66" charset="0"/>
-                <a:ea typeface="Times New Roman" panose="02020603050405020304" pitchFamily="18" charset="0"/>
-                <a:cs typeface="Calibri" panose="020F0502020204030204" pitchFamily="34" charset="0"/>
-              </a:rPr>
-              <a:t>The wild wind whirls away.</a:t>
-            </a:r>
-            <a:endParaRPr lang="fr-FR" sz="4000" b="1" u="sng" dirty="0">
-              <a:latin typeface="Old English Text MT" panose="03040902040508030806" pitchFamily="66" charset="0"/>
+                <a:latin typeface="Baskerville Old Face" panose="02020602080505020303" pitchFamily="18" charset="0"/>
+                <a:ea typeface="Calibri" panose="020F0502020204030204" pitchFamily="34" charset="0"/>
+                <a:cs typeface="Times New Roman" panose="02020603050405020304" pitchFamily="18" charset="0"/>
+              </a:rPr>
+              <a:t>he two characters’ personality</a:t>
+            </a:r>
+            <a:endParaRPr lang="fr-FR" sz="4800" b="1" u="sng" dirty="0">
+              <a:latin typeface="Baskerville Old Face" panose="02020602080505020303" pitchFamily="18" charset="0"/>
             </a:endParaRPr>
           </a:p>
         </p:txBody>
@@ -6081,8 +7828,8 @@
         </p:nvSpPr>
         <p:spPr>
           <a:xfrm>
-            <a:off x="6511493" y="1296304"/>
-            <a:ext cx="3729855" cy="400110"/>
+            <a:off x="985836" y="1946790"/>
+            <a:ext cx="9091614" cy="1077218"/>
           </a:xfrm>
           <a:prstGeom prst="rect">
             <a:avLst/>
@@ -6095,45 +7842,121 @@
           </a:bodyPr>
           <a:lstStyle/>
           <a:p>
-            <a:r>
-              <a:rPr lang="fr-FR" sz="2000" i="1" dirty="0">
-                <a:effectLst/>
-                <a:latin typeface="Baskerville Old Face" panose="02020602080505020303" pitchFamily="18" charset="0"/>
-                <a:ea typeface="Times New Roman" panose="02020603050405020304" pitchFamily="18" charset="0"/>
-                <a:cs typeface="Calibri" panose="020F0502020204030204" pitchFamily="34" charset="0"/>
-              </a:rPr>
-              <a:t>Quotation </a:t>
-            </a:r>
-            <a:r>
-              <a:rPr lang="fr-FR" sz="2000" i="1" dirty="0" err="1">
-                <a:effectLst/>
-                <a:latin typeface="Baskerville Old Face" panose="02020602080505020303" pitchFamily="18" charset="0"/>
-                <a:ea typeface="Times New Roman" panose="02020603050405020304" pitchFamily="18" charset="0"/>
-                <a:cs typeface="Calibri" panose="020F0502020204030204" pitchFamily="34" charset="0"/>
-              </a:rPr>
-              <a:t>from</a:t>
-            </a:r>
-            <a:r>
-              <a:rPr lang="fr-FR" sz="2000" i="1" dirty="0">
-                <a:effectLst/>
-                <a:latin typeface="Baskerville Old Face" panose="02020602080505020303" pitchFamily="18" charset="0"/>
-                <a:ea typeface="Times New Roman" panose="02020603050405020304" pitchFamily="18" charset="0"/>
-                <a:cs typeface="Calibri" panose="020F0502020204030204" pitchFamily="34" charset="0"/>
-              </a:rPr>
-              <a:t> Thomas Moore</a:t>
-            </a:r>
-            <a:endParaRPr lang="fr-FR" sz="2000" i="1" dirty="0">
+            <a:pPr marL="285750" indent="-285750">
+              <a:buFontTx/>
+              <a:buChar char="-"/>
+            </a:pPr>
+            <a:r>
+              <a:rPr lang="fr-FR" sz="3200" dirty="0">
+                <a:latin typeface="Baskerville Old Face" panose="02020602080505020303" pitchFamily="18" charset="0"/>
+              </a:rPr>
+              <a:t>Jane </a:t>
+            </a:r>
+            <a:r>
+              <a:rPr lang="fr-FR" sz="3200" dirty="0" err="1">
+                <a:latin typeface="Baskerville Old Face" panose="02020602080505020303" pitchFamily="18" charset="0"/>
+              </a:rPr>
+              <a:t>is</a:t>
+            </a:r>
+            <a:r>
+              <a:rPr lang="fr-FR" sz="3200" dirty="0">
+                <a:latin typeface="Baskerville Old Face" panose="02020602080505020303" pitchFamily="18" charset="0"/>
+              </a:rPr>
+              <a:t> </a:t>
+            </a:r>
+            <a:r>
+              <a:rPr lang="fr-FR" sz="3200" dirty="0" err="1">
+                <a:latin typeface="Baskerville Old Face" panose="02020602080505020303" pitchFamily="18" charset="0"/>
+              </a:rPr>
+              <a:t>helpful</a:t>
+            </a:r>
+            <a:r>
+              <a:rPr lang="fr-FR" sz="3200" dirty="0">
+                <a:latin typeface="Baskerville Old Face" panose="02020602080505020303" pitchFamily="18" charset="0"/>
+              </a:rPr>
+              <a:t> and </a:t>
+            </a:r>
+            <a:r>
+              <a:rPr lang="fr-FR" sz="3200" dirty="0" err="1">
+                <a:latin typeface="Baskerville Old Face" panose="02020602080505020303" pitchFamily="18" charset="0"/>
+              </a:rPr>
+              <a:t>daring</a:t>
+            </a:r>
+            <a:endParaRPr lang="fr-FR" sz="3200" dirty="0">
               <a:latin typeface="Baskerville Old Face" panose="02020602080505020303" pitchFamily="18" charset="0"/>
             </a:endParaRPr>
           </a:p>
-        </p:txBody>
-      </p:sp>
+          <a:p>
+            <a:pPr marL="285750" indent="-285750">
+              <a:buFontTx/>
+              <a:buChar char="-"/>
+            </a:pPr>
+            <a:r>
+              <a:rPr lang="fr-FR" sz="3200" dirty="0">
+                <a:latin typeface="Baskerville Old Face" panose="02020602080505020303" pitchFamily="18" charset="0"/>
+              </a:rPr>
+              <a:t>The man </a:t>
+            </a:r>
+            <a:r>
+              <a:rPr lang="fr-FR" sz="3200" dirty="0" err="1">
+                <a:latin typeface="Baskerville Old Face" panose="02020602080505020303" pitchFamily="18" charset="0"/>
+              </a:rPr>
+              <a:t>seem</a:t>
+            </a:r>
+            <a:r>
+              <a:rPr lang="fr-FR" sz="3200" dirty="0">
+                <a:latin typeface="Baskerville Old Face" panose="02020602080505020303" pitchFamily="18" charset="0"/>
+              </a:rPr>
+              <a:t> brave and </a:t>
+            </a:r>
+            <a:r>
+              <a:rPr lang="fr-FR" sz="3200" dirty="0" err="1">
+                <a:latin typeface="Baskerville Old Face" panose="02020602080505020303" pitchFamily="18" charset="0"/>
+              </a:rPr>
+              <a:t>autonomous</a:t>
+            </a:r>
+            <a:endParaRPr lang="fr-FR" sz="3200" dirty="0">
+              <a:latin typeface="Baskerville Old Face" panose="02020602080505020303" pitchFamily="18" charset="0"/>
+            </a:endParaRPr>
+          </a:p>
+        </p:txBody>
+      </p:sp>
+    </p:spTree>
+    <p:extLst>
+      <p:ext uri="{BB962C8B-B14F-4D97-AF65-F5344CB8AC3E}">
+        <p14:creationId xmlns:p14="http://schemas.microsoft.com/office/powerpoint/2010/main" val="2638122407"/>
+      </p:ext>
+    </p:extLst>
+  </p:cSld>
+  <p:clrMapOvr>
+    <a:masterClrMapping/>
+  </p:clrMapOvr>
+</p:sld>
+</file>
+
+<file path=ppt/slides/slide9.xml><?xml version="1.0" encoding="utf-8"?>
+<p:sld xmlns:a="http://schemas.openxmlformats.org/drawingml/2006/main" xmlns:r="http://schemas.openxmlformats.org/officeDocument/2006/relationships" xmlns:p="http://schemas.openxmlformats.org/presentationml/2006/main">
+  <p:cSld>
+    <p:spTree>
+      <p:nvGrpSpPr>
+        <p:cNvPr id="1" name=""/>
+        <p:cNvGrpSpPr/>
+        <p:nvPr/>
+      </p:nvGrpSpPr>
+      <p:grpSpPr>
+        <a:xfrm>
+          <a:off x="0" y="0"/>
+          <a:ext cx="0" cy="0"/>
+          <a:chOff x="0" y="0"/>
+          <a:chExt cx="0" cy="0"/>
+        </a:xfrm>
+      </p:grpSpPr>
       <p:pic>
         <p:nvPicPr>
-          <p:cNvPr id="5" name="Image 4">
-            <a:extLst>
-              <a:ext uri="{FF2B5EF4-FFF2-40B4-BE49-F238E27FC236}">
-                <a16:creationId xmlns:a16="http://schemas.microsoft.com/office/drawing/2014/main" id="{F1E38AF7-6C52-4BBA-8624-49272AC8A379}"/>
+          <p:cNvPr id="11" name="Image 10" descr="Une image contenant vieux&#10;&#10;Description générée automatiquement">
+            <a:extLst>
+              <a:ext uri="{FF2B5EF4-FFF2-40B4-BE49-F238E27FC236}">
+                <a16:creationId xmlns:a16="http://schemas.microsoft.com/office/drawing/2014/main" id="{492C6E4F-3EC1-4A71-9023-67D30574C206}"/>
               </a:ext>
             </a:extLst>
           </p:cNvPr>
@@ -6143,20 +7966,21 @@
           <p:nvPr/>
         </p:nvPicPr>
         <p:blipFill>
-          <a:blip r:embed="rId3">
+          <a:blip r:embed="rId2">
             <a:extLst>
               <a:ext uri="{28A0092B-C50C-407E-A947-70E740481C1C}">
                 <a14:useLocalDpi xmlns:a14="http://schemas.microsoft.com/office/drawing/2010/main" val="0"/>
               </a:ext>
             </a:extLst>
           </a:blip>
-          <a:srcRect l="11524" r="11524"/>
-          <a:stretch/>
+          <a:stretch>
+            <a:fillRect/>
+          </a:stretch>
         </p:blipFill>
         <p:spPr>
-          <a:xfrm rot="5400000">
-            <a:off x="4163341" y="463896"/>
-            <a:ext cx="3912941" cy="7498080"/>
+          <a:xfrm>
+            <a:off x="0" y="0"/>
+            <a:ext cx="12192000" cy="6858000"/>
           </a:xfrm>
           <a:prstGeom prst="rect">
             <a:avLst/>
@@ -6165,111 +7989,187 @@
       </p:pic>
       <p:sp>
         <p:nvSpPr>
-          <p:cNvPr id="2" name="ZoneTexte 1">
-            <a:extLst>
-              <a:ext uri="{FF2B5EF4-FFF2-40B4-BE49-F238E27FC236}">
-                <a16:creationId xmlns:a16="http://schemas.microsoft.com/office/drawing/2014/main" id="{3AC3C665-F773-47D4-9ED5-E012BE458767}"/>
-              </a:ext>
-            </a:extLst>
-          </p:cNvPr>
-          <p:cNvSpPr txBox="1"/>
+          <p:cNvPr id="13" name="Rectangle 12">
+            <a:extLst>
+              <a:ext uri="{FF2B5EF4-FFF2-40B4-BE49-F238E27FC236}">
+                <a16:creationId xmlns:a16="http://schemas.microsoft.com/office/drawing/2014/main" id="{73D72025-4A3D-41D2-919C-264DD094BDC9}"/>
+              </a:ext>
+            </a:extLst>
+          </p:cNvPr>
+          <p:cNvSpPr/>
           <p:nvPr/>
         </p:nvSpPr>
         <p:spPr>
           <a:xfrm>
-            <a:off x="3480094" y="2837972"/>
-            <a:ext cx="5279433" cy="2554545"/>
+            <a:off x="219075" y="133350"/>
+            <a:ext cx="11801475" cy="6534150"/>
           </a:xfrm>
           <a:prstGeom prst="rect">
             <a:avLst/>
           </a:prstGeom>
           <a:noFill/>
-        </p:spPr>
-        <p:txBody>
-          <a:bodyPr wrap="square" rtlCol="0">
+          <a:ln w="19050">
+            <a:solidFill>
+              <a:schemeClr val="tx1"/>
+            </a:solidFill>
+          </a:ln>
+        </p:spPr>
+        <p:style>
+          <a:lnRef idx="2">
+            <a:schemeClr val="accent1">
+              <a:shade val="50000"/>
+            </a:schemeClr>
+          </a:lnRef>
+          <a:fillRef idx="1">
+            <a:schemeClr val="accent1"/>
+          </a:fillRef>
+          <a:effectRef idx="0">
+            <a:schemeClr val="accent1"/>
+          </a:effectRef>
+          <a:fontRef idx="minor">
+            <a:schemeClr val="lt1"/>
+          </a:fontRef>
+        </p:style>
+        <p:txBody>
+          <a:bodyPr rtlCol="0" anchor="ctr"/>
+          <a:lstStyle/>
+          <a:p>
+            <a:pPr algn="ctr"/>
+            <a:endParaRPr lang="fr-FR"/>
+          </a:p>
+        </p:txBody>
+      </p:sp>
+      <p:sp>
+        <p:nvSpPr>
+          <p:cNvPr id="6" name="ZoneTexte 5">
+            <a:extLst>
+              <a:ext uri="{FF2B5EF4-FFF2-40B4-BE49-F238E27FC236}">
+                <a16:creationId xmlns:a16="http://schemas.microsoft.com/office/drawing/2014/main" id="{2B2A90D1-B0AD-49C8-8ABE-AD79025949F1}"/>
+              </a:ext>
+            </a:extLst>
+          </p:cNvPr>
+          <p:cNvSpPr txBox="1"/>
+          <p:nvPr/>
+        </p:nvSpPr>
+        <p:spPr>
+          <a:xfrm>
+            <a:off x="692331" y="529560"/>
+            <a:ext cx="11077303" cy="1569660"/>
+          </a:xfrm>
+          <a:prstGeom prst="rect">
+            <a:avLst/>
+          </a:prstGeom>
+          <a:noFill/>
+        </p:spPr>
+        <p:txBody>
+          <a:bodyPr wrap="square">
             <a:spAutoFit/>
           </a:bodyPr>
           <a:lstStyle/>
           <a:p>
-            <a:pPr algn="ctr"/>
-            <a:r>
-              <a:rPr lang="en-GB" sz="3200" dirty="0">
+            <a:r>
+              <a:rPr lang="en-GB" sz="4800" b="1" dirty="0">
+                <a:solidFill>
+                  <a:schemeClr val="accent6">
+                    <a:lumMod val="50000"/>
+                  </a:schemeClr>
+                </a:solidFill>
+                <a:latin typeface="Baskerville Old Face" panose="02020602080505020303" pitchFamily="18" charset="0"/>
+                <a:ea typeface="Calibri" panose="020F0502020204030204" pitchFamily="34" charset="0"/>
+                <a:cs typeface="Times New Roman" panose="02020603050405020304" pitchFamily="18" charset="0"/>
+              </a:rPr>
+              <a:t>How Jane describe the rider’s physical appearance ?</a:t>
+            </a:r>
+            <a:endParaRPr lang="fr-FR" sz="4800" dirty="0">
+              <a:solidFill>
+                <a:schemeClr val="accent6">
+                  <a:lumMod val="50000"/>
+                </a:schemeClr>
+              </a:solidFill>
+              <a:latin typeface="Baskerville Old Face" panose="02020602080505020303" pitchFamily="18" charset="0"/>
+            </a:endParaRPr>
+          </a:p>
+        </p:txBody>
+      </p:sp>
+      <p:sp>
+        <p:nvSpPr>
+          <p:cNvPr id="7" name="ZoneTexte 6">
+            <a:extLst>
+              <a:ext uri="{FF2B5EF4-FFF2-40B4-BE49-F238E27FC236}">
+                <a16:creationId xmlns:a16="http://schemas.microsoft.com/office/drawing/2014/main" id="{B1E0DCBE-65BB-41CA-924B-679F785BC4F2}"/>
+              </a:ext>
+            </a:extLst>
+          </p:cNvPr>
+          <p:cNvSpPr txBox="1"/>
+          <p:nvPr/>
+        </p:nvSpPr>
+        <p:spPr>
+          <a:xfrm>
+            <a:off x="959710" y="2696678"/>
+            <a:ext cx="9091614" cy="2062103"/>
+          </a:xfrm>
+          <a:prstGeom prst="rect">
+            <a:avLst/>
+          </a:prstGeom>
+          <a:noFill/>
+        </p:spPr>
+        <p:txBody>
+          <a:bodyPr wrap="square">
+            <a:spAutoFit/>
+          </a:bodyPr>
+          <a:lstStyle/>
+          <a:p>
+            <a:r>
+              <a:rPr lang="en-US" sz="3200" dirty="0">
+                <a:effectLst/>
                 <a:latin typeface="Baskerville Old Face" panose="02020602080505020303" pitchFamily="18" charset="0"/>
                 <a:ea typeface="Times New Roman" panose="02020603050405020304" pitchFamily="18" charset="0"/>
-                <a:cs typeface="Times New Roman" panose="02020603050405020304" pitchFamily="18" charset="0"/>
-              </a:rPr>
-              <a:t>A</a:t>
-            </a:r>
-            <a:r>
-              <a:rPr lang="en-GB" sz="3200" dirty="0">
+                <a:cs typeface="Calibri" panose="020F0502020204030204" pitchFamily="34" charset="0"/>
+              </a:rPr>
+              <a:t>- a middle-</a:t>
+            </a:r>
+            <a:r>
+              <a:rPr lang="en-US" sz="3200" dirty="0" err="1">
                 <a:effectLst/>
                 <a:latin typeface="Baskerville Old Face" panose="02020602080505020303" pitchFamily="18" charset="0"/>
                 <a:ea typeface="Times New Roman" panose="02020603050405020304" pitchFamily="18" charset="0"/>
-                <a:cs typeface="Times New Roman" panose="02020603050405020304" pitchFamily="18" charset="0"/>
-              </a:rPr>
-              <a:t>lliteration in -w-</a:t>
-            </a:r>
-            <a:r>
-              <a:rPr lang="fr-FR" sz="3200" dirty="0">
+                <a:cs typeface="Calibri" panose="020F0502020204030204" pitchFamily="34" charset="0"/>
+              </a:rPr>
+              <a:t>highted</a:t>
+            </a:r>
+            <a:r>
+              <a:rPr lang="en-US" sz="3200" dirty="0">
                 <a:effectLst/>
                 <a:latin typeface="Baskerville Old Face" panose="02020602080505020303" pitchFamily="18" charset="0"/>
                 <a:ea typeface="Times New Roman" panose="02020603050405020304" pitchFamily="18" charset="0"/>
-                <a:cs typeface="Times New Roman" panose="02020603050405020304" pitchFamily="18" charset="0"/>
-              </a:rPr>
-              <a:t> : Harmony</a:t>
-            </a:r>
-          </a:p>
-          <a:p>
-            <a:pPr algn="ctr"/>
-            <a:endParaRPr lang="fr-FR" sz="3200" dirty="0">
-              <a:effectLst/>
+                <a:cs typeface="Calibri" panose="020F0502020204030204" pitchFamily="34" charset="0"/>
+              </a:rPr>
+              <a:t> man</a:t>
+            </a:r>
+          </a:p>
+          <a:p>
+            <a:r>
+              <a:rPr lang="en-US" sz="3200" dirty="0">
+                <a:effectLst/>
+                <a:latin typeface="Baskerville Old Face" panose="02020602080505020303" pitchFamily="18" charset="0"/>
+                <a:ea typeface="Times New Roman" panose="02020603050405020304" pitchFamily="18" charset="0"/>
+                <a:cs typeface="Calibri" panose="020F0502020204030204" pitchFamily="34" charset="0"/>
+              </a:rPr>
+              <a:t>- a dark face with stern’s features, heavy brow, his eyes and gathered eyebrows looked ireful and thwarted</a:t>
+            </a:r>
+            <a:endParaRPr lang="en-US" sz="3200" dirty="0">
               <a:latin typeface="Baskerville Old Face" panose="02020602080505020303" pitchFamily="18" charset="0"/>
               <a:ea typeface="Times New Roman" panose="02020603050405020304" pitchFamily="18" charset="0"/>
-              <a:cs typeface="Times New Roman" panose="02020603050405020304" pitchFamily="18" charset="0"/>
+              <a:cs typeface="Calibri" panose="020F0502020204030204" pitchFamily="34" charset="0"/>
             </a:endParaRPr>
           </a:p>
           <a:p>
-            <a:r>
-              <a:rPr lang="en-GB" sz="3200" dirty="0">
-                <a:latin typeface="Baskerville Old Face" panose="02020602080505020303" pitchFamily="18" charset="0"/>
-                <a:ea typeface="Calibri" panose="020F0502020204030204" pitchFamily="34" charset="0"/>
-                <a:cs typeface="Calibri" panose="020F0502020204030204" pitchFamily="34" charset="0"/>
-              </a:rPr>
-              <a:t>L</a:t>
-            </a:r>
-            <a:r>
-              <a:rPr lang="en-GB" sz="3200" dirty="0">
-                <a:effectLst/>
-                <a:latin typeface="Baskerville Old Face" panose="02020602080505020303" pitchFamily="18" charset="0"/>
-                <a:ea typeface="Calibri" panose="020F0502020204030204" pitchFamily="34" charset="0"/>
-                <a:cs typeface="Calibri" panose="020F0502020204030204" pitchFamily="34" charset="0"/>
-              </a:rPr>
-              <a:t>ike the wind that whirls again and again</a:t>
-            </a:r>
-          </a:p>
-          <a:p>
-            <a:r>
-              <a:rPr lang="en-GB" sz="3200" dirty="0">
-                <a:latin typeface="Baskerville Old Face" panose="02020602080505020303" pitchFamily="18" charset="0"/>
-                <a:ea typeface="Calibri" panose="020F0502020204030204" pitchFamily="34" charset="0"/>
-                <a:cs typeface="Calibri" panose="020F0502020204030204" pitchFamily="34" charset="0"/>
-              </a:rPr>
-              <a:t>R</a:t>
-            </a:r>
-            <a:r>
-              <a:rPr lang="en-GB" sz="3200" dirty="0">
-                <a:effectLst/>
-                <a:latin typeface="Baskerville Old Face" panose="02020602080505020303" pitchFamily="18" charset="0"/>
-                <a:ea typeface="Calibri" panose="020F0502020204030204" pitchFamily="34" charset="0"/>
-                <a:cs typeface="Calibri" panose="020F0502020204030204" pitchFamily="34" charset="0"/>
-              </a:rPr>
-              <a:t>eader can sense it</a:t>
-            </a:r>
+            <a:pPr marL="457200" indent="-457200">
+              <a:buFontTx/>
+              <a:buChar char="-"/>
+            </a:pPr>
             <a:endParaRPr lang="fr-FR" sz="3200" dirty="0">
-              <a:effectLst/>
               <a:latin typeface="Baskerville Old Face" panose="02020602080505020303" pitchFamily="18" charset="0"/>
-              <a:ea typeface="Calibri" panose="020F0502020204030204" pitchFamily="34" charset="0"/>
-              <a:cs typeface="Calibri" panose="020F0502020204030204" pitchFamily="34" charset="0"/>
             </a:endParaRPr>
           </a:p>
         </p:txBody>
@@ -6277,7 +8177,7 @@
     </p:spTree>
     <p:extLst>
       <p:ext uri="{BB962C8B-B14F-4D97-AF65-F5344CB8AC3E}">
-        <p14:creationId xmlns:p14="http://schemas.microsoft.com/office/powerpoint/2010/main" val="4171654808"/>
+        <p14:creationId xmlns:p14="http://schemas.microsoft.com/office/powerpoint/2010/main" val="934972209"/>
       </p:ext>
     </p:extLst>
   </p:cSld>
@@ -6580,4 +8480,299 @@
     </a:ext>
   </a:extLst>
 </a:theme>
+</file>
+
+<file path=ppt/theme/theme2.xml><?xml version="1.0" encoding="utf-8"?>
+<a:theme xmlns:a="http://schemas.openxmlformats.org/drawingml/2006/main" name="Thème Office">
+  <a:themeElements>
+    <a:clrScheme name="Office">
+      <a:dk1>
+        <a:sysClr val="windowText" lastClr="000000"/>
+      </a:dk1>
+      <a:lt1>
+        <a:sysClr val="window" lastClr="FFFFFF"/>
+      </a:lt1>
+      <a:dk2>
+        <a:srgbClr val="44546A"/>
+      </a:dk2>
+      <a:lt2>
+        <a:srgbClr val="E7E6E6"/>
+      </a:lt2>
+      <a:accent1>
+        <a:srgbClr val="4472C4"/>
+      </a:accent1>
+      <a:accent2>
+        <a:srgbClr val="ED7D31"/>
+      </a:accent2>
+      <a:accent3>
+        <a:srgbClr val="A5A5A5"/>
+      </a:accent3>
+      <a:accent4>
+        <a:srgbClr val="FFC000"/>
+      </a:accent4>
+      <a:accent5>
+        <a:srgbClr val="5B9BD5"/>
+      </a:accent5>
+      <a:accent6>
+        <a:srgbClr val="70AD47"/>
+      </a:accent6>
+      <a:hlink>
+        <a:srgbClr val="0563C1"/>
+      </a:hlink>
+      <a:folHlink>
+        <a:srgbClr val="954F72"/>
+      </a:folHlink>
+    </a:clrScheme>
+    <a:fontScheme name="Office">
+      <a:majorFont>
+        <a:latin typeface="Calibri Light" panose="020F0302020204030204"/>
+        <a:ea typeface=""/>
+        <a:cs typeface=""/>
+        <a:font script="Jpan" typeface="游ゴシック Light"/>
+        <a:font script="Hang" typeface="맑은 고딕"/>
+        <a:font script="Hans" typeface="等线 Light"/>
+        <a:font script="Hant" typeface="新細明體"/>
+        <a:font script="Arab" typeface="Times New Roman"/>
+        <a:font script="Hebr" typeface="Times New Roman"/>
+        <a:font script="Thai" typeface="Angsana New"/>
+        <a:font script="Ethi" typeface="Nyala"/>
+        <a:font script="Beng" typeface="Vrinda"/>
+        <a:font script="Gujr" typeface="Shruti"/>
+        <a:font script="Khmr" typeface="MoolBoran"/>
+        <a:font script="Knda" typeface="Tunga"/>
+        <a:font script="Guru" typeface="Raavi"/>
+        <a:font script="Cans" typeface="Euphemia"/>
+        <a:font script="Cher" typeface="Plantagenet Cherokee"/>
+        <a:font script="Yiii" typeface="Microsoft Yi Baiti"/>
+        <a:font script="Tibt" typeface="Microsoft Himalaya"/>
+        <a:font script="Thaa" typeface="MV Boli"/>
+        <a:font script="Deva" typeface="Mangal"/>
+        <a:font script="Telu" typeface="Gautami"/>
+        <a:font script="Taml" typeface="Latha"/>
+        <a:font script="Syrc" typeface="Estrangelo Edessa"/>
+        <a:font script="Orya" typeface="Kalinga"/>
+        <a:font script="Mlym" typeface="Kartika"/>
+        <a:font script="Laoo" typeface="DokChampa"/>
+        <a:font script="Sinh" typeface="Iskoola Pota"/>
+        <a:font script="Mong" typeface="Mongolian Baiti"/>
+        <a:font script="Viet" typeface="Times New Roman"/>
+        <a:font script="Uigh" typeface="Microsoft Uighur"/>
+        <a:font script="Geor" typeface="Sylfaen"/>
+        <a:font script="Armn" typeface="Arial"/>
+        <a:font script="Bugi" typeface="Leelawadee UI"/>
+        <a:font script="Bopo" typeface="Microsoft JhengHei"/>
+        <a:font script="Java" typeface="Javanese Text"/>
+        <a:font script="Lisu" typeface="Segoe UI"/>
+        <a:font script="Mymr" typeface="Myanmar Text"/>
+        <a:font script="Nkoo" typeface="Ebrima"/>
+        <a:font script="Olck" typeface="Nirmala UI"/>
+        <a:font script="Osma" typeface="Ebrima"/>
+        <a:font script="Phag" typeface="Phagspa"/>
+        <a:font script="Syrn" typeface="Estrangelo Edessa"/>
+        <a:font script="Syrj" typeface="Estrangelo Edessa"/>
+        <a:font script="Syre" typeface="Estrangelo Edessa"/>
+        <a:font script="Sora" typeface="Nirmala UI"/>
+        <a:font script="Tale" typeface="Microsoft Tai Le"/>
+        <a:font script="Talu" typeface="Microsoft New Tai Lue"/>
+        <a:font script="Tfng" typeface="Ebrima"/>
+      </a:majorFont>
+      <a:minorFont>
+        <a:latin typeface="Calibri" panose="020F0502020204030204"/>
+        <a:ea typeface=""/>
+        <a:cs typeface=""/>
+        <a:font script="Jpan" typeface="游ゴシック"/>
+        <a:font script="Hang" typeface="맑은 고딕"/>
+        <a:font script="Hans" typeface="等线"/>
+        <a:font script="Hant" typeface="新細明體"/>
+        <a:font script="Arab" typeface="Arial"/>
+        <a:font script="Hebr" typeface="Arial"/>
+        <a:font script="Thai" typeface="Cordia New"/>
+        <a:font script="Ethi" typeface="Nyala"/>
+        <a:font script="Beng" typeface="Vrinda"/>
+        <a:font script="Gujr" typeface="Shruti"/>
+        <a:font script="Khmr" typeface="DaunPenh"/>
+        <a:font script="Knda" typeface="Tunga"/>
+        <a:font script="Guru" typeface="Raavi"/>
+        <a:font script="Cans" typeface="Euphemia"/>
+        <a:font script="Cher" typeface="Plantagenet Cherokee"/>
+        <a:font script="Yiii" typeface="Microsoft Yi Baiti"/>
+        <a:font script="Tibt" typeface="Microsoft Himalaya"/>
+        <a:font script="Thaa" typeface="MV Boli"/>
+        <a:font script="Deva" typeface="Mangal"/>
+        <a:font script="Telu" typeface="Gautami"/>
+        <a:font script="Taml" typeface="Latha"/>
+        <a:font script="Syrc" typeface="Estrangelo Edessa"/>
+        <a:font script="Orya" typeface="Kalinga"/>
+        <a:font script="Mlym" typeface="Kartika"/>
+        <a:font script="Laoo" typeface="DokChampa"/>
+        <a:font script="Sinh" typeface="Iskoola Pota"/>
+        <a:font script="Mong" typeface="Mongolian Baiti"/>
+        <a:font script="Viet" typeface="Arial"/>
+        <a:font script="Uigh" typeface="Microsoft Uighur"/>
+        <a:font script="Geor" typeface="Sylfaen"/>
+        <a:font script="Armn" typeface="Arial"/>
+        <a:font script="Bugi" typeface="Leelawadee UI"/>
+        <a:font script="Bopo" typeface="Microsoft JhengHei"/>
+        <a:font script="Java" typeface="Javanese Text"/>
+        <a:font script="Lisu" typeface="Segoe UI"/>
+        <a:font script="Mymr" typeface="Myanmar Text"/>
+        <a:font script="Nkoo" typeface="Ebrima"/>
+        <a:font script="Olck" typeface="Nirmala UI"/>
+        <a:font script="Osma" typeface="Ebrima"/>
+        <a:font script="Phag" typeface="Phagspa"/>
+        <a:font script="Syrn" typeface="Estrangelo Edessa"/>
+        <a:font script="Syrj" typeface="Estrangelo Edessa"/>
+        <a:font script="Syre" typeface="Estrangelo Edessa"/>
+        <a:font script="Sora" typeface="Nirmala UI"/>
+        <a:font script="Tale" typeface="Microsoft Tai Le"/>
+        <a:font script="Talu" typeface="Microsoft New Tai Lue"/>
+        <a:font script="Tfng" typeface="Ebrima"/>
+      </a:minorFont>
+    </a:fontScheme>
+    <a:fmtScheme name="Office">
+      <a:fillStyleLst>
+        <a:solidFill>
+          <a:schemeClr val="phClr"/>
+        </a:solidFill>
+        <a:gradFill rotWithShape="1">
+          <a:gsLst>
+            <a:gs pos="0">
+              <a:schemeClr val="phClr">
+                <a:lumMod val="110000"/>
+                <a:satMod val="105000"/>
+                <a:tint val="67000"/>
+              </a:schemeClr>
+            </a:gs>
+            <a:gs pos="50000">
+              <a:schemeClr val="phClr">
+                <a:lumMod val="105000"/>
+                <a:satMod val="103000"/>
+                <a:tint val="73000"/>
+              </a:schemeClr>
+            </a:gs>
+            <a:gs pos="100000">
+              <a:schemeClr val="phClr">
+                <a:lumMod val="105000"/>
+                <a:satMod val="109000"/>
+                <a:tint val="81000"/>
+              </a:schemeClr>
+            </a:gs>
+          </a:gsLst>
+          <a:lin ang="5400000" scaled="0"/>
+        </a:gradFill>
+        <a:gradFill rotWithShape="1">
+          <a:gsLst>
+            <a:gs pos="0">
+              <a:schemeClr val="phClr">
+                <a:satMod val="103000"/>
+                <a:lumMod val="102000"/>
+                <a:tint val="94000"/>
+              </a:schemeClr>
+            </a:gs>
+            <a:gs pos="50000">
+              <a:schemeClr val="phClr">
+                <a:satMod val="110000"/>
+                <a:lumMod val="100000"/>
+                <a:shade val="100000"/>
+              </a:schemeClr>
+            </a:gs>
+            <a:gs pos="100000">
+              <a:schemeClr val="phClr">
+                <a:lumMod val="99000"/>
+                <a:satMod val="120000"/>
+                <a:shade val="78000"/>
+              </a:schemeClr>
+            </a:gs>
+          </a:gsLst>
+          <a:lin ang="5400000" scaled="0"/>
+        </a:gradFill>
+      </a:fillStyleLst>
+      <a:lnStyleLst>
+        <a:ln w="6350" cap="flat" cmpd="sng" algn="ctr">
+          <a:solidFill>
+            <a:schemeClr val="phClr"/>
+          </a:solidFill>
+          <a:prstDash val="solid"/>
+          <a:miter lim="800000"/>
+        </a:ln>
+        <a:ln w="12700" cap="flat" cmpd="sng" algn="ctr">
+          <a:solidFill>
+            <a:schemeClr val="phClr"/>
+          </a:solidFill>
+          <a:prstDash val="solid"/>
+          <a:miter lim="800000"/>
+        </a:ln>
+        <a:ln w="19050" cap="flat" cmpd="sng" algn="ctr">
+          <a:solidFill>
+            <a:schemeClr val="phClr"/>
+          </a:solidFill>
+          <a:prstDash val="solid"/>
+          <a:miter lim="800000"/>
+        </a:ln>
+      </a:lnStyleLst>
+      <a:effectStyleLst>
+        <a:effectStyle>
+          <a:effectLst/>
+        </a:effectStyle>
+        <a:effectStyle>
+          <a:effectLst/>
+        </a:effectStyle>
+        <a:effectStyle>
+          <a:effectLst>
+            <a:outerShdw blurRad="57150" dist="19050" dir="5400000" algn="ctr" rotWithShape="0">
+              <a:srgbClr val="000000">
+                <a:alpha val="63000"/>
+              </a:srgbClr>
+            </a:outerShdw>
+          </a:effectLst>
+        </a:effectStyle>
+      </a:effectStyleLst>
+      <a:bgFillStyleLst>
+        <a:solidFill>
+          <a:schemeClr val="phClr"/>
+        </a:solidFill>
+        <a:solidFill>
+          <a:schemeClr val="phClr">
+            <a:tint val="95000"/>
+            <a:satMod val="170000"/>
+          </a:schemeClr>
+        </a:solidFill>
+        <a:gradFill rotWithShape="1">
+          <a:gsLst>
+            <a:gs pos="0">
+              <a:schemeClr val="phClr">
+                <a:tint val="93000"/>
+                <a:satMod val="150000"/>
+                <a:shade val="98000"/>
+                <a:lumMod val="102000"/>
+              </a:schemeClr>
+            </a:gs>
+            <a:gs pos="50000">
+              <a:schemeClr val="phClr">
+                <a:tint val="98000"/>
+                <a:satMod val="130000"/>
+                <a:shade val="90000"/>
+                <a:lumMod val="103000"/>
+              </a:schemeClr>
+            </a:gs>
+            <a:gs pos="100000">
+              <a:schemeClr val="phClr">
+                <a:shade val="63000"/>
+                <a:satMod val="120000"/>
+              </a:schemeClr>
+            </a:gs>
+          </a:gsLst>
+          <a:lin ang="5400000" scaled="0"/>
+        </a:gradFill>
+      </a:bgFillStyleLst>
+    </a:fmtScheme>
+  </a:themeElements>
+  <a:objectDefaults/>
+  <a:extraClrSchemeLst/>
+  <a:extLst>
+    <a:ext uri="{05A4C25C-085E-4340-85A3-A5531E510DB2}">
+      <thm15:themeFamily xmlns:thm15="http://schemas.microsoft.com/office/thememl/2012/main" name="Office Theme" id="{62F939B6-93AF-4DB8-9C6B-D6C7DFDC589F}" vid="{4A3C46E8-61CC-4603-A589-7422A47A8E4A}"/>
+    </a:ext>
+  </a:extLst>
+</a:theme>
 </file>